--- a/Facial Emotion Recognition on FER2013.pptx
+++ b/Facial Emotion Recognition on FER2013.pptx
@@ -30,16 +30,17 @@
     <p:sldId id="275" r:id="rId26"/>
     <p:sldId id="276" r:id="rId27"/>
     <p:sldId id="277" r:id="rId28"/>
+    <p:sldId id="278" r:id="rId29"/>
   </p:sldIdLst>
   <p:sldSz cy="6858000" cx="9144000"/>
   <p:notesSz cx="7010400" cy="9296400"/>
   <p:embeddedFontLst>
     <p:embeddedFont>
       <p:font typeface="Candara"/>
-      <p:regular r:id="rId29"/>
-      <p:bold r:id="rId30"/>
-      <p:italic r:id="rId31"/>
-      <p:boldItalic r:id="rId32"/>
+      <p:regular r:id="rId30"/>
+      <p:bold r:id="rId31"/>
+      <p:italic r:id="rId32"/>
+      <p:boldItalic r:id="rId33"/>
     </p:embeddedFont>
   </p:embeddedFontLst>
   <p:defaultTextStyle>
@@ -301,7 +302,7 @@
       </p15:notesGuideLst>
     </p:ext>
     <p:ext uri="http://customooxmlschemas.google.com/">
-      <go:slidesCustomData xmlns:go="http://customooxmlschemas.google.com/" r:id="rId33" roundtripDataSignature="AMtx7mgQOhBoRiZLbG6f8f1Qt7iALQjiBg=="/>
+      <go:slidesCustomData xmlns:go="http://customooxmlschemas.google.com/" r:id="rId34" roundtripDataSignature="AMtx7mjgEplL/OR9MiI63bfbT31sJjE0xA=="/>
     </p:ext>
   </p:extLst>
 </p:presentation>
@@ -1631,7 +1632,7 @@
   <p:cSld>
     <p:spTree>
       <p:nvGrpSpPr>
-        <p:cNvPr id="144" name="Shape 144"/>
+        <p:cNvPr id="145" name="Shape 145"/>
         <p:cNvGrpSpPr/>
         <p:nvPr/>
       </p:nvGrpSpPr>
@@ -1645,7 +1646,7 @@
       </p:grpSpPr>
       <p:sp>
         <p:nvSpPr>
-          <p:cNvPr id="145" name="Google Shape;145;p7:notes"/>
+          <p:cNvPr id="146" name="Google Shape;146;p7:notes"/>
           <p:cNvSpPr txBox="1"/>
           <p:nvPr>
             <p:ph idx="1" type="body"/>
@@ -1739,7 +1740,7 @@
       </p:sp>
       <p:sp>
         <p:nvSpPr>
-          <p:cNvPr id="146" name="Google Shape;146;p7:notes"/>
+          <p:cNvPr id="147" name="Google Shape;147;p7:notes"/>
           <p:cNvSpPr/>
           <p:nvPr>
             <p:ph idx="2" type="sldImg"/>
@@ -1785,7 +1786,7 @@
   <p:cSld>
     <p:spTree>
       <p:nvGrpSpPr>
-        <p:cNvPr id="153" name="Shape 153"/>
+        <p:cNvPr id="154" name="Shape 154"/>
         <p:cNvGrpSpPr/>
         <p:nvPr/>
       </p:nvGrpSpPr>
@@ -1799,7 +1800,7 @@
       </p:grpSpPr>
       <p:sp>
         <p:nvSpPr>
-          <p:cNvPr id="154" name="Google Shape;154;p8:notes"/>
+          <p:cNvPr id="155" name="Google Shape;155;p8:notes"/>
           <p:cNvSpPr txBox="1"/>
           <p:nvPr>
             <p:ph idx="1" type="body"/>
@@ -1929,7 +1930,7 @@
       </p:sp>
       <p:sp>
         <p:nvSpPr>
-          <p:cNvPr id="155" name="Google Shape;155;p8:notes"/>
+          <p:cNvPr id="156" name="Google Shape;156;p8:notes"/>
           <p:cNvSpPr/>
           <p:nvPr>
             <p:ph idx="2" type="sldImg"/>
@@ -1975,7 +1976,7 @@
   <p:cSld>
     <p:spTree>
       <p:nvGrpSpPr>
-        <p:cNvPr id="162" name="Shape 162"/>
+        <p:cNvPr id="163" name="Shape 163"/>
         <p:cNvGrpSpPr/>
         <p:nvPr/>
       </p:nvGrpSpPr>
@@ -1989,7 +1990,7 @@
       </p:grpSpPr>
       <p:sp>
         <p:nvSpPr>
-          <p:cNvPr id="163" name="Google Shape;163;ge41a7a39a1_0_0:notes"/>
+          <p:cNvPr id="164" name="Google Shape;164;ge41a7a39a1_0_0:notes"/>
           <p:cNvSpPr/>
           <p:nvPr>
             <p:ph idx="2" type="sldImg"/>
@@ -2024,7 +2025,7 @@
       </p:sp>
       <p:sp>
         <p:nvSpPr>
-          <p:cNvPr id="164" name="Google Shape;164;ge41a7a39a1_0_0:notes"/>
+          <p:cNvPr id="165" name="Google Shape;165;ge41a7a39a1_0_0:notes"/>
           <p:cNvSpPr txBox="1"/>
           <p:nvPr>
             <p:ph idx="1" type="body"/>
@@ -2064,7 +2065,7 @@
       </p:sp>
       <p:sp>
         <p:nvSpPr>
-          <p:cNvPr id="165" name="Google Shape;165;ge41a7a39a1_0_0:notes"/>
+          <p:cNvPr id="166" name="Google Shape;166;ge41a7a39a1_0_0:notes"/>
           <p:cNvSpPr txBox="1"/>
           <p:nvPr>
             <p:ph idx="12" type="sldNum"/>
@@ -2119,7 +2120,7 @@
   <p:cSld>
     <p:spTree>
       <p:nvGrpSpPr>
-        <p:cNvPr id="172" name="Shape 172"/>
+        <p:cNvPr id="174" name="Shape 174"/>
         <p:cNvGrpSpPr/>
         <p:nvPr/>
       </p:nvGrpSpPr>
@@ -2133,7 +2134,7 @@
       </p:grpSpPr>
       <p:sp>
         <p:nvSpPr>
-          <p:cNvPr id="173" name="Google Shape;173;ge160048ebe_0_42:notes"/>
+          <p:cNvPr id="175" name="Google Shape;175;ge160048ebe_0_42:notes"/>
           <p:cNvSpPr/>
           <p:nvPr>
             <p:ph idx="2" type="sldImg"/>
@@ -2168,7 +2169,7 @@
       </p:sp>
       <p:sp>
         <p:nvSpPr>
-          <p:cNvPr id="174" name="Google Shape;174;ge160048ebe_0_42:notes"/>
+          <p:cNvPr id="176" name="Google Shape;176;ge160048ebe_0_42:notes"/>
           <p:cNvSpPr txBox="1"/>
           <p:nvPr>
             <p:ph idx="1" type="body"/>
@@ -2280,7 +2281,7 @@
       </p:sp>
       <p:sp>
         <p:nvSpPr>
-          <p:cNvPr id="175" name="Google Shape;175;ge160048ebe_0_42:notes"/>
+          <p:cNvPr id="177" name="Google Shape;177;ge160048ebe_0_42:notes"/>
           <p:cNvSpPr txBox="1"/>
           <p:nvPr>
             <p:ph idx="12" type="sldNum"/>
@@ -2335,7 +2336,7 @@
   <p:cSld>
     <p:spTree>
       <p:nvGrpSpPr>
-        <p:cNvPr id="181" name="Shape 181"/>
+        <p:cNvPr id="184" name="Shape 184"/>
         <p:cNvGrpSpPr/>
         <p:nvPr/>
       </p:nvGrpSpPr>
@@ -2349,7 +2350,7 @@
       </p:grpSpPr>
       <p:sp>
         <p:nvSpPr>
-          <p:cNvPr id="182" name="Google Shape;182;ge41a7a39a1_0_8:notes"/>
+          <p:cNvPr id="185" name="Google Shape;185;ge41a7a39a1_0_8:notes"/>
           <p:cNvSpPr/>
           <p:nvPr>
             <p:ph idx="2" type="sldImg"/>
@@ -2384,7 +2385,7 @@
       </p:sp>
       <p:sp>
         <p:nvSpPr>
-          <p:cNvPr id="183" name="Google Shape;183;ge41a7a39a1_0_8:notes"/>
+          <p:cNvPr id="186" name="Google Shape;186;ge41a7a39a1_0_8:notes"/>
           <p:cNvSpPr txBox="1"/>
           <p:nvPr>
             <p:ph idx="1" type="body"/>
@@ -2429,7 +2430,7 @@
       </p:sp>
       <p:sp>
         <p:nvSpPr>
-          <p:cNvPr id="184" name="Google Shape;184;ge41a7a39a1_0_8:notes"/>
+          <p:cNvPr id="187" name="Google Shape;187;ge41a7a39a1_0_8:notes"/>
           <p:cNvSpPr txBox="1"/>
           <p:nvPr>
             <p:ph idx="12" type="sldNum"/>
@@ -2484,7 +2485,7 @@
   <p:cSld>
     <p:spTree>
       <p:nvGrpSpPr>
-        <p:cNvPr id="191" name="Shape 191"/>
+        <p:cNvPr id="195" name="Shape 195"/>
         <p:cNvGrpSpPr/>
         <p:nvPr/>
       </p:nvGrpSpPr>
@@ -2498,7 +2499,7 @@
       </p:grpSpPr>
       <p:sp>
         <p:nvSpPr>
-          <p:cNvPr id="192" name="Google Shape;192;ge160048ebe_0_52:notes"/>
+          <p:cNvPr id="196" name="Google Shape;196;ge160048ebe_0_52:notes"/>
           <p:cNvSpPr/>
           <p:nvPr>
             <p:ph idx="2" type="sldImg"/>
@@ -2533,7 +2534,7 @@
       </p:sp>
       <p:sp>
         <p:nvSpPr>
-          <p:cNvPr id="193" name="Google Shape;193;ge160048ebe_0_52:notes"/>
+          <p:cNvPr id="197" name="Google Shape;197;ge160048ebe_0_52:notes"/>
           <p:cNvSpPr txBox="1"/>
           <p:nvPr>
             <p:ph idx="1" type="body"/>
@@ -2734,7 +2735,7 @@
       </p:sp>
       <p:sp>
         <p:nvSpPr>
-          <p:cNvPr id="194" name="Google Shape;194;ge160048ebe_0_52:notes"/>
+          <p:cNvPr id="198" name="Google Shape;198;ge160048ebe_0_52:notes"/>
           <p:cNvSpPr txBox="1"/>
           <p:nvPr>
             <p:ph idx="12" type="sldNum"/>
@@ -2789,7 +2790,7 @@
   <p:cSld>
     <p:spTree>
       <p:nvGrpSpPr>
-        <p:cNvPr id="200" name="Shape 200"/>
+        <p:cNvPr id="205" name="Shape 205"/>
         <p:cNvGrpSpPr/>
         <p:nvPr/>
       </p:nvGrpSpPr>
@@ -2803,7 +2804,7 @@
       </p:grpSpPr>
       <p:sp>
         <p:nvSpPr>
-          <p:cNvPr id="201" name="Google Shape;201;ge1625c6ff7_0_45:notes"/>
+          <p:cNvPr id="206" name="Google Shape;206;ge1625c6ff7_0_45:notes"/>
           <p:cNvSpPr/>
           <p:nvPr>
             <p:ph idx="2" type="sldImg"/>
@@ -2838,7 +2839,7 @@
       </p:sp>
       <p:sp>
         <p:nvSpPr>
-          <p:cNvPr id="202" name="Google Shape;202;ge1625c6ff7_0_45:notes"/>
+          <p:cNvPr id="207" name="Google Shape;207;ge1625c6ff7_0_45:notes"/>
           <p:cNvSpPr txBox="1"/>
           <p:nvPr>
             <p:ph idx="1" type="body"/>
@@ -2869,7 +2870,20 @@
               <a:buNone/>
             </a:pPr>
             <a:r>
-              <a:t/>
+              <a:rPr lang="en-US"/>
+              <a:t>Then I will talk about our </a:t>
+            </a:r>
+            <a:r>
+              <a:rPr lang="en-US"/>
+              <a:t>experiment</a:t>
+            </a:r>
+            <a:r>
+              <a:rPr lang="en-US"/>
+              <a:t> </a:t>
+            </a:r>
+            <a:r>
+              <a:rPr lang="en-US"/>
+              <a:t>result on architecture, we also trained some baselines for comparison like pre trained efficientnetb3, resnet50, vgg16 and vggnet for 100 epochs</a:t>
             </a:r>
             <a:endParaRPr/>
           </a:p>
@@ -2877,7 +2891,7 @@
       </p:sp>
       <p:sp>
         <p:nvSpPr>
-          <p:cNvPr id="203" name="Google Shape;203;ge1625c6ff7_0_45:notes"/>
+          <p:cNvPr id="208" name="Google Shape;208;ge1625c6ff7_0_45:notes"/>
           <p:cNvSpPr txBox="1"/>
           <p:nvPr>
             <p:ph idx="12" type="sldNum"/>
@@ -2932,7 +2946,7 @@
   <p:cSld>
     <p:spTree>
       <p:nvGrpSpPr>
-        <p:cNvPr id="209" name="Shape 209"/>
+        <p:cNvPr id="215" name="Shape 215"/>
         <p:cNvGrpSpPr/>
         <p:nvPr/>
       </p:nvGrpSpPr>
@@ -2946,7 +2960,7 @@
       </p:grpSpPr>
       <p:sp>
         <p:nvSpPr>
-          <p:cNvPr id="210" name="Google Shape;210;ge160048ebe_2_6:notes"/>
+          <p:cNvPr id="216" name="Google Shape;216;ge160048ebe_2_6:notes"/>
           <p:cNvSpPr/>
           <p:nvPr>
             <p:ph idx="2" type="sldImg"/>
@@ -2981,7 +2995,7 @@
       </p:sp>
       <p:sp>
         <p:nvSpPr>
-          <p:cNvPr id="211" name="Google Shape;211;ge160048ebe_2_6:notes"/>
+          <p:cNvPr id="217" name="Google Shape;217;ge160048ebe_2_6:notes"/>
           <p:cNvSpPr txBox="1"/>
           <p:nvPr>
             <p:ph idx="1" type="body"/>
@@ -3012,7 +3026,12 @@
               <a:buNone/>
             </a:pPr>
             <a:r>
-              <a:t/>
+              <a:rPr lang="en-US"/>
+              <a:t>B</a:t>
+            </a:r>
+            <a:r>
+              <a:rPr lang="en-US"/>
+              <a:t>oth of these schedulers slowly oscillate the learning rate back and forth thus not allowing for major weight changes.</a:t>
             </a:r>
             <a:endParaRPr/>
           </a:p>
@@ -3020,7 +3039,7 @@
       </p:sp>
       <p:sp>
         <p:nvSpPr>
-          <p:cNvPr id="212" name="Google Shape;212;ge160048ebe_2_6:notes"/>
+          <p:cNvPr id="218" name="Google Shape;218;ge160048ebe_2_6:notes"/>
           <p:cNvSpPr txBox="1"/>
           <p:nvPr>
             <p:ph idx="12" type="sldNum"/>
@@ -3075,7 +3094,7 @@
   <p:cSld>
     <p:spTree>
       <p:nvGrpSpPr>
-        <p:cNvPr id="217" name="Shape 217"/>
+        <p:cNvPr id="224" name="Shape 224"/>
         <p:cNvGrpSpPr/>
         <p:nvPr/>
       </p:nvGrpSpPr>
@@ -3089,7 +3108,7 @@
       </p:grpSpPr>
       <p:sp>
         <p:nvSpPr>
-          <p:cNvPr id="218" name="Google Shape;218;ge1625c6ff7_0_52:notes"/>
+          <p:cNvPr id="225" name="Google Shape;225;ge1625c6ff7_0_52:notes"/>
           <p:cNvSpPr/>
           <p:nvPr>
             <p:ph idx="2" type="sldImg"/>
@@ -3124,7 +3143,7 @@
       </p:sp>
       <p:sp>
         <p:nvSpPr>
-          <p:cNvPr id="219" name="Google Shape;219;ge1625c6ff7_0_52:notes"/>
+          <p:cNvPr id="226" name="Google Shape;226;ge1625c6ff7_0_52:notes"/>
           <p:cNvSpPr txBox="1"/>
           <p:nvPr>
             <p:ph idx="1" type="body"/>
@@ -3163,7 +3182,7 @@
       </p:sp>
       <p:sp>
         <p:nvSpPr>
-          <p:cNvPr id="220" name="Google Shape;220;ge1625c6ff7_0_52:notes"/>
+          <p:cNvPr id="227" name="Google Shape;227;ge1625c6ff7_0_52:notes"/>
           <p:cNvSpPr txBox="1"/>
           <p:nvPr>
             <p:ph idx="12" type="sldNum"/>
@@ -3218,7 +3237,7 @@
   <p:cSld>
     <p:spTree>
       <p:nvGrpSpPr>
-        <p:cNvPr id="226" name="Shape 226"/>
+        <p:cNvPr id="234" name="Shape 234"/>
         <p:cNvGrpSpPr/>
         <p:nvPr/>
       </p:nvGrpSpPr>
@@ -3232,7 +3251,7 @@
       </p:grpSpPr>
       <p:sp>
         <p:nvSpPr>
-          <p:cNvPr id="227" name="Google Shape;227;p10:notes"/>
+          <p:cNvPr id="235" name="Google Shape;235;p10:notes"/>
           <p:cNvSpPr txBox="1"/>
           <p:nvPr>
             <p:ph idx="1" type="body"/>
@@ -3263,7 +3282,16 @@
               <a:buNone/>
             </a:pPr>
             <a:r>
-              <a:t/>
+              <a:rPr lang="en-US"/>
+              <a:t>There is a class imbalance which can be improved. There are more</a:t>
+            </a:r>
+            <a:r>
+              <a:rPr lang="en-US"/>
+              <a:t> samples</a:t>
+            </a:r>
+            <a:r>
+              <a:rPr lang="en-US"/>
+              <a:t> happy and surprise and thus the related performance of the network on these two labels</a:t>
             </a:r>
             <a:endParaRPr/>
           </a:p>
@@ -3271,7 +3299,7 @@
       </p:sp>
       <p:sp>
         <p:nvSpPr>
-          <p:cNvPr id="228" name="Google Shape;228;p10:notes"/>
+          <p:cNvPr id="236" name="Google Shape;236;p10:notes"/>
           <p:cNvSpPr/>
           <p:nvPr>
             <p:ph idx="2" type="sldImg"/>
@@ -3419,6 +3447,17 @@
                   <a:schemeClr val="lt1"/>
                 </a:highlight>
               </a:rPr>
+              <a:t>Let’s talk about our motivation of this project. </a:t>
+            </a:r>
+            <a:r>
+              <a:rPr lang="en-US">
+                <a:solidFill>
+                  <a:srgbClr val="24292E"/>
+                </a:solidFill>
+                <a:highlight>
+                  <a:schemeClr val="lt1"/>
+                </a:highlight>
+              </a:rPr>
               <a:t>This project aims to explore facial emotion recognition. Facial emotion recognition refers to identifying expressions that convey basic emotions, which is quite important for computer to understand human beings. FER has broad research prospects in human-computer interaction and emotional computing, including human-computer interaction, emotion analysis, intelligent security, entertainment, online education, intelligent medical care, etc. For example, it can be used to conduct market research for companies and obtain users' feedback to test video games. However, accurate and robust FER by computer models remains challenging due to the heterogeneity of human faces and variations in images such as different facial pose and lighting. Among all techniques for FER, deep learning models, especially Convolutional Neural Networks (CNNs) have shown great potential due to their powerful automatic feature extraction and computational efficiency.</a:t>
             </a:r>
             <a:endParaRPr/>
@@ -3482,7 +3521,7 @@
   <p:cSld>
     <p:spTree>
       <p:nvGrpSpPr>
-        <p:cNvPr id="237" name="Shape 237"/>
+        <p:cNvPr id="245" name="Shape 245"/>
         <p:cNvGrpSpPr/>
         <p:nvPr/>
       </p:nvGrpSpPr>
@@ -3496,7 +3535,7 @@
       </p:grpSpPr>
       <p:sp>
         <p:nvSpPr>
-          <p:cNvPr id="238" name="Google Shape;238;ge1625c6ff7_0_14:notes"/>
+          <p:cNvPr id="246" name="Google Shape;246;ge3256e802d_0_0:notes"/>
           <p:cNvSpPr txBox="1"/>
           <p:nvPr>
             <p:ph idx="1" type="body"/>
@@ -3527,7 +3566,8 @@
               <a:buNone/>
             </a:pPr>
             <a:r>
-              <a:t/>
+              <a:rPr lang="en-US"/>
+              <a:t>We can see that the network maps the facial features instead of background, hair, hand</a:t>
             </a:r>
             <a:endParaRPr/>
           </a:p>
@@ -3535,7 +3575,7 @@
       </p:sp>
       <p:sp>
         <p:nvSpPr>
-          <p:cNvPr id="239" name="Google Shape;239;ge1625c6ff7_0_14:notes"/>
+          <p:cNvPr id="247" name="Google Shape;247;ge3256e802d_0_0:notes"/>
           <p:cNvSpPr/>
           <p:nvPr>
             <p:ph idx="2" type="sldImg"/>
@@ -3581,7 +3621,7 @@
   <p:cSld>
     <p:spTree>
       <p:nvGrpSpPr>
-        <p:cNvPr id="246" name="Shape 246"/>
+        <p:cNvPr id="256" name="Shape 256"/>
         <p:cNvGrpSpPr/>
         <p:nvPr/>
       </p:nvGrpSpPr>
@@ -3595,7 +3635,7 @@
       </p:grpSpPr>
       <p:sp>
         <p:nvSpPr>
-          <p:cNvPr id="247" name="Google Shape;247;p11:notes"/>
+          <p:cNvPr id="257" name="Google Shape;257;ge1625c6ff7_0_14:notes"/>
           <p:cNvSpPr txBox="1"/>
           <p:nvPr>
             <p:ph idx="1" type="body"/>
@@ -3604,7 +3644,7 @@
         <p:spPr>
           <a:xfrm>
             <a:off x="934720" y="4415790"/>
-            <a:ext cx="5140960" cy="4183380"/>
+            <a:ext cx="5141100" cy="4183500"/>
           </a:xfrm>
           <a:prstGeom prst="rect">
             <a:avLst/>
@@ -3634,7 +3674,7 @@
       </p:sp>
       <p:sp>
         <p:nvSpPr>
-          <p:cNvPr id="248" name="Google Shape;248;p11:notes"/>
+          <p:cNvPr id="258" name="Google Shape;258;ge1625c6ff7_0_14:notes"/>
           <p:cNvSpPr/>
           <p:nvPr>
             <p:ph idx="2" type="sldImg"/>
@@ -3643,7 +3683,7 @@
         <p:spPr>
           <a:xfrm>
             <a:off x="1181100" y="696913"/>
-            <a:ext cx="4648200" cy="3486150"/>
+            <a:ext cx="4648200" cy="3486300"/>
           </a:xfrm>
           <a:custGeom>
             <a:rect b="b" l="l" r="r" t="t"/>
@@ -3680,7 +3720,7 @@
   <p:cSld>
     <p:spTree>
       <p:nvGrpSpPr>
-        <p:cNvPr id="255" name="Shape 255"/>
+        <p:cNvPr id="265" name="Shape 265"/>
         <p:cNvGrpSpPr/>
         <p:nvPr/>
       </p:nvGrpSpPr>
@@ -3694,7 +3734,106 @@
       </p:grpSpPr>
       <p:sp>
         <p:nvSpPr>
-          <p:cNvPr id="256" name="Google Shape;256;p12:notes"/>
+          <p:cNvPr id="266" name="Google Shape;266;p11:notes"/>
+          <p:cNvSpPr txBox="1"/>
+          <p:nvPr>
+            <p:ph idx="1" type="body"/>
+          </p:nvPr>
+        </p:nvSpPr>
+        <p:spPr>
+          <a:xfrm>
+            <a:off x="934720" y="4415790"/>
+            <a:ext cx="5140960" cy="4183380"/>
+          </a:xfrm>
+          <a:prstGeom prst="rect">
+            <a:avLst/>
+          </a:prstGeom>
+        </p:spPr>
+        <p:txBody>
+          <a:bodyPr anchorCtr="0" anchor="t" bIns="46575" lIns="93175" spcFirstLastPara="1" rIns="93175" wrap="square" tIns="46575">
+            <a:noAutofit/>
+          </a:bodyPr>
+          <a:lstStyle/>
+          <a:p>
+            <a:pPr indent="0" lvl="0" marL="0" rtl="0" algn="l">
+              <a:spcBef>
+                <a:spcPts val="360"/>
+              </a:spcBef>
+              <a:spcAft>
+                <a:spcPts val="0"/>
+              </a:spcAft>
+              <a:buNone/>
+            </a:pPr>
+            <a:r>
+              <a:t/>
+            </a:r>
+            <a:endParaRPr/>
+          </a:p>
+        </p:txBody>
+      </p:sp>
+      <p:sp>
+        <p:nvSpPr>
+          <p:cNvPr id="267" name="Google Shape;267;p11:notes"/>
+          <p:cNvSpPr/>
+          <p:nvPr>
+            <p:ph idx="2" type="sldImg"/>
+          </p:nvPr>
+        </p:nvSpPr>
+        <p:spPr>
+          <a:xfrm>
+            <a:off x="1181100" y="696913"/>
+            <a:ext cx="4648200" cy="3486150"/>
+          </a:xfrm>
+          <a:custGeom>
+            <a:rect b="b" l="l" r="r" t="t"/>
+            <a:pathLst>
+              <a:path extrusionOk="0" h="120000" w="120000">
+                <a:moveTo>
+                  <a:pt x="0" y="0"/>
+                </a:moveTo>
+                <a:lnTo>
+                  <a:pt x="120000" y="0"/>
+                </a:lnTo>
+                <a:lnTo>
+                  <a:pt x="120000" y="120000"/>
+                </a:lnTo>
+                <a:lnTo>
+                  <a:pt x="0" y="120000"/>
+                </a:lnTo>
+                <a:close/>
+              </a:path>
+            </a:pathLst>
+          </a:custGeom>
+        </p:spPr>
+      </p:sp>
+    </p:spTree>
+  </p:cSld>
+  <p:clrMapOvr>
+    <a:masterClrMapping/>
+  </p:clrMapOvr>
+</p:notes>
+</file>
+
+<file path=ppt/notesSlides/notesSlide23.xml><?xml version="1.0" encoding="utf-8"?>
+<p:notes xmlns:a="http://schemas.openxmlformats.org/drawingml/2006/main" xmlns:r="http://schemas.openxmlformats.org/officeDocument/2006/relationships" xmlns:mc="http://schemas.openxmlformats.org/markup-compatibility/2006" xmlns:mv="urn:schemas-microsoft-com:mac:vml" xmlns:p="http://schemas.openxmlformats.org/presentationml/2006/main" xmlns:c="http://schemas.openxmlformats.org/drawingml/2006/chart" xmlns:dgm="http://schemas.openxmlformats.org/drawingml/2006/diagram" xmlns:o="urn:schemas-microsoft-com:office:office" xmlns:v="urn:schemas-microsoft-com:vml" xmlns:pvml="urn:schemas-microsoft-com:office:powerpoint" xmlns:com="http://schemas.openxmlformats.org/drawingml/2006/compatibility" xmlns:p14="http://schemas.microsoft.com/office/powerpoint/2010/main" xmlns:p15="http://schemas.microsoft.com/office/powerpoint/2012/main" xmlns:ahyp="http://schemas.microsoft.com/office/drawing/2018/hyperlinkcolor" showMasterPhAnim="0" showMasterSp="0">
+  <p:cSld>
+    <p:spTree>
+      <p:nvGrpSpPr>
+        <p:cNvPr id="274" name="Shape 274"/>
+        <p:cNvGrpSpPr/>
+        <p:nvPr/>
+      </p:nvGrpSpPr>
+      <p:grpSpPr>
+        <a:xfrm>
+          <a:off x="0" y="0"/>
+          <a:ext cx="0" cy="0"/>
+          <a:chOff x="0" y="0"/>
+          <a:chExt cx="0" cy="0"/>
+        </a:xfrm>
+      </p:grpSpPr>
+      <p:sp>
+        <p:nvSpPr>
+          <p:cNvPr id="275" name="Google Shape;275;p12:notes"/>
           <p:cNvSpPr/>
           <p:nvPr>
             <p:ph idx="2" type="sldImg"/>
@@ -3739,7 +3878,7 @@
       </p:sp>
       <p:sp>
         <p:nvSpPr>
-          <p:cNvPr id="257" name="Google Shape;257;p12:notes"/>
+          <p:cNvPr id="276" name="Google Shape;276;p12:notes"/>
           <p:cNvSpPr txBox="1"/>
           <p:nvPr>
             <p:ph idx="1" type="body"/>
@@ -3782,7 +3921,7 @@
       </p:sp>
       <p:sp>
         <p:nvSpPr>
-          <p:cNvPr id="258" name="Google Shape;258;p12:notes"/>
+          <p:cNvPr id="277" name="Google Shape;277;p12:notes"/>
           <p:cNvSpPr txBox="1"/>
           <p:nvPr>
             <p:ph idx="12" type="sldNum"/>
@@ -3932,7 +4071,7 @@
             </a:pPr>
             <a:r>
               <a:rPr lang="en-US"/>
-              <a:t>Our goal is to achieve as much high as possible on FER2013. From the ranking, we choose the highest single-network using only the FER2013 to train. </a:t>
+              <a:t>Then we set our goals. We researched on the rankings and decide to reproduce the highest single-network using only the FER2013 to train. </a:t>
             </a:r>
             <a:endParaRPr/>
           </a:p>
@@ -4284,6 +4423,22 @@
             </a:pPr>
             <a:r>
               <a:rPr lang="en-US"/>
+              <a:t>Here is how fer2013.csv looks like</a:t>
+            </a:r>
+            <a:endParaRPr/>
+          </a:p>
+          <a:p>
+            <a:pPr indent="0" lvl="0" marL="0" rtl="0" algn="l">
+              <a:spcBef>
+                <a:spcPts val="0"/>
+              </a:spcBef>
+              <a:spcAft>
+                <a:spcPts val="0"/>
+              </a:spcAft>
+              <a:buNone/>
+            </a:pPr>
+            <a:r>
+              <a:rPr lang="en-US"/>
               <a:t>Each row here represents one graph. Images are categorized based on the emotion shown in the facial expressions. The column emotion is the class the image belongs to. We can see there are 7 classes and here is the emotion mapping.</a:t>
             </a:r>
             <a:endParaRPr/>
@@ -4414,7 +4569,7 @@
   <p:cSld>
     <p:spTree>
       <p:nvGrpSpPr>
-        <p:cNvPr id="85" name="Shape 85"/>
+        <p:cNvPr id="86" name="Shape 86"/>
         <p:cNvGrpSpPr/>
         <p:nvPr/>
       </p:nvGrpSpPr>
@@ -4428,7 +4583,7 @@
       </p:grpSpPr>
       <p:sp>
         <p:nvSpPr>
-          <p:cNvPr id="86" name="Google Shape;86;p5:notes"/>
+          <p:cNvPr id="87" name="Google Shape;87;p5:notes"/>
           <p:cNvSpPr/>
           <p:nvPr>
             <p:ph idx="2" type="sldImg"/>
@@ -4473,7 +4628,7 @@
       </p:sp>
       <p:sp>
         <p:nvSpPr>
-          <p:cNvPr id="87" name="Google Shape;87;p5:notes"/>
+          <p:cNvPr id="88" name="Google Shape;88;p5:notes"/>
           <p:cNvSpPr txBox="1"/>
           <p:nvPr>
             <p:ph idx="1" type="body"/>
@@ -4533,7 +4688,7 @@
       </p:sp>
       <p:sp>
         <p:nvSpPr>
-          <p:cNvPr id="88" name="Google Shape;88;p5:notes"/>
+          <p:cNvPr id="89" name="Google Shape;89;p5:notes"/>
           <p:cNvSpPr txBox="1"/>
           <p:nvPr>
             <p:ph idx="12" type="sldNum"/>
@@ -4588,7 +4743,7 @@
   <p:cSld>
     <p:spTree>
       <p:nvGrpSpPr>
-        <p:cNvPr id="108" name="Shape 108"/>
+        <p:cNvPr id="109" name="Shape 109"/>
         <p:cNvGrpSpPr/>
         <p:nvPr/>
       </p:nvGrpSpPr>
@@ -4602,7 +4757,7 @@
       </p:grpSpPr>
       <p:sp>
         <p:nvSpPr>
-          <p:cNvPr id="109" name="Google Shape;109;ge27b4ddcf6_0_0:notes"/>
+          <p:cNvPr id="110" name="Google Shape;110;ge27b4ddcf6_0_0:notes"/>
           <p:cNvSpPr/>
           <p:nvPr>
             <p:ph idx="2" type="sldImg"/>
@@ -4647,7 +4802,7 @@
       </p:sp>
       <p:sp>
         <p:nvSpPr>
-          <p:cNvPr id="110" name="Google Shape;110;ge27b4ddcf6_0_0:notes"/>
+          <p:cNvPr id="111" name="Google Shape;111;ge27b4ddcf6_0_0:notes"/>
           <p:cNvSpPr txBox="1"/>
           <p:nvPr>
             <p:ph idx="1" type="body"/>
@@ -4731,11 +4886,11 @@
             </a:pPr>
             <a:r>
               <a:rPr lang="en-US"/>
-              <a:t>Batch normalization is used in the VGG variant, which is the neural network the paper use,</a:t>
+              <a:t>And our VGG model  use batch normalization </a:t>
             </a:r>
             <a:r>
               <a:rPr lang="en-US"/>
-              <a:t> to speed up the learning process, reduce the internal covariance shift, and prevent gradient vanishing or explosion</a:t>
+              <a:t>to speed up the learning process, reduce the internal covariance shift, and prevent gradient vanishing or explosion</a:t>
             </a:r>
             <a:endParaRPr/>
           </a:p>
@@ -4743,7 +4898,7 @@
       </p:sp>
       <p:sp>
         <p:nvSpPr>
-          <p:cNvPr id="111" name="Google Shape;111;ge27b4ddcf6_0_0:notes"/>
+          <p:cNvPr id="112" name="Google Shape;112;ge27b4ddcf6_0_0:notes"/>
           <p:cNvSpPr txBox="1"/>
           <p:nvPr>
             <p:ph idx="12" type="sldNum"/>
@@ -4798,7 +4953,7 @@
   <p:cSld>
     <p:spTree>
       <p:nvGrpSpPr>
-        <p:cNvPr id="119" name="Shape 119"/>
+        <p:cNvPr id="120" name="Shape 120"/>
         <p:cNvGrpSpPr/>
         <p:nvPr/>
       </p:nvGrpSpPr>
@@ -4812,7 +4967,7 @@
       </p:grpSpPr>
       <p:sp>
         <p:nvSpPr>
-          <p:cNvPr id="120" name="Google Shape;120;ge27b4ddcf6_0_9:notes"/>
+          <p:cNvPr id="121" name="Google Shape;121;ge27b4ddcf6_0_9:notes"/>
           <p:cNvSpPr/>
           <p:nvPr>
             <p:ph idx="2" type="sldImg"/>
@@ -4857,7 +5012,7 @@
       </p:sp>
       <p:sp>
         <p:nvSpPr>
-          <p:cNvPr id="121" name="Google Shape;121;ge27b4ddcf6_0_9:notes"/>
+          <p:cNvPr id="122" name="Google Shape;122;ge27b4ddcf6_0_9:notes"/>
           <p:cNvSpPr txBox="1"/>
           <p:nvPr>
             <p:ph idx="1" type="body"/>
@@ -4917,7 +5072,7 @@
       </p:sp>
       <p:sp>
         <p:nvSpPr>
-          <p:cNvPr id="122" name="Google Shape;122;ge27b4ddcf6_0_9:notes"/>
+          <p:cNvPr id="123" name="Google Shape;123;ge27b4ddcf6_0_9:notes"/>
           <p:cNvSpPr txBox="1"/>
           <p:nvPr>
             <p:ph idx="12" type="sldNum"/>
@@ -4972,7 +5127,7 @@
   <p:cSld>
     <p:spTree>
       <p:nvGrpSpPr>
-        <p:cNvPr id="131" name="Shape 131"/>
+        <p:cNvPr id="132" name="Shape 132"/>
         <p:cNvGrpSpPr/>
         <p:nvPr/>
       </p:nvGrpSpPr>
@@ -4986,7 +5141,7 @@
       </p:grpSpPr>
       <p:sp>
         <p:nvSpPr>
-          <p:cNvPr id="132" name="Google Shape;132;p6:notes"/>
+          <p:cNvPr id="133" name="Google Shape;133;p6:notes"/>
           <p:cNvSpPr/>
           <p:nvPr>
             <p:ph idx="2" type="sldImg"/>
@@ -5031,7 +5186,7 @@
       </p:sp>
       <p:sp>
         <p:nvSpPr>
-          <p:cNvPr id="133" name="Google Shape;133;p6:notes"/>
+          <p:cNvPr id="134" name="Google Shape;134;p6:notes"/>
           <p:cNvSpPr txBox="1"/>
           <p:nvPr>
             <p:ph idx="1" type="body"/>
@@ -5128,7 +5283,7 @@
       </p:sp>
       <p:sp>
         <p:nvSpPr>
-          <p:cNvPr id="134" name="Google Shape;134;p6:notes"/>
+          <p:cNvPr id="135" name="Google Shape;135;p6:notes"/>
           <p:cNvSpPr txBox="1"/>
           <p:nvPr>
             <p:ph idx="12" type="sldNum"/>
@@ -9431,7 +9586,7 @@
   <p:cSld>
     <p:spTree>
       <p:nvGrpSpPr>
-        <p:cNvPr id="147" name="Shape 147"/>
+        <p:cNvPr id="148" name="Shape 148"/>
         <p:cNvGrpSpPr/>
         <p:nvPr/>
       </p:nvGrpSpPr>
@@ -9445,7 +9600,7 @@
       </p:grpSpPr>
       <p:sp>
         <p:nvSpPr>
-          <p:cNvPr id="148" name="Google Shape;148;p7"/>
+          <p:cNvPr id="149" name="Google Shape;149;p7"/>
           <p:cNvSpPr txBox="1"/>
           <p:nvPr>
             <p:ph type="title"/>
@@ -9489,50 +9644,6 @@
       </p:sp>
       <p:sp>
         <p:nvSpPr>
-          <p:cNvPr id="149" name="Google Shape;149;p7"/>
-          <p:cNvSpPr txBox="1"/>
-          <p:nvPr>
-            <p:ph idx="11" type="ftr"/>
-          </p:nvPr>
-        </p:nvSpPr>
-        <p:spPr>
-          <a:xfrm>
-            <a:off x="625475" y="0"/>
-            <a:ext cx="5105400" cy="304800"/>
-          </a:xfrm>
-          <a:prstGeom prst="rect">
-            <a:avLst/>
-          </a:prstGeom>
-          <a:noFill/>
-          <a:ln>
-            <a:noFill/>
-          </a:ln>
-        </p:spPr>
-        <p:txBody>
-          <a:bodyPr anchorCtr="0" anchor="ctr" bIns="45700" lIns="91425" spcFirstLastPara="1" rIns="91425" wrap="square" tIns="45700">
-            <a:noAutofit/>
-          </a:bodyPr>
-          <a:lstStyle/>
-          <a:p>
-            <a:pPr indent="0" lvl="0" marL="0" rtl="0" algn="l">
-              <a:spcBef>
-                <a:spcPts val="0"/>
-              </a:spcBef>
-              <a:spcAft>
-                <a:spcPts val="0"/>
-              </a:spcAft>
-              <a:buNone/>
-            </a:pPr>
-            <a:r>
-              <a:rPr lang="en-US"/>
-              <a:t>Deep Video Representations for Action Recognition/Detection</a:t>
-            </a:r>
-            <a:endParaRPr/>
-          </a:p>
-        </p:txBody>
-      </p:sp>
-      <p:sp>
-        <p:nvSpPr>
           <p:cNvPr id="150" name="Google Shape;150;p7"/>
           <p:cNvSpPr txBox="1"/>
           <p:nvPr>
@@ -9569,7 +9680,7 @@
             </a:pPr>
             <a:r>
               <a:rPr lang="en-US"/>
-              <a:t>6/23/2021</a:t>
+              <a:t>6/30/2021</a:t>
             </a:r>
             <a:endParaRPr/>
           </a:p>
@@ -9634,7 +9745,7 @@
             <a:tbl>
               <a:tblPr>
                 <a:noFill/>
-                <a:tableStyleId>{FC7937D9-6947-448E-8C2F-31E3BDA2583D}</a:tableStyleId>
+                <a:tableStyleId>{E12E40AF-FC52-4DA9-8948-5C0E1A0731E2}</a:tableStyleId>
               </a:tblPr>
               <a:tblGrid>
                 <a:gridCol w="2276275"/>
@@ -9884,6 +9995,73 @@
           </a:graphicData>
         </a:graphic>
       </p:graphicFrame>
+      <p:sp>
+        <p:nvSpPr>
+          <p:cNvPr id="153" name="Google Shape;153;p7"/>
+          <p:cNvSpPr txBox="1"/>
+          <p:nvPr>
+            <p:ph idx="11" type="ftr"/>
+          </p:nvPr>
+        </p:nvSpPr>
+        <p:spPr>
+          <a:xfrm>
+            <a:off x="625475" y="76200"/>
+            <a:ext cx="6507600" cy="304800"/>
+          </a:xfrm>
+          <a:prstGeom prst="rect">
+            <a:avLst/>
+          </a:prstGeom>
+          <a:noFill/>
+          <a:ln>
+            <a:noFill/>
+          </a:ln>
+        </p:spPr>
+        <p:txBody>
+          <a:bodyPr anchorCtr="0" anchor="ctr" bIns="45700" lIns="91425" spcFirstLastPara="1" rIns="91425" wrap="square" tIns="45700">
+            <a:noAutofit/>
+          </a:bodyPr>
+          <a:lstStyle/>
+          <a:p>
+            <a:pPr indent="0" lvl="0" marL="0" rtl="0" algn="l">
+              <a:spcBef>
+                <a:spcPts val="0"/>
+              </a:spcBef>
+              <a:spcAft>
+                <a:spcPts val="0"/>
+              </a:spcAft>
+              <a:buClr>
+                <a:srgbClr val="000000"/>
+              </a:buClr>
+              <a:buFont typeface="Arial"/>
+              <a:buNone/>
+            </a:pPr>
+            <a:r>
+              <a:rPr lang="en-US"/>
+              <a:t>Facial Emotion Recognition on FER2013 Using VGGNet</a:t>
+            </a:r>
+            <a:endParaRPr/>
+          </a:p>
+          <a:p>
+            <a:pPr indent="0" lvl="0" marL="0" rtl="0" algn="l">
+              <a:spcBef>
+                <a:spcPts val="0"/>
+              </a:spcBef>
+              <a:spcAft>
+                <a:spcPts val="0"/>
+              </a:spcAft>
+              <a:buClr>
+                <a:srgbClr val="000000"/>
+              </a:buClr>
+              <a:buFont typeface="Arial"/>
+              <a:buNone/>
+            </a:pPr>
+            <a:r>
+              <a:t/>
+            </a:r>
+            <a:endParaRPr/>
+          </a:p>
+        </p:txBody>
+      </p:sp>
     </p:spTree>
   </p:cSld>
   <p:clrMapOvr>
@@ -9897,7 +10075,7 @@
   <p:cSld>
     <p:spTree>
       <p:nvGrpSpPr>
-        <p:cNvPr id="156" name="Shape 156"/>
+        <p:cNvPr id="157" name="Shape 157"/>
         <p:cNvGrpSpPr/>
         <p:nvPr/>
       </p:nvGrpSpPr>
@@ -9911,7 +10089,7 @@
       </p:grpSpPr>
       <p:sp>
         <p:nvSpPr>
-          <p:cNvPr id="157" name="Google Shape;157;p8"/>
+          <p:cNvPr id="158" name="Google Shape;158;p8"/>
           <p:cNvSpPr txBox="1"/>
           <p:nvPr>
             <p:ph type="title"/>
@@ -9955,7 +10133,7 @@
       </p:sp>
       <p:sp>
         <p:nvSpPr>
-          <p:cNvPr id="158" name="Google Shape;158;p8"/>
+          <p:cNvPr id="159" name="Google Shape;159;p8"/>
           <p:cNvSpPr txBox="1"/>
           <p:nvPr>
             <p:ph idx="1" type="body"/>
@@ -10179,7 +10357,11 @@
             </a:pPr>
             <a:r>
               <a:rPr lang="en-US" sz="2100"/>
-              <a:t>Cosine, CosineWR + training with validation data</a:t>
+              <a:t>Cosine, CosineWR</a:t>
+            </a:r>
+            <a:r>
+              <a:rPr lang="en-US" sz="2100"/>
+              <a:t> + training with validation data</a:t>
             </a:r>
             <a:endParaRPr sz="2100"/>
           </a:p>
@@ -10203,7 +10385,95 @@
       </p:sp>
       <p:sp>
         <p:nvSpPr>
-          <p:cNvPr id="159" name="Google Shape;159;p8"/>
+          <p:cNvPr id="160" name="Google Shape;160;p8"/>
+          <p:cNvSpPr txBox="1"/>
+          <p:nvPr>
+            <p:ph idx="10" type="dt"/>
+          </p:nvPr>
+        </p:nvSpPr>
+        <p:spPr>
+          <a:xfrm>
+            <a:off x="7023100" y="0"/>
+            <a:ext cx="1066800" cy="304800"/>
+          </a:xfrm>
+          <a:prstGeom prst="rect">
+            <a:avLst/>
+          </a:prstGeom>
+          <a:noFill/>
+          <a:ln>
+            <a:noFill/>
+          </a:ln>
+        </p:spPr>
+        <p:txBody>
+          <a:bodyPr anchorCtr="0" anchor="ctr" bIns="45700" lIns="0" spcFirstLastPara="1" rIns="0" wrap="square" tIns="45700">
+            <a:noAutofit/>
+          </a:bodyPr>
+          <a:lstStyle/>
+          <a:p>
+            <a:pPr indent="0" lvl="0" marL="0" rtl="0" algn="r">
+              <a:spcBef>
+                <a:spcPts val="0"/>
+              </a:spcBef>
+              <a:spcAft>
+                <a:spcPts val="0"/>
+              </a:spcAft>
+              <a:buNone/>
+            </a:pPr>
+            <a:r>
+              <a:rPr lang="en-US"/>
+              <a:t>6/30/2021</a:t>
+            </a:r>
+            <a:endParaRPr/>
+          </a:p>
+        </p:txBody>
+      </p:sp>
+      <p:sp>
+        <p:nvSpPr>
+          <p:cNvPr id="161" name="Google Shape;161;p8"/>
+          <p:cNvSpPr txBox="1"/>
+          <p:nvPr>
+            <p:ph idx="12" type="sldNum"/>
+          </p:nvPr>
+        </p:nvSpPr>
+        <p:spPr>
+          <a:xfrm>
+            <a:off x="8289925" y="0"/>
+            <a:ext cx="854075" cy="304800"/>
+          </a:xfrm>
+          <a:prstGeom prst="rect">
+            <a:avLst/>
+          </a:prstGeom>
+          <a:noFill/>
+          <a:ln>
+            <a:noFill/>
+          </a:ln>
+        </p:spPr>
+        <p:txBody>
+          <a:bodyPr anchorCtr="0" anchor="ctr" bIns="45700" lIns="0" spcFirstLastPara="1" rIns="0" wrap="square" tIns="45700">
+            <a:noAutofit/>
+          </a:bodyPr>
+          <a:lstStyle/>
+          <a:p>
+            <a:pPr indent="0" lvl="0" marL="0" rtl="0" algn="l">
+              <a:spcBef>
+                <a:spcPts val="0"/>
+              </a:spcBef>
+              <a:spcAft>
+                <a:spcPts val="0"/>
+              </a:spcAft>
+              <a:buNone/>
+            </a:pPr>
+            <a:fld id="{00000000-1234-1234-1234-123412341234}" type="slidenum">
+              <a:rPr lang="en-US"/>
+              <a:t>‹#›</a:t>
+            </a:fld>
+            <a:endParaRPr/>
+          </a:p>
+        </p:txBody>
+      </p:sp>
+      <p:sp>
+        <p:nvSpPr>
+          <p:cNvPr id="162" name="Google Shape;162;p8"/>
           <p:cNvSpPr txBox="1"/>
           <p:nvPr>
             <p:ph idx="11" type="ftr"/>
@@ -10211,8 +10481,8 @@
         </p:nvSpPr>
         <p:spPr>
           <a:xfrm>
-            <a:off x="625475" y="0"/>
-            <a:ext cx="5105400" cy="304800"/>
+            <a:off x="625475" y="76200"/>
+            <a:ext cx="6507600" cy="304800"/>
           </a:xfrm>
           <a:prstGeom prst="rect">
             <a:avLst/>
@@ -10235,86 +10505,18 @@
               <a:spcAft>
                 <a:spcPts val="0"/>
               </a:spcAft>
+              <a:buClr>
+                <a:srgbClr val="000000"/>
+              </a:buClr>
+              <a:buFont typeface="Arial"/>
               <a:buNone/>
             </a:pPr>
             <a:r>
               <a:rPr lang="en-US"/>
-              <a:t>Deep Video Representations for Action Recognition/Detection</a:t>
-            </a:r>
-            <a:endParaRPr/>
-          </a:p>
-        </p:txBody>
-      </p:sp>
-      <p:sp>
-        <p:nvSpPr>
-          <p:cNvPr id="160" name="Google Shape;160;p8"/>
-          <p:cNvSpPr txBox="1"/>
-          <p:nvPr>
-            <p:ph idx="10" type="dt"/>
-          </p:nvPr>
-        </p:nvSpPr>
-        <p:spPr>
-          <a:xfrm>
-            <a:off x="7023100" y="0"/>
-            <a:ext cx="1066800" cy="304800"/>
-          </a:xfrm>
-          <a:prstGeom prst="rect">
-            <a:avLst/>
-          </a:prstGeom>
-          <a:noFill/>
-          <a:ln>
-            <a:noFill/>
-          </a:ln>
-        </p:spPr>
-        <p:txBody>
-          <a:bodyPr anchorCtr="0" anchor="ctr" bIns="45700" lIns="0" spcFirstLastPara="1" rIns="0" wrap="square" tIns="45700">
-            <a:noAutofit/>
-          </a:bodyPr>
-          <a:lstStyle/>
-          <a:p>
-            <a:pPr indent="0" lvl="0" marL="0" rtl="0" algn="r">
-              <a:spcBef>
-                <a:spcPts val="0"/>
-              </a:spcBef>
-              <a:spcAft>
-                <a:spcPts val="0"/>
-              </a:spcAft>
-              <a:buNone/>
-            </a:pPr>
-            <a:r>
-              <a:rPr lang="en-US"/>
-              <a:t>6/23/2021</a:t>
-            </a:r>
-            <a:endParaRPr/>
-          </a:p>
-        </p:txBody>
-      </p:sp>
-      <p:sp>
-        <p:nvSpPr>
-          <p:cNvPr id="161" name="Google Shape;161;p8"/>
-          <p:cNvSpPr txBox="1"/>
-          <p:nvPr>
-            <p:ph idx="12" type="sldNum"/>
-          </p:nvPr>
-        </p:nvSpPr>
-        <p:spPr>
-          <a:xfrm>
-            <a:off x="8289925" y="0"/>
-            <a:ext cx="854075" cy="304800"/>
-          </a:xfrm>
-          <a:prstGeom prst="rect">
-            <a:avLst/>
-          </a:prstGeom>
-          <a:noFill/>
-          <a:ln>
-            <a:noFill/>
-          </a:ln>
-        </p:spPr>
-        <p:txBody>
-          <a:bodyPr anchorCtr="0" anchor="ctr" bIns="45700" lIns="0" spcFirstLastPara="1" rIns="0" wrap="square" tIns="45700">
-            <a:noAutofit/>
-          </a:bodyPr>
-          <a:lstStyle/>
+              <a:t>Facial Emotion Recognition on FER2013 Using VGGNet</a:t>
+            </a:r>
+            <a:endParaRPr/>
+          </a:p>
           <a:p>
             <a:pPr indent="0" lvl="0" marL="0" rtl="0" algn="l">
               <a:spcBef>
@@ -10323,12 +10525,15 @@
               <a:spcAft>
                 <a:spcPts val="0"/>
               </a:spcAft>
-              <a:buNone/>
-            </a:pPr>
-            <a:fld id="{00000000-1234-1234-1234-123412341234}" type="slidenum">
-              <a:rPr lang="en-US"/>
-              <a:t>‹#›</a:t>
-            </a:fld>
+              <a:buClr>
+                <a:srgbClr val="000000"/>
+              </a:buClr>
+              <a:buFont typeface="Arial"/>
+              <a:buNone/>
+            </a:pPr>
+            <a:r>
+              <a:t/>
+            </a:r>
             <a:endParaRPr/>
           </a:p>
         </p:txBody>
@@ -10346,7 +10551,7 @@
   <p:cSld>
     <p:spTree>
       <p:nvGrpSpPr>
-        <p:cNvPr id="166" name="Shape 166"/>
+        <p:cNvPr id="167" name="Shape 167"/>
         <p:cNvGrpSpPr/>
         <p:nvPr/>
       </p:nvGrpSpPr>
@@ -10360,7 +10565,7 @@
       </p:grpSpPr>
       <p:sp>
         <p:nvSpPr>
-          <p:cNvPr id="167" name="Google Shape;167;ge41a7a39a1_0_0"/>
+          <p:cNvPr id="168" name="Google Shape;168;ge41a7a39a1_0_0"/>
           <p:cNvSpPr txBox="1"/>
           <p:nvPr>
             <p:ph type="title"/>
@@ -10404,7 +10609,7 @@
       </p:sp>
       <p:sp>
         <p:nvSpPr>
-          <p:cNvPr id="168" name="Google Shape;168;ge41a7a39a1_0_0"/>
+          <p:cNvPr id="169" name="Google Shape;169;ge41a7a39a1_0_0"/>
           <p:cNvSpPr txBox="1"/>
           <p:nvPr>
             <p:ph idx="1" type="body"/>
@@ -10464,7 +10669,7 @@
       </p:sp>
       <p:sp>
         <p:nvSpPr>
-          <p:cNvPr id="169" name="Google Shape;169;ge41a7a39a1_0_0"/>
+          <p:cNvPr id="170" name="Google Shape;170;ge41a7a39a1_0_0"/>
           <p:cNvSpPr txBox="1"/>
           <p:nvPr>
             <p:ph idx="12" type="sldNum"/>
@@ -10508,7 +10713,7 @@
       </p:sp>
       <p:pic>
         <p:nvPicPr>
-          <p:cNvPr id="170" name="Google Shape;170;ge41a7a39a1_0_0"/>
+          <p:cNvPr id="171" name="Google Shape;171;ge41a7a39a1_0_0"/>
           <p:cNvPicPr preferRelativeResize="0"/>
           <p:nvPr/>
         </p:nvPicPr>
@@ -10536,7 +10741,7 @@
       </p:pic>
       <p:pic>
         <p:nvPicPr>
-          <p:cNvPr id="171" name="Google Shape;171;ge41a7a39a1_0_0"/>
+          <p:cNvPr id="172" name="Google Shape;172;ge41a7a39a1_0_0"/>
           <p:cNvPicPr preferRelativeResize="0"/>
           <p:nvPr/>
         </p:nvPicPr>
@@ -10562,6 +10767,73 @@
           </a:ln>
         </p:spPr>
       </p:pic>
+      <p:sp>
+        <p:nvSpPr>
+          <p:cNvPr id="173" name="Google Shape;173;ge41a7a39a1_0_0"/>
+          <p:cNvSpPr txBox="1"/>
+          <p:nvPr>
+            <p:ph idx="11" type="ftr"/>
+          </p:nvPr>
+        </p:nvSpPr>
+        <p:spPr>
+          <a:xfrm>
+            <a:off x="625475" y="76200"/>
+            <a:ext cx="6507600" cy="304800"/>
+          </a:xfrm>
+          <a:prstGeom prst="rect">
+            <a:avLst/>
+          </a:prstGeom>
+          <a:noFill/>
+          <a:ln>
+            <a:noFill/>
+          </a:ln>
+        </p:spPr>
+        <p:txBody>
+          <a:bodyPr anchorCtr="0" anchor="ctr" bIns="45700" lIns="91425" spcFirstLastPara="1" rIns="91425" wrap="square" tIns="45700">
+            <a:noAutofit/>
+          </a:bodyPr>
+          <a:lstStyle/>
+          <a:p>
+            <a:pPr indent="0" lvl="0" marL="0" rtl="0" algn="l">
+              <a:spcBef>
+                <a:spcPts val="0"/>
+              </a:spcBef>
+              <a:spcAft>
+                <a:spcPts val="0"/>
+              </a:spcAft>
+              <a:buClr>
+                <a:srgbClr val="000000"/>
+              </a:buClr>
+              <a:buFont typeface="Arial"/>
+              <a:buNone/>
+            </a:pPr>
+            <a:r>
+              <a:rPr lang="en-US"/>
+              <a:t>Facial Emotion Recognition on FER2013 Using VGGNet</a:t>
+            </a:r>
+            <a:endParaRPr/>
+          </a:p>
+          <a:p>
+            <a:pPr indent="0" lvl="0" marL="0" rtl="0" algn="l">
+              <a:spcBef>
+                <a:spcPts val="0"/>
+              </a:spcBef>
+              <a:spcAft>
+                <a:spcPts val="0"/>
+              </a:spcAft>
+              <a:buClr>
+                <a:srgbClr val="000000"/>
+              </a:buClr>
+              <a:buFont typeface="Arial"/>
+              <a:buNone/>
+            </a:pPr>
+            <a:r>
+              <a:t/>
+            </a:r>
+            <a:endParaRPr/>
+          </a:p>
+        </p:txBody>
+      </p:sp>
     </p:spTree>
   </p:cSld>
   <p:clrMapOvr>
@@ -10575,7 +10847,7 @@
   <p:cSld>
     <p:spTree>
       <p:nvGrpSpPr>
-        <p:cNvPr id="176" name="Shape 176"/>
+        <p:cNvPr id="178" name="Shape 178"/>
         <p:cNvGrpSpPr/>
         <p:nvPr/>
       </p:nvGrpSpPr>
@@ -10589,7 +10861,7 @@
       </p:grpSpPr>
       <p:sp>
         <p:nvSpPr>
-          <p:cNvPr id="177" name="Google Shape;177;ge160048ebe_0_42"/>
+          <p:cNvPr id="179" name="Google Shape;179;ge160048ebe_0_42"/>
           <p:cNvSpPr txBox="1"/>
           <p:nvPr>
             <p:ph type="title"/>
@@ -10629,7 +10901,7 @@
       </p:sp>
       <p:sp>
         <p:nvSpPr>
-          <p:cNvPr id="178" name="Google Shape;178;ge160048ebe_0_42"/>
+          <p:cNvPr id="180" name="Google Shape;180;ge160048ebe_0_42"/>
           <p:cNvSpPr txBox="1"/>
           <p:nvPr>
             <p:ph idx="12" type="sldNum"/>
@@ -10673,7 +10945,7 @@
       </p:sp>
       <p:sp>
         <p:nvSpPr>
-          <p:cNvPr id="179" name="Google Shape;179;ge160048ebe_0_42"/>
+          <p:cNvPr id="181" name="Google Shape;181;ge160048ebe_0_42"/>
           <p:cNvSpPr txBox="1"/>
           <p:nvPr>
             <p:ph idx="1" type="body"/>
@@ -10831,7 +11103,7 @@
       </p:sp>
       <p:pic>
         <p:nvPicPr>
-          <p:cNvPr id="180" name="Google Shape;180;ge160048ebe_0_42"/>
+          <p:cNvPr id="182" name="Google Shape;182;ge160048ebe_0_42"/>
           <p:cNvPicPr preferRelativeResize="0"/>
           <p:nvPr/>
         </p:nvPicPr>
@@ -10857,6 +11129,73 @@
           </a:ln>
         </p:spPr>
       </p:pic>
+      <p:sp>
+        <p:nvSpPr>
+          <p:cNvPr id="183" name="Google Shape;183;ge160048ebe_0_42"/>
+          <p:cNvSpPr txBox="1"/>
+          <p:nvPr>
+            <p:ph idx="11" type="ftr"/>
+          </p:nvPr>
+        </p:nvSpPr>
+        <p:spPr>
+          <a:xfrm>
+            <a:off x="625475" y="76200"/>
+            <a:ext cx="6507600" cy="304800"/>
+          </a:xfrm>
+          <a:prstGeom prst="rect">
+            <a:avLst/>
+          </a:prstGeom>
+          <a:noFill/>
+          <a:ln>
+            <a:noFill/>
+          </a:ln>
+        </p:spPr>
+        <p:txBody>
+          <a:bodyPr anchorCtr="0" anchor="ctr" bIns="45700" lIns="91425" spcFirstLastPara="1" rIns="91425" wrap="square" tIns="45700">
+            <a:noAutofit/>
+          </a:bodyPr>
+          <a:lstStyle/>
+          <a:p>
+            <a:pPr indent="0" lvl="0" marL="0" rtl="0" algn="l">
+              <a:spcBef>
+                <a:spcPts val="0"/>
+              </a:spcBef>
+              <a:spcAft>
+                <a:spcPts val="0"/>
+              </a:spcAft>
+              <a:buClr>
+                <a:srgbClr val="000000"/>
+              </a:buClr>
+              <a:buFont typeface="Arial"/>
+              <a:buNone/>
+            </a:pPr>
+            <a:r>
+              <a:rPr lang="en-US"/>
+              <a:t>Facial Emotion Recognition on FER2013 Using VGGNet</a:t>
+            </a:r>
+            <a:endParaRPr/>
+          </a:p>
+          <a:p>
+            <a:pPr indent="0" lvl="0" marL="0" rtl="0" algn="l">
+              <a:spcBef>
+                <a:spcPts val="0"/>
+              </a:spcBef>
+              <a:spcAft>
+                <a:spcPts val="0"/>
+              </a:spcAft>
+              <a:buClr>
+                <a:srgbClr val="000000"/>
+              </a:buClr>
+              <a:buFont typeface="Arial"/>
+              <a:buNone/>
+            </a:pPr>
+            <a:r>
+              <a:t/>
+            </a:r>
+            <a:endParaRPr/>
+          </a:p>
+        </p:txBody>
+      </p:sp>
     </p:spTree>
   </p:cSld>
   <p:clrMapOvr>
@@ -10870,7 +11209,7 @@
   <p:cSld>
     <p:spTree>
       <p:nvGrpSpPr>
-        <p:cNvPr id="185" name="Shape 185"/>
+        <p:cNvPr id="188" name="Shape 188"/>
         <p:cNvGrpSpPr/>
         <p:nvPr/>
       </p:nvGrpSpPr>
@@ -10884,7 +11223,7 @@
       </p:grpSpPr>
       <p:sp>
         <p:nvSpPr>
-          <p:cNvPr id="186" name="Google Shape;186;ge41a7a39a1_0_8"/>
+          <p:cNvPr id="189" name="Google Shape;189;ge41a7a39a1_0_8"/>
           <p:cNvSpPr txBox="1"/>
           <p:nvPr>
             <p:ph type="title"/>
@@ -10928,7 +11267,7 @@
       </p:sp>
       <p:sp>
         <p:nvSpPr>
-          <p:cNvPr id="187" name="Google Shape;187;ge41a7a39a1_0_8"/>
+          <p:cNvPr id="190" name="Google Shape;190;ge41a7a39a1_0_8"/>
           <p:cNvSpPr txBox="1"/>
           <p:nvPr>
             <p:ph idx="1" type="body"/>
@@ -10994,7 +11333,7 @@
       </p:sp>
       <p:sp>
         <p:nvSpPr>
-          <p:cNvPr id="188" name="Google Shape;188;ge41a7a39a1_0_8"/>
+          <p:cNvPr id="191" name="Google Shape;191;ge41a7a39a1_0_8"/>
           <p:cNvSpPr txBox="1"/>
           <p:nvPr>
             <p:ph idx="12" type="sldNum"/>
@@ -11038,7 +11377,7 @@
       </p:sp>
       <p:pic>
         <p:nvPicPr>
-          <p:cNvPr id="189" name="Google Shape;189;ge41a7a39a1_0_8"/>
+          <p:cNvPr id="192" name="Google Shape;192;ge41a7a39a1_0_8"/>
           <p:cNvPicPr preferRelativeResize="0"/>
           <p:nvPr/>
         </p:nvPicPr>
@@ -11066,7 +11405,7 @@
       </p:pic>
       <p:pic>
         <p:nvPicPr>
-          <p:cNvPr id="190" name="Google Shape;190;ge41a7a39a1_0_8"/>
+          <p:cNvPr id="193" name="Google Shape;193;ge41a7a39a1_0_8"/>
           <p:cNvPicPr preferRelativeResize="0"/>
           <p:nvPr/>
         </p:nvPicPr>
@@ -11092,6 +11431,73 @@
           </a:ln>
         </p:spPr>
       </p:pic>
+      <p:sp>
+        <p:nvSpPr>
+          <p:cNvPr id="194" name="Google Shape;194;ge41a7a39a1_0_8"/>
+          <p:cNvSpPr txBox="1"/>
+          <p:nvPr>
+            <p:ph idx="11" type="ftr"/>
+          </p:nvPr>
+        </p:nvSpPr>
+        <p:spPr>
+          <a:xfrm>
+            <a:off x="625475" y="76200"/>
+            <a:ext cx="6507600" cy="304800"/>
+          </a:xfrm>
+          <a:prstGeom prst="rect">
+            <a:avLst/>
+          </a:prstGeom>
+          <a:noFill/>
+          <a:ln>
+            <a:noFill/>
+          </a:ln>
+        </p:spPr>
+        <p:txBody>
+          <a:bodyPr anchorCtr="0" anchor="ctr" bIns="45700" lIns="91425" spcFirstLastPara="1" rIns="91425" wrap="square" tIns="45700">
+            <a:noAutofit/>
+          </a:bodyPr>
+          <a:lstStyle/>
+          <a:p>
+            <a:pPr indent="0" lvl="0" marL="0" rtl="0" algn="l">
+              <a:spcBef>
+                <a:spcPts val="0"/>
+              </a:spcBef>
+              <a:spcAft>
+                <a:spcPts val="0"/>
+              </a:spcAft>
+              <a:buClr>
+                <a:srgbClr val="000000"/>
+              </a:buClr>
+              <a:buFont typeface="Arial"/>
+              <a:buNone/>
+            </a:pPr>
+            <a:r>
+              <a:rPr lang="en-US"/>
+              <a:t>Facial Emotion Recognition on FER2013 Using VGGNet</a:t>
+            </a:r>
+            <a:endParaRPr/>
+          </a:p>
+          <a:p>
+            <a:pPr indent="0" lvl="0" marL="0" rtl="0" algn="l">
+              <a:spcBef>
+                <a:spcPts val="0"/>
+              </a:spcBef>
+              <a:spcAft>
+                <a:spcPts val="0"/>
+              </a:spcAft>
+              <a:buClr>
+                <a:srgbClr val="000000"/>
+              </a:buClr>
+              <a:buFont typeface="Arial"/>
+              <a:buNone/>
+            </a:pPr>
+            <a:r>
+              <a:t/>
+            </a:r>
+            <a:endParaRPr/>
+          </a:p>
+        </p:txBody>
+      </p:sp>
     </p:spTree>
   </p:cSld>
   <p:clrMapOvr>
@@ -11105,7 +11511,7 @@
   <p:cSld>
     <p:spTree>
       <p:nvGrpSpPr>
-        <p:cNvPr id="195" name="Shape 195"/>
+        <p:cNvPr id="199" name="Shape 199"/>
         <p:cNvGrpSpPr/>
         <p:nvPr/>
       </p:nvGrpSpPr>
@@ -11119,7 +11525,7 @@
       </p:grpSpPr>
       <p:sp>
         <p:nvSpPr>
-          <p:cNvPr id="196" name="Google Shape;196;ge160048ebe_0_52"/>
+          <p:cNvPr id="200" name="Google Shape;200;ge160048ebe_0_52"/>
           <p:cNvSpPr txBox="1"/>
           <p:nvPr>
             <p:ph type="title"/>
@@ -11163,7 +11569,7 @@
       </p:sp>
       <p:sp>
         <p:nvSpPr>
-          <p:cNvPr id="197" name="Google Shape;197;ge160048ebe_0_52"/>
+          <p:cNvPr id="201" name="Google Shape;201;ge160048ebe_0_52"/>
           <p:cNvSpPr txBox="1"/>
           <p:nvPr>
             <p:ph idx="12" type="sldNum"/>
@@ -11207,7 +11613,7 @@
       </p:sp>
       <p:sp>
         <p:nvSpPr>
-          <p:cNvPr id="198" name="Google Shape;198;ge160048ebe_0_52"/>
+          <p:cNvPr id="202" name="Google Shape;202;ge160048ebe_0_52"/>
           <p:cNvSpPr txBox="1"/>
           <p:nvPr>
             <p:ph idx="1" type="body"/>
@@ -11372,7 +11778,7 @@
       </p:sp>
       <p:pic>
         <p:nvPicPr>
-          <p:cNvPr id="199" name="Google Shape;199;ge160048ebe_0_52"/>
+          <p:cNvPr id="203" name="Google Shape;203;ge160048ebe_0_52"/>
           <p:cNvPicPr preferRelativeResize="0"/>
           <p:nvPr/>
         </p:nvPicPr>
@@ -11398,6 +11804,73 @@
           </a:ln>
         </p:spPr>
       </p:pic>
+      <p:sp>
+        <p:nvSpPr>
+          <p:cNvPr id="204" name="Google Shape;204;ge160048ebe_0_52"/>
+          <p:cNvSpPr txBox="1"/>
+          <p:nvPr>
+            <p:ph idx="11" type="ftr"/>
+          </p:nvPr>
+        </p:nvSpPr>
+        <p:spPr>
+          <a:xfrm>
+            <a:off x="625475" y="76200"/>
+            <a:ext cx="6507600" cy="304800"/>
+          </a:xfrm>
+          <a:prstGeom prst="rect">
+            <a:avLst/>
+          </a:prstGeom>
+          <a:noFill/>
+          <a:ln>
+            <a:noFill/>
+          </a:ln>
+        </p:spPr>
+        <p:txBody>
+          <a:bodyPr anchorCtr="0" anchor="ctr" bIns="45700" lIns="91425" spcFirstLastPara="1" rIns="91425" wrap="square" tIns="45700">
+            <a:noAutofit/>
+          </a:bodyPr>
+          <a:lstStyle/>
+          <a:p>
+            <a:pPr indent="0" lvl="0" marL="0" rtl="0" algn="l">
+              <a:spcBef>
+                <a:spcPts val="0"/>
+              </a:spcBef>
+              <a:spcAft>
+                <a:spcPts val="0"/>
+              </a:spcAft>
+              <a:buClr>
+                <a:srgbClr val="000000"/>
+              </a:buClr>
+              <a:buFont typeface="Arial"/>
+              <a:buNone/>
+            </a:pPr>
+            <a:r>
+              <a:rPr lang="en-US"/>
+              <a:t>Facial Emotion Recognition on FER2013 Using VGGNet</a:t>
+            </a:r>
+            <a:endParaRPr/>
+          </a:p>
+          <a:p>
+            <a:pPr indent="0" lvl="0" marL="0" rtl="0" algn="l">
+              <a:spcBef>
+                <a:spcPts val="0"/>
+              </a:spcBef>
+              <a:spcAft>
+                <a:spcPts val="0"/>
+              </a:spcAft>
+              <a:buClr>
+                <a:srgbClr val="000000"/>
+              </a:buClr>
+              <a:buFont typeface="Arial"/>
+              <a:buNone/>
+            </a:pPr>
+            <a:r>
+              <a:t/>
+            </a:r>
+            <a:endParaRPr/>
+          </a:p>
+        </p:txBody>
+      </p:sp>
     </p:spTree>
   </p:cSld>
   <p:clrMapOvr>
@@ -11411,7 +11884,7 @@
   <p:cSld>
     <p:spTree>
       <p:nvGrpSpPr>
-        <p:cNvPr id="204" name="Shape 204"/>
+        <p:cNvPr id="209" name="Shape 209"/>
         <p:cNvGrpSpPr/>
         <p:nvPr/>
       </p:nvGrpSpPr>
@@ -11425,7 +11898,7 @@
       </p:grpSpPr>
       <p:sp>
         <p:nvSpPr>
-          <p:cNvPr id="205" name="Google Shape;205;ge1625c6ff7_0_45"/>
+          <p:cNvPr id="210" name="Google Shape;210;ge1625c6ff7_0_45"/>
           <p:cNvSpPr txBox="1"/>
           <p:nvPr>
             <p:ph type="title"/>
@@ -11465,7 +11938,7 @@
       </p:sp>
       <p:sp>
         <p:nvSpPr>
-          <p:cNvPr id="206" name="Google Shape;206;ge1625c6ff7_0_45"/>
+          <p:cNvPr id="211" name="Google Shape;211;ge1625c6ff7_0_45"/>
           <p:cNvSpPr txBox="1"/>
           <p:nvPr>
             <p:ph idx="12" type="sldNum"/>
@@ -11509,7 +11982,7 @@
       </p:sp>
       <p:sp>
         <p:nvSpPr>
-          <p:cNvPr id="207" name="Google Shape;207;ge1625c6ff7_0_45"/>
+          <p:cNvPr id="212" name="Google Shape;212;ge1625c6ff7_0_45"/>
           <p:cNvSpPr txBox="1"/>
           <p:nvPr>
             <p:ph idx="1" type="body"/>
@@ -11642,7 +12115,7 @@
                   <a:schemeClr val="lt1"/>
                 </a:highlight>
               </a:rPr>
-              <a:t>VGGNet proposed by the paper referenced is comparably good</a:t>
+              <a:t>VGGNet proposed by the paper referenced is good</a:t>
             </a:r>
             <a:endParaRPr sz="1800">
               <a:solidFill>
@@ -11694,7 +12167,7 @@
       </p:sp>
       <p:pic>
         <p:nvPicPr>
-          <p:cNvPr id="208" name="Google Shape;208;ge1625c6ff7_0_45"/>
+          <p:cNvPr id="213" name="Google Shape;213;ge1625c6ff7_0_45"/>
           <p:cNvPicPr preferRelativeResize="0"/>
           <p:nvPr/>
         </p:nvPicPr>
@@ -11720,6 +12193,73 @@
           </a:ln>
         </p:spPr>
       </p:pic>
+      <p:sp>
+        <p:nvSpPr>
+          <p:cNvPr id="214" name="Google Shape;214;ge1625c6ff7_0_45"/>
+          <p:cNvSpPr txBox="1"/>
+          <p:nvPr>
+            <p:ph idx="11" type="ftr"/>
+          </p:nvPr>
+        </p:nvSpPr>
+        <p:spPr>
+          <a:xfrm>
+            <a:off x="625475" y="76200"/>
+            <a:ext cx="6507600" cy="304800"/>
+          </a:xfrm>
+          <a:prstGeom prst="rect">
+            <a:avLst/>
+          </a:prstGeom>
+          <a:noFill/>
+          <a:ln>
+            <a:noFill/>
+          </a:ln>
+        </p:spPr>
+        <p:txBody>
+          <a:bodyPr anchorCtr="0" anchor="ctr" bIns="45700" lIns="91425" spcFirstLastPara="1" rIns="91425" wrap="square" tIns="45700">
+            <a:noAutofit/>
+          </a:bodyPr>
+          <a:lstStyle/>
+          <a:p>
+            <a:pPr indent="0" lvl="0" marL="0" rtl="0" algn="l">
+              <a:spcBef>
+                <a:spcPts val="0"/>
+              </a:spcBef>
+              <a:spcAft>
+                <a:spcPts val="0"/>
+              </a:spcAft>
+              <a:buClr>
+                <a:srgbClr val="000000"/>
+              </a:buClr>
+              <a:buFont typeface="Arial"/>
+              <a:buNone/>
+            </a:pPr>
+            <a:r>
+              <a:rPr lang="en-US"/>
+              <a:t>Facial Emotion Recognition on FER2013 Using VGGNet</a:t>
+            </a:r>
+            <a:endParaRPr/>
+          </a:p>
+          <a:p>
+            <a:pPr indent="0" lvl="0" marL="0" rtl="0" algn="l">
+              <a:spcBef>
+                <a:spcPts val="0"/>
+              </a:spcBef>
+              <a:spcAft>
+                <a:spcPts val="0"/>
+              </a:spcAft>
+              <a:buClr>
+                <a:srgbClr val="000000"/>
+              </a:buClr>
+              <a:buFont typeface="Arial"/>
+              <a:buNone/>
+            </a:pPr>
+            <a:r>
+              <a:t/>
+            </a:r>
+            <a:endParaRPr/>
+          </a:p>
+        </p:txBody>
+      </p:sp>
     </p:spTree>
   </p:cSld>
   <p:clrMapOvr>
@@ -11733,7 +12273,7 @@
   <p:cSld>
     <p:spTree>
       <p:nvGrpSpPr>
-        <p:cNvPr id="213" name="Shape 213"/>
+        <p:cNvPr id="219" name="Shape 219"/>
         <p:cNvGrpSpPr/>
         <p:nvPr/>
       </p:nvGrpSpPr>
@@ -11747,7 +12287,7 @@
       </p:grpSpPr>
       <p:sp>
         <p:nvSpPr>
-          <p:cNvPr id="214" name="Google Shape;214;ge160048ebe_2_6"/>
+          <p:cNvPr id="220" name="Google Shape;220;ge160048ebe_2_6"/>
           <p:cNvSpPr txBox="1"/>
           <p:nvPr>
             <p:ph type="title"/>
@@ -11791,7 +12331,7 @@
       </p:sp>
       <p:sp>
         <p:nvSpPr>
-          <p:cNvPr id="215" name="Google Shape;215;ge160048ebe_2_6"/>
+          <p:cNvPr id="221" name="Google Shape;221;ge160048ebe_2_6"/>
           <p:cNvSpPr txBox="1"/>
           <p:nvPr>
             <p:ph idx="12" type="sldNum"/>
@@ -11835,7 +12375,7 @@
       </p:sp>
       <p:sp>
         <p:nvSpPr>
-          <p:cNvPr id="216" name="Google Shape;216;ge160048ebe_2_6"/>
+          <p:cNvPr id="222" name="Google Shape;222;ge160048ebe_2_6"/>
           <p:cNvSpPr txBox="1"/>
           <p:nvPr>
             <p:ph idx="1" type="body"/>
@@ -11898,7 +12438,7 @@
                   <a:schemeClr val="lt1"/>
                 </a:highlight>
               </a:rPr>
-              <a:t>Fine tuning: After training 300 epoches, we trained another 50 epochs using two different scheduler: Cosine Annealing (Cosine), Cosine Annealing with Warm Restarts (CosineWR) and furthermore used validation data to train.</a:t>
+              <a:t>Fine tuning: After training 300 epoches, we trained another 50 epochs using two different scheduler: Cosine Annealing (Cosine), Cosine Annealing with Warm Restarts (CosineWR) with initial learning rate 0.0001</a:t>
             </a:r>
             <a:endParaRPr sz="1800">
               <a:solidFill>
@@ -11910,6 +12450,28 @@
             </a:endParaRPr>
           </a:p>
           <a:p>
+            <a:pPr indent="0" lvl="0" marL="457200" rtl="0" algn="l">
+              <a:spcBef>
+                <a:spcPts val="360"/>
+              </a:spcBef>
+              <a:spcAft>
+                <a:spcPts val="0"/>
+              </a:spcAft>
+              <a:buNone/>
+            </a:pPr>
+            <a:r>
+              <a:t/>
+            </a:r>
+            <a:endParaRPr sz="1800">
+              <a:solidFill>
+                <a:srgbClr val="24292E"/>
+              </a:solidFill>
+              <a:highlight>
+                <a:schemeClr val="lt1"/>
+              </a:highlight>
+            </a:endParaRPr>
+          </a:p>
+          <a:p>
             <a:pPr indent="-342900" lvl="0" marL="457200" rtl="0" algn="l">
               <a:spcBef>
                 <a:spcPts val="360"/>
@@ -11933,7 +12495,7 @@
                   <a:schemeClr val="lt1"/>
                 </a:highlight>
               </a:rPr>
-              <a:t>However, the accuracy is not good since I guess the result is already kind of overfitting for dropout rate 0.2</a:t>
+              <a:t>However, the accuracy is not good since I guess the result is already kind of overfitting for dropout probability 0.2</a:t>
             </a:r>
             <a:endParaRPr sz="1800">
               <a:solidFill>
@@ -11968,7 +12530,7 @@
                   <a:schemeClr val="lt1"/>
                 </a:highlight>
               </a:rPr>
-              <a:t>Therefore, we also explore the effect of fine tuning when we set the drop out rate to be 0.3 and 0.4</a:t>
+              <a:t>Therefore, we also explore the effect of fine tuning when we set the dropout to be 0.3 and 0.4</a:t>
             </a:r>
             <a:endParaRPr sz="1800"/>
           </a:p>
@@ -12002,6 +12564,73 @@
               <a:spcAft>
                 <a:spcPts val="0"/>
               </a:spcAft>
+              <a:buNone/>
+            </a:pPr>
+            <a:r>
+              <a:t/>
+            </a:r>
+            <a:endParaRPr/>
+          </a:p>
+        </p:txBody>
+      </p:sp>
+      <p:sp>
+        <p:nvSpPr>
+          <p:cNvPr id="223" name="Google Shape;223;ge160048ebe_2_6"/>
+          <p:cNvSpPr txBox="1"/>
+          <p:nvPr>
+            <p:ph idx="11" type="ftr"/>
+          </p:nvPr>
+        </p:nvSpPr>
+        <p:spPr>
+          <a:xfrm>
+            <a:off x="625475" y="76200"/>
+            <a:ext cx="6507600" cy="304800"/>
+          </a:xfrm>
+          <a:prstGeom prst="rect">
+            <a:avLst/>
+          </a:prstGeom>
+          <a:noFill/>
+          <a:ln>
+            <a:noFill/>
+          </a:ln>
+        </p:spPr>
+        <p:txBody>
+          <a:bodyPr anchorCtr="0" anchor="ctr" bIns="45700" lIns="91425" spcFirstLastPara="1" rIns="91425" wrap="square" tIns="45700">
+            <a:noAutofit/>
+          </a:bodyPr>
+          <a:lstStyle/>
+          <a:p>
+            <a:pPr indent="0" lvl="0" marL="0" rtl="0" algn="l">
+              <a:spcBef>
+                <a:spcPts val="0"/>
+              </a:spcBef>
+              <a:spcAft>
+                <a:spcPts val="0"/>
+              </a:spcAft>
+              <a:buClr>
+                <a:srgbClr val="000000"/>
+              </a:buClr>
+              <a:buFont typeface="Arial"/>
+              <a:buNone/>
+            </a:pPr>
+            <a:r>
+              <a:rPr lang="en-US"/>
+              <a:t>Facial Emotion Recognition on FER2013 Using VGGNet</a:t>
+            </a:r>
+            <a:endParaRPr/>
+          </a:p>
+          <a:p>
+            <a:pPr indent="0" lvl="0" marL="0" rtl="0" algn="l">
+              <a:spcBef>
+                <a:spcPts val="0"/>
+              </a:spcBef>
+              <a:spcAft>
+                <a:spcPts val="0"/>
+              </a:spcAft>
+              <a:buClr>
+                <a:srgbClr val="000000"/>
+              </a:buClr>
+              <a:buFont typeface="Arial"/>
               <a:buNone/>
             </a:pPr>
             <a:r>
@@ -12024,7 +12653,7 @@
   <p:cSld>
     <p:spTree>
       <p:nvGrpSpPr>
-        <p:cNvPr id="221" name="Shape 221"/>
+        <p:cNvPr id="228" name="Shape 228"/>
         <p:cNvGrpSpPr/>
         <p:nvPr/>
       </p:nvGrpSpPr>
@@ -12038,7 +12667,7 @@
       </p:grpSpPr>
       <p:sp>
         <p:nvSpPr>
-          <p:cNvPr id="222" name="Google Shape;222;ge1625c6ff7_0_52"/>
+          <p:cNvPr id="229" name="Google Shape;229;ge1625c6ff7_0_52"/>
           <p:cNvSpPr txBox="1"/>
           <p:nvPr>
             <p:ph type="title"/>
@@ -12078,7 +12707,7 @@
       </p:sp>
       <p:sp>
         <p:nvSpPr>
-          <p:cNvPr id="223" name="Google Shape;223;ge1625c6ff7_0_52"/>
+          <p:cNvPr id="230" name="Google Shape;230;ge1625c6ff7_0_52"/>
           <p:cNvSpPr txBox="1"/>
           <p:nvPr>
             <p:ph idx="12" type="sldNum"/>
@@ -12122,7 +12751,7 @@
       </p:sp>
       <p:pic>
         <p:nvPicPr>
-          <p:cNvPr id="224" name="Google Shape;224;ge1625c6ff7_0_52"/>
+          <p:cNvPr id="231" name="Google Shape;231;ge1625c6ff7_0_52"/>
           <p:cNvPicPr preferRelativeResize="0"/>
           <p:nvPr/>
         </p:nvPicPr>
@@ -12150,7 +12779,7 @@
       </p:pic>
       <p:sp>
         <p:nvSpPr>
-          <p:cNvPr id="225" name="Google Shape;225;ge1625c6ff7_0_52"/>
+          <p:cNvPr id="232" name="Google Shape;232;ge1625c6ff7_0_52"/>
           <p:cNvSpPr txBox="1"/>
           <p:nvPr>
             <p:ph idx="1" type="body"/>
@@ -12234,7 +12863,7 @@
                   <a:schemeClr val="lt1"/>
                 </a:highlight>
               </a:rPr>
-              <a:t>However, we still did not derive the result better than we derived at 160 epochs with dropout rate 0.2</a:t>
+              <a:t>However, we still did not derive the result better than 72.4% we derived at 160 epochs with dropout 0.2</a:t>
             </a:r>
             <a:endParaRPr sz="1800">
               <a:solidFill>
@@ -12253,6 +12882,73 @@
               <a:spcAft>
                 <a:spcPts val="0"/>
               </a:spcAft>
+              <a:buNone/>
+            </a:pPr>
+            <a:r>
+              <a:t/>
+            </a:r>
+            <a:endParaRPr/>
+          </a:p>
+        </p:txBody>
+      </p:sp>
+      <p:sp>
+        <p:nvSpPr>
+          <p:cNvPr id="233" name="Google Shape;233;ge1625c6ff7_0_52"/>
+          <p:cNvSpPr txBox="1"/>
+          <p:nvPr>
+            <p:ph idx="11" type="ftr"/>
+          </p:nvPr>
+        </p:nvSpPr>
+        <p:spPr>
+          <a:xfrm>
+            <a:off x="625475" y="76200"/>
+            <a:ext cx="6507600" cy="304800"/>
+          </a:xfrm>
+          <a:prstGeom prst="rect">
+            <a:avLst/>
+          </a:prstGeom>
+          <a:noFill/>
+          <a:ln>
+            <a:noFill/>
+          </a:ln>
+        </p:spPr>
+        <p:txBody>
+          <a:bodyPr anchorCtr="0" anchor="ctr" bIns="45700" lIns="91425" spcFirstLastPara="1" rIns="91425" wrap="square" tIns="45700">
+            <a:noAutofit/>
+          </a:bodyPr>
+          <a:lstStyle/>
+          <a:p>
+            <a:pPr indent="0" lvl="0" marL="0" rtl="0" algn="l">
+              <a:spcBef>
+                <a:spcPts val="0"/>
+              </a:spcBef>
+              <a:spcAft>
+                <a:spcPts val="0"/>
+              </a:spcAft>
+              <a:buClr>
+                <a:srgbClr val="000000"/>
+              </a:buClr>
+              <a:buFont typeface="Arial"/>
+              <a:buNone/>
+            </a:pPr>
+            <a:r>
+              <a:rPr lang="en-US"/>
+              <a:t>Facial Emotion Recognition on FER2013 Using VGGNet</a:t>
+            </a:r>
+            <a:endParaRPr/>
+          </a:p>
+          <a:p>
+            <a:pPr indent="0" lvl="0" marL="0" rtl="0" algn="l">
+              <a:spcBef>
+                <a:spcPts val="0"/>
+              </a:spcBef>
+              <a:spcAft>
+                <a:spcPts val="0"/>
+              </a:spcAft>
+              <a:buClr>
+                <a:srgbClr val="000000"/>
+              </a:buClr>
+              <a:buFont typeface="Arial"/>
               <a:buNone/>
             </a:pPr>
             <a:r>
@@ -12275,7 +12971,7 @@
   <p:cSld>
     <p:spTree>
       <p:nvGrpSpPr>
-        <p:cNvPr id="229" name="Shape 229"/>
+        <p:cNvPr id="237" name="Shape 237"/>
         <p:cNvGrpSpPr/>
         <p:nvPr/>
       </p:nvGrpSpPr>
@@ -12289,7 +12985,7 @@
       </p:grpSpPr>
       <p:sp>
         <p:nvSpPr>
-          <p:cNvPr id="230" name="Google Shape;230;p10"/>
+          <p:cNvPr id="238" name="Google Shape;238;p10"/>
           <p:cNvSpPr txBox="1"/>
           <p:nvPr>
             <p:ph type="title"/>
@@ -12329,11 +13025,27 @@
             </a:r>
             <a:endParaRPr/>
           </a:p>
+          <a:p>
+            <a:pPr indent="0" lvl="0" marL="0" rtl="0" algn="l">
+              <a:spcBef>
+                <a:spcPts val="0"/>
+              </a:spcBef>
+              <a:spcAft>
+                <a:spcPts val="0"/>
+              </a:spcAft>
+              <a:buNone/>
+            </a:pPr>
+            <a:r>
+              <a:rPr lang="en-US" sz="1800"/>
+              <a:t>Using the checkpoint which has the best test accuracy after training 160 epochs with dropout 0.2</a:t>
+            </a:r>
+            <a:endParaRPr sz="1800"/>
+          </a:p>
         </p:txBody>
       </p:sp>
       <p:sp>
         <p:nvSpPr>
-          <p:cNvPr id="231" name="Google Shape;231;p10"/>
+          <p:cNvPr id="239" name="Google Shape;239;p10"/>
           <p:cNvSpPr txBox="1"/>
           <p:nvPr>
             <p:ph idx="1" type="body"/>
@@ -12374,72 +13086,11 @@
             </a:r>
             <a:endParaRPr/>
           </a:p>
-          <a:p>
-            <a:pPr indent="-304800" lvl="0" marL="342900" rtl="0" algn="l">
-              <a:spcBef>
-                <a:spcPts val="0"/>
-              </a:spcBef>
-              <a:spcAft>
-                <a:spcPts val="0"/>
-              </a:spcAft>
-              <a:buSzPts val="1800"/>
-              <a:buChar char="▪"/>
-            </a:pPr>
-            <a:r>
-              <a:rPr lang="en-US"/>
-              <a:t>Saliency map</a:t>
-            </a:r>
-            <a:endParaRPr/>
-          </a:p>
         </p:txBody>
       </p:sp>
       <p:sp>
         <p:nvSpPr>
-          <p:cNvPr id="232" name="Google Shape;232;p10"/>
-          <p:cNvSpPr txBox="1"/>
-          <p:nvPr>
-            <p:ph idx="11" type="ftr"/>
-          </p:nvPr>
-        </p:nvSpPr>
-        <p:spPr>
-          <a:xfrm>
-            <a:off x="625475" y="0"/>
-            <a:ext cx="5105400" cy="304800"/>
-          </a:xfrm>
-          <a:prstGeom prst="rect">
-            <a:avLst/>
-          </a:prstGeom>
-          <a:noFill/>
-          <a:ln>
-            <a:noFill/>
-          </a:ln>
-        </p:spPr>
-        <p:txBody>
-          <a:bodyPr anchorCtr="0" anchor="ctr" bIns="45700" lIns="91425" spcFirstLastPara="1" rIns="91425" wrap="square" tIns="45700">
-            <a:noAutofit/>
-          </a:bodyPr>
-          <a:lstStyle/>
-          <a:p>
-            <a:pPr indent="0" lvl="0" marL="0" rtl="0" algn="l">
-              <a:spcBef>
-                <a:spcPts val="0"/>
-              </a:spcBef>
-              <a:spcAft>
-                <a:spcPts val="0"/>
-              </a:spcAft>
-              <a:buNone/>
-            </a:pPr>
-            <a:r>
-              <a:rPr lang="en-US"/>
-              <a:t>Deep Video Representations for Action Recognition/Detection</a:t>
-            </a:r>
-            <a:endParaRPr/>
-          </a:p>
-        </p:txBody>
-      </p:sp>
-      <p:sp>
-        <p:nvSpPr>
-          <p:cNvPr id="233" name="Google Shape;233;p10"/>
+          <p:cNvPr id="240" name="Google Shape;240;p10"/>
           <p:cNvSpPr txBox="1"/>
           <p:nvPr>
             <p:ph idx="10" type="dt"/>
@@ -12475,7 +13126,7 @@
             </a:pPr>
             <a:r>
               <a:rPr lang="en-US"/>
-              <a:t>6/23/2021</a:t>
+              <a:t>6/30/2021</a:t>
             </a:r>
             <a:endParaRPr/>
           </a:p>
@@ -12483,7 +13134,7 @@
       </p:sp>
       <p:sp>
         <p:nvSpPr>
-          <p:cNvPr id="234" name="Google Shape;234;p10"/>
+          <p:cNvPr id="241" name="Google Shape;241;p10"/>
           <p:cNvSpPr txBox="1"/>
           <p:nvPr>
             <p:ph idx="12" type="sldNum"/>
@@ -12527,7 +13178,7 @@
       </p:sp>
       <p:pic>
         <p:nvPicPr>
-          <p:cNvPr id="235" name="Google Shape;235;p10"/>
+          <p:cNvPr id="242" name="Google Shape;242;p10"/>
           <p:cNvPicPr preferRelativeResize="0"/>
           <p:nvPr/>
         </p:nvPicPr>
@@ -12541,8 +13192,8 @@
         </p:blipFill>
         <p:spPr>
           <a:xfrm>
-            <a:off x="4984550" y="856594"/>
-            <a:ext cx="3413274" cy="2664600"/>
+            <a:off x="2423875" y="2668224"/>
+            <a:ext cx="4163951" cy="3250600"/>
           </a:xfrm>
           <a:prstGeom prst="rect">
             <a:avLst/>
@@ -12553,24 +13204,18 @@
           </a:ln>
         </p:spPr>
       </p:pic>
-      <p:pic>
-        <p:nvPicPr>
-          <p:cNvPr id="236" name="Google Shape;236;p10"/>
-          <p:cNvPicPr preferRelativeResize="0"/>
-          <p:nvPr/>
-        </p:nvPicPr>
-        <p:blipFill>
-          <a:blip r:embed="rId4">
-            <a:alphaModFix/>
-          </a:blip>
-          <a:stretch>
-            <a:fillRect/>
-          </a:stretch>
-        </p:blipFill>
-        <p:spPr>
-          <a:xfrm>
-            <a:off x="1170700" y="3922498"/>
-            <a:ext cx="6697726" cy="2570900"/>
+      <p:sp>
+        <p:nvSpPr>
+          <p:cNvPr id="243" name="Google Shape;243;p10"/>
+          <p:cNvSpPr txBox="1"/>
+          <p:nvPr>
+            <p:ph idx="11" type="ftr"/>
+          </p:nvPr>
+        </p:nvSpPr>
+        <p:spPr>
+          <a:xfrm>
+            <a:off x="625475" y="76200"/>
+            <a:ext cx="6507600" cy="304800"/>
           </a:xfrm>
           <a:prstGeom prst="rect">
             <a:avLst/>
@@ -12580,7 +13225,131 @@
             <a:noFill/>
           </a:ln>
         </p:spPr>
-      </p:pic>
+        <p:txBody>
+          <a:bodyPr anchorCtr="0" anchor="ctr" bIns="45700" lIns="91425" spcFirstLastPara="1" rIns="91425" wrap="square" tIns="45700">
+            <a:noAutofit/>
+          </a:bodyPr>
+          <a:lstStyle/>
+          <a:p>
+            <a:pPr indent="0" lvl="0" marL="0" rtl="0" algn="l">
+              <a:spcBef>
+                <a:spcPts val="0"/>
+              </a:spcBef>
+              <a:spcAft>
+                <a:spcPts val="0"/>
+              </a:spcAft>
+              <a:buClr>
+                <a:srgbClr val="000000"/>
+              </a:buClr>
+              <a:buFont typeface="Arial"/>
+              <a:buNone/>
+            </a:pPr>
+            <a:r>
+              <a:rPr lang="en-US"/>
+              <a:t>Facial Emotion Recognition on FER2013 Using VGGNet</a:t>
+            </a:r>
+            <a:endParaRPr/>
+          </a:p>
+          <a:p>
+            <a:pPr indent="0" lvl="0" marL="0" rtl="0" algn="l">
+              <a:spcBef>
+                <a:spcPts val="0"/>
+              </a:spcBef>
+              <a:spcAft>
+                <a:spcPts val="0"/>
+              </a:spcAft>
+              <a:buClr>
+                <a:srgbClr val="000000"/>
+              </a:buClr>
+              <a:buFont typeface="Arial"/>
+              <a:buNone/>
+            </a:pPr>
+            <a:r>
+              <a:t/>
+            </a:r>
+            <a:endParaRPr/>
+          </a:p>
+        </p:txBody>
+      </p:sp>
+      <p:sp>
+        <p:nvSpPr>
+          <p:cNvPr id="244" name="Google Shape;244;p10"/>
+          <p:cNvSpPr txBox="1"/>
+          <p:nvPr/>
+        </p:nvSpPr>
+        <p:spPr>
+          <a:xfrm>
+            <a:off x="551274" y="5918821"/>
+            <a:ext cx="8284800" cy="4024200"/>
+          </a:xfrm>
+          <a:prstGeom prst="rect">
+            <a:avLst/>
+          </a:prstGeom>
+          <a:noFill/>
+          <a:ln>
+            <a:noFill/>
+          </a:ln>
+        </p:spPr>
+        <p:txBody>
+          <a:bodyPr anchorCtr="0" anchor="t" bIns="45700" lIns="91425" spcFirstLastPara="1" rIns="91425" wrap="square" tIns="45700">
+            <a:noAutofit/>
+          </a:bodyPr>
+          <a:lstStyle/>
+          <a:p>
+            <a:pPr indent="0" lvl="0" marL="0" marR="0" rtl="0" algn="l">
+              <a:spcBef>
+                <a:spcPts val="0"/>
+              </a:spcBef>
+              <a:spcAft>
+                <a:spcPts val="0"/>
+              </a:spcAft>
+              <a:buNone/>
+            </a:pPr>
+            <a:r>
+              <a:t/>
+            </a:r>
+            <a:endParaRPr sz="1800">
+              <a:solidFill>
+                <a:schemeClr val="dk1"/>
+              </a:solidFill>
+            </a:endParaRPr>
+          </a:p>
+          <a:p>
+            <a:pPr indent="-342900" lvl="0" marL="457200" rtl="0" algn="l">
+              <a:spcBef>
+                <a:spcPts val="0"/>
+              </a:spcBef>
+              <a:spcAft>
+                <a:spcPts val="0"/>
+              </a:spcAft>
+              <a:buClr>
+                <a:schemeClr val="dk1"/>
+              </a:buClr>
+              <a:buSzPts val="1800"/>
+              <a:buChar char="▪"/>
+            </a:pPr>
+            <a:r>
+              <a:rPr lang="en-US" sz="1800">
+                <a:solidFill>
+                  <a:srgbClr val="24292E"/>
+                </a:solidFill>
+                <a:highlight>
+                  <a:schemeClr val="lt1"/>
+                </a:highlight>
+              </a:rPr>
+              <a:t>Class imbalance - need to be further considered</a:t>
+            </a:r>
+            <a:endParaRPr sz="1800">
+              <a:solidFill>
+                <a:srgbClr val="24292E"/>
+              </a:solidFill>
+              <a:highlight>
+                <a:schemeClr val="lt1"/>
+              </a:highlight>
+            </a:endParaRPr>
+          </a:p>
+        </p:txBody>
+      </p:sp>
     </p:spTree>
   </p:cSld>
   <p:clrMapOvr>
@@ -12736,8 +13505,8 @@
         </p:nvSpPr>
         <p:spPr>
           <a:xfrm>
-            <a:off x="625475" y="0"/>
-            <a:ext cx="5105400" cy="304800"/>
+            <a:off x="625475" y="76200"/>
+            <a:ext cx="6507600" cy="304800"/>
           </a:xfrm>
           <a:prstGeom prst="rect">
             <a:avLst/>
@@ -12768,7 +13537,26 @@
             </a:pPr>
             <a:r>
               <a:rPr lang="en-US"/>
-              <a:t>Grounding Deep Models of Visual Data</a:t>
+              <a:t>Facial Emotion Recognition on FER2013 Using VGGNet</a:t>
+            </a:r>
+            <a:endParaRPr/>
+          </a:p>
+          <a:p>
+            <a:pPr indent="0" lvl="0" marL="0" rtl="0" algn="l">
+              <a:spcBef>
+                <a:spcPts val="0"/>
+              </a:spcBef>
+              <a:spcAft>
+                <a:spcPts val="0"/>
+              </a:spcAft>
+              <a:buClr>
+                <a:srgbClr val="000000"/>
+              </a:buClr>
+              <a:buFont typeface="Arial"/>
+              <a:buNone/>
+            </a:pPr>
+            <a:r>
+              <a:t/>
             </a:r>
             <a:endParaRPr/>
           </a:p>
@@ -12812,7 +13600,7 @@
             </a:pPr>
             <a:r>
               <a:rPr lang="en-US"/>
-              <a:t>6/23/2021</a:t>
+              <a:t>6/30/2021</a:t>
             </a:r>
             <a:endParaRPr/>
           </a:p>
@@ -13229,7 +14017,7 @@
   <p:cSld>
     <p:spTree>
       <p:nvGrpSpPr>
-        <p:cNvPr id="240" name="Shape 240"/>
+        <p:cNvPr id="248" name="Shape 248"/>
         <p:cNvGrpSpPr/>
         <p:nvPr/>
       </p:nvGrpSpPr>
@@ -13243,7 +14031,7 @@
       </p:grpSpPr>
       <p:sp>
         <p:nvSpPr>
-          <p:cNvPr id="241" name="Google Shape;241;ge1625c6ff7_0_14"/>
+          <p:cNvPr id="249" name="Google Shape;249;ge3256e802d_0_0"/>
           <p:cNvSpPr txBox="1"/>
           <p:nvPr>
             <p:ph type="title"/>
@@ -13279,7 +14067,7 @@
             </a:pPr>
             <a:r>
               <a:rPr lang="en-US"/>
-              <a:t>Conclusion</a:t>
+              <a:t>Demos</a:t>
             </a:r>
             <a:endParaRPr/>
           </a:p>
@@ -13287,7 +14075,7 @@
       </p:sp>
       <p:sp>
         <p:nvSpPr>
-          <p:cNvPr id="242" name="Google Shape;242;ge1625c6ff7_0_14"/>
+          <p:cNvPr id="250" name="Google Shape;250;ge3256e802d_0_0"/>
           <p:cNvSpPr txBox="1"/>
           <p:nvPr>
             <p:ph idx="1" type="body"/>
@@ -13295,7 +14083,7 @@
         </p:nvSpPr>
         <p:spPr>
           <a:xfrm>
-            <a:off x="609600" y="1828800"/>
+            <a:off x="609600" y="1527450"/>
             <a:ext cx="7924800" cy="3886200"/>
           </a:xfrm>
           <a:prstGeom prst="rect">
@@ -13312,7 +14100,7 @@
           </a:bodyPr>
           <a:lstStyle/>
           <a:p>
-            <a:pPr indent="-304800" lvl="0" marL="342900" rtl="0" algn="l">
+            <a:pPr indent="-342900" lvl="0" marL="342900" rtl="0" algn="l">
               <a:spcBef>
                 <a:spcPts val="0"/>
               </a:spcBef>
@@ -13324,7 +14112,7 @@
             </a:pPr>
             <a:r>
               <a:rPr lang="en-US"/>
-              <a:t>What we did using reference code:</a:t>
+              <a:t>Saliency map - by propagating the loss back to the pixel values</a:t>
             </a:r>
             <a:endParaRPr/>
           </a:p>
@@ -13341,7 +14129,235 @@
             <a:r>
               <a:t/>
             </a:r>
-            <a:endParaRPr sz="1800"/>
+            <a:endParaRPr/>
+          </a:p>
+        </p:txBody>
+      </p:sp>
+      <p:sp>
+        <p:nvSpPr>
+          <p:cNvPr id="251" name="Google Shape;251;ge3256e802d_0_0"/>
+          <p:cNvSpPr txBox="1"/>
+          <p:nvPr>
+            <p:ph idx="10" type="dt"/>
+          </p:nvPr>
+        </p:nvSpPr>
+        <p:spPr>
+          <a:xfrm>
+            <a:off x="7023100" y="0"/>
+            <a:ext cx="1066800" cy="304800"/>
+          </a:xfrm>
+          <a:prstGeom prst="rect">
+            <a:avLst/>
+          </a:prstGeom>
+          <a:noFill/>
+          <a:ln>
+            <a:noFill/>
+          </a:ln>
+        </p:spPr>
+        <p:txBody>
+          <a:bodyPr anchorCtr="0" anchor="ctr" bIns="45700" lIns="0" spcFirstLastPara="1" rIns="0" wrap="square" tIns="45700">
+            <a:noAutofit/>
+          </a:bodyPr>
+          <a:lstStyle/>
+          <a:p>
+            <a:pPr indent="0" lvl="0" marL="0" rtl="0" algn="r">
+              <a:spcBef>
+                <a:spcPts val="0"/>
+              </a:spcBef>
+              <a:spcAft>
+                <a:spcPts val="0"/>
+              </a:spcAft>
+              <a:buNone/>
+            </a:pPr>
+            <a:r>
+              <a:rPr lang="en-US"/>
+              <a:t>6/30/2021</a:t>
+            </a:r>
+            <a:endParaRPr/>
+          </a:p>
+        </p:txBody>
+      </p:sp>
+      <p:sp>
+        <p:nvSpPr>
+          <p:cNvPr id="252" name="Google Shape;252;ge3256e802d_0_0"/>
+          <p:cNvSpPr txBox="1"/>
+          <p:nvPr>
+            <p:ph idx="12" type="sldNum"/>
+          </p:nvPr>
+        </p:nvSpPr>
+        <p:spPr>
+          <a:xfrm>
+            <a:off x="8289925" y="0"/>
+            <a:ext cx="854100" cy="304800"/>
+          </a:xfrm>
+          <a:prstGeom prst="rect">
+            <a:avLst/>
+          </a:prstGeom>
+          <a:noFill/>
+          <a:ln>
+            <a:noFill/>
+          </a:ln>
+        </p:spPr>
+        <p:txBody>
+          <a:bodyPr anchorCtr="0" anchor="ctr" bIns="45700" lIns="0" spcFirstLastPara="1" rIns="0" wrap="square" tIns="45700">
+            <a:noAutofit/>
+          </a:bodyPr>
+          <a:lstStyle/>
+          <a:p>
+            <a:pPr indent="0" lvl="0" marL="0" rtl="0" algn="l">
+              <a:spcBef>
+                <a:spcPts val="0"/>
+              </a:spcBef>
+              <a:spcAft>
+                <a:spcPts val="0"/>
+              </a:spcAft>
+              <a:buNone/>
+            </a:pPr>
+            <a:fld id="{00000000-1234-1234-1234-123412341234}" type="slidenum">
+              <a:rPr lang="en-US"/>
+              <a:t>‹#›</a:t>
+            </a:fld>
+            <a:endParaRPr/>
+          </a:p>
+        </p:txBody>
+      </p:sp>
+      <p:pic>
+        <p:nvPicPr>
+          <p:cNvPr id="253" name="Google Shape;253;ge3256e802d_0_0"/>
+          <p:cNvPicPr preferRelativeResize="0"/>
+          <p:nvPr/>
+        </p:nvPicPr>
+        <p:blipFill>
+          <a:blip r:embed="rId3">
+            <a:alphaModFix/>
+          </a:blip>
+          <a:stretch>
+            <a:fillRect/>
+          </a:stretch>
+        </p:blipFill>
+        <p:spPr>
+          <a:xfrm>
+            <a:off x="1064150" y="2514875"/>
+            <a:ext cx="7015699" cy="2692950"/>
+          </a:xfrm>
+          <a:prstGeom prst="rect">
+            <a:avLst/>
+          </a:prstGeom>
+          <a:noFill/>
+          <a:ln>
+            <a:noFill/>
+          </a:ln>
+        </p:spPr>
+      </p:pic>
+      <p:sp>
+        <p:nvSpPr>
+          <p:cNvPr id="254" name="Google Shape;254;ge3256e802d_0_0"/>
+          <p:cNvSpPr txBox="1"/>
+          <p:nvPr>
+            <p:ph idx="11" type="ftr"/>
+          </p:nvPr>
+        </p:nvSpPr>
+        <p:spPr>
+          <a:xfrm>
+            <a:off x="625475" y="76200"/>
+            <a:ext cx="6507600" cy="304800"/>
+          </a:xfrm>
+          <a:prstGeom prst="rect">
+            <a:avLst/>
+          </a:prstGeom>
+          <a:noFill/>
+          <a:ln>
+            <a:noFill/>
+          </a:ln>
+        </p:spPr>
+        <p:txBody>
+          <a:bodyPr anchorCtr="0" anchor="ctr" bIns="45700" lIns="91425" spcFirstLastPara="1" rIns="91425" wrap="square" tIns="45700">
+            <a:noAutofit/>
+          </a:bodyPr>
+          <a:lstStyle/>
+          <a:p>
+            <a:pPr indent="0" lvl="0" marL="0" rtl="0" algn="l">
+              <a:spcBef>
+                <a:spcPts val="0"/>
+              </a:spcBef>
+              <a:spcAft>
+                <a:spcPts val="0"/>
+              </a:spcAft>
+              <a:buClr>
+                <a:srgbClr val="000000"/>
+              </a:buClr>
+              <a:buFont typeface="Arial"/>
+              <a:buNone/>
+            </a:pPr>
+            <a:r>
+              <a:rPr lang="en-US"/>
+              <a:t>Facial Emotion Recognition on FER2013 Using VGGNet</a:t>
+            </a:r>
+            <a:endParaRPr/>
+          </a:p>
+          <a:p>
+            <a:pPr indent="0" lvl="0" marL="0" rtl="0" algn="l">
+              <a:spcBef>
+                <a:spcPts val="0"/>
+              </a:spcBef>
+              <a:spcAft>
+                <a:spcPts val="0"/>
+              </a:spcAft>
+              <a:buClr>
+                <a:srgbClr val="000000"/>
+              </a:buClr>
+              <a:buFont typeface="Arial"/>
+              <a:buNone/>
+            </a:pPr>
+            <a:r>
+              <a:t/>
+            </a:r>
+            <a:endParaRPr/>
+          </a:p>
+        </p:txBody>
+      </p:sp>
+      <p:sp>
+        <p:nvSpPr>
+          <p:cNvPr id="255" name="Google Shape;255;ge3256e802d_0_0"/>
+          <p:cNvSpPr txBox="1"/>
+          <p:nvPr/>
+        </p:nvSpPr>
+        <p:spPr>
+          <a:xfrm>
+            <a:off x="609599" y="5207821"/>
+            <a:ext cx="8284800" cy="4024200"/>
+          </a:xfrm>
+          <a:prstGeom prst="rect">
+            <a:avLst/>
+          </a:prstGeom>
+          <a:noFill/>
+          <a:ln>
+            <a:noFill/>
+          </a:ln>
+        </p:spPr>
+        <p:txBody>
+          <a:bodyPr anchorCtr="0" anchor="t" bIns="45700" lIns="91425" spcFirstLastPara="1" rIns="91425" wrap="square" tIns="45700">
+            <a:noAutofit/>
+          </a:bodyPr>
+          <a:lstStyle/>
+          <a:p>
+            <a:pPr indent="0" lvl="0" marL="0" marR="0" rtl="0" algn="l">
+              <a:spcBef>
+                <a:spcPts val="0"/>
+              </a:spcBef>
+              <a:spcAft>
+                <a:spcPts val="0"/>
+              </a:spcAft>
+              <a:buNone/>
+            </a:pPr>
+            <a:r>
+              <a:t/>
+            </a:r>
+            <a:endParaRPr sz="1800">
+              <a:solidFill>
+                <a:schemeClr val="dk1"/>
+              </a:solidFill>
+            </a:endParaRPr>
           </a:p>
           <a:p>
             <a:pPr indent="-342900" lvl="0" marL="457200" rtl="0" algn="l">
@@ -13355,7 +14371,6 @@
                 <a:schemeClr val="dk1"/>
               </a:buClr>
               <a:buSzPts val="1800"/>
-              <a:buFont typeface="Arial"/>
               <a:buChar char="▪"/>
             </a:pPr>
             <a:r>
@@ -13367,7 +14382,7 @@
                   <a:schemeClr val="lt1"/>
                 </a:highlight>
               </a:rPr>
-              <a:t>Reorganize the code from py file to jupyter notebook to train 300 epochs on VGGNet to achieve 72.1%</a:t>
+              <a:t>The model is placing a large importance on facial features of the person</a:t>
             </a:r>
             <a:endParaRPr sz="1800">
               <a:solidFill>
@@ -13377,329 +14392,6 @@
                 <a:schemeClr val="lt1"/>
               </a:highlight>
             </a:endParaRPr>
-          </a:p>
-          <a:p>
-            <a:pPr indent="-342900" lvl="0" marL="457200" rtl="0" algn="l">
-              <a:spcBef>
-                <a:spcPts val="0"/>
-              </a:spcBef>
-              <a:spcAft>
-                <a:spcPts val="0"/>
-              </a:spcAft>
-              <a:buClr>
-                <a:srgbClr val="24292E"/>
-              </a:buClr>
-              <a:buSzPts val="1800"/>
-              <a:buFont typeface="Arial"/>
-              <a:buChar char="▪"/>
-            </a:pPr>
-            <a:r>
-              <a:rPr lang="en-US" sz="1800">
-                <a:solidFill>
-                  <a:srgbClr val="24292E"/>
-                </a:solidFill>
-                <a:highlight>
-                  <a:schemeClr val="lt1"/>
-                </a:highlight>
-              </a:rPr>
-              <a:t>Modify code to experiment on optimizer, scheduler, fine tuning which are discussed in paper</a:t>
-            </a:r>
-            <a:endParaRPr sz="1800">
-              <a:solidFill>
-                <a:srgbClr val="24292E"/>
-              </a:solidFill>
-              <a:highlight>
-                <a:schemeClr val="lt1"/>
-              </a:highlight>
-            </a:endParaRPr>
-          </a:p>
-          <a:p>
-            <a:pPr indent="-342900" lvl="0" marL="457200" rtl="0" algn="l">
-              <a:spcBef>
-                <a:spcPts val="0"/>
-              </a:spcBef>
-              <a:spcAft>
-                <a:spcPts val="0"/>
-              </a:spcAft>
-              <a:buClr>
-                <a:srgbClr val="24292E"/>
-              </a:buClr>
-              <a:buSzPts val="1800"/>
-              <a:buFont typeface="Arial"/>
-              <a:buChar char="▪"/>
-            </a:pPr>
-            <a:r>
-              <a:rPr lang="en-US" sz="1800">
-                <a:solidFill>
-                  <a:srgbClr val="24292E"/>
-                </a:solidFill>
-                <a:highlight>
-                  <a:schemeClr val="lt1"/>
-                </a:highlight>
-              </a:rPr>
-              <a:t>Modify code to experiment on architecture, drop out rate which are not discussed</a:t>
-            </a:r>
-            <a:endParaRPr sz="1800">
-              <a:solidFill>
-                <a:srgbClr val="24292E"/>
-              </a:solidFill>
-              <a:highlight>
-                <a:schemeClr val="lt1"/>
-              </a:highlight>
-            </a:endParaRPr>
-          </a:p>
-          <a:p>
-            <a:pPr indent="-342900" lvl="0" marL="457200" rtl="0" algn="l">
-              <a:spcBef>
-                <a:spcPts val="0"/>
-              </a:spcBef>
-              <a:spcAft>
-                <a:spcPts val="0"/>
-              </a:spcAft>
-              <a:buClr>
-                <a:srgbClr val="24292E"/>
-              </a:buClr>
-              <a:buSzPts val="1800"/>
-              <a:buFont typeface="Arial"/>
-              <a:buChar char="▪"/>
-            </a:pPr>
-            <a:r>
-              <a:rPr lang="en-US" sz="1800">
-                <a:solidFill>
-                  <a:srgbClr val="24292E"/>
-                </a:solidFill>
-                <a:highlight>
-                  <a:schemeClr val="lt1"/>
-                </a:highlight>
-              </a:rPr>
-              <a:t>Add plot_confusion_matrix function to demo part</a:t>
-            </a:r>
-            <a:endParaRPr sz="1800">
-              <a:solidFill>
-                <a:srgbClr val="24292E"/>
-              </a:solidFill>
-              <a:highlight>
-                <a:schemeClr val="lt1"/>
-              </a:highlight>
-            </a:endParaRPr>
-          </a:p>
-          <a:p>
-            <a:pPr indent="0" lvl="0" marL="0" rtl="0" algn="l">
-              <a:spcBef>
-                <a:spcPts val="0"/>
-              </a:spcBef>
-              <a:spcAft>
-                <a:spcPts val="0"/>
-              </a:spcAft>
-              <a:buNone/>
-            </a:pPr>
-            <a:r>
-              <a:t/>
-            </a:r>
-            <a:endParaRPr sz="1800">
-              <a:solidFill>
-                <a:srgbClr val="24292E"/>
-              </a:solidFill>
-              <a:highlight>
-                <a:schemeClr val="lt1"/>
-              </a:highlight>
-            </a:endParaRPr>
-          </a:p>
-          <a:p>
-            <a:pPr indent="-304800" lvl="0" marL="342900" rtl="0" algn="l">
-              <a:spcBef>
-                <a:spcPts val="0"/>
-              </a:spcBef>
-              <a:spcAft>
-                <a:spcPts val="0"/>
-              </a:spcAft>
-              <a:buSzPts val="1800"/>
-              <a:buChar char="▪"/>
-            </a:pPr>
-            <a:r>
-              <a:rPr lang="en-US"/>
-              <a:t>Highest test accuracy we achieve: 72.4% while the best of the paper is 73.2%</a:t>
-            </a:r>
-            <a:endParaRPr/>
-          </a:p>
-          <a:p>
-            <a:pPr indent="0" lvl="0" marL="342900" rtl="0" algn="l">
-              <a:spcBef>
-                <a:spcPts val="0"/>
-              </a:spcBef>
-              <a:spcAft>
-                <a:spcPts val="0"/>
-              </a:spcAft>
-              <a:buNone/>
-            </a:pPr>
-            <a:r>
-              <a:t/>
-            </a:r>
-            <a:endParaRPr/>
-          </a:p>
-          <a:p>
-            <a:pPr indent="-304800" lvl="0" marL="342900" rtl="0" algn="l">
-              <a:spcBef>
-                <a:spcPts val="0"/>
-              </a:spcBef>
-              <a:spcAft>
-                <a:spcPts val="0"/>
-              </a:spcAft>
-              <a:buSzPts val="1800"/>
-              <a:buChar char="▪"/>
-            </a:pPr>
-            <a:r>
-              <a:rPr lang="en-US"/>
-              <a:t>Ethic problem: privacy problem</a:t>
-            </a:r>
-            <a:endParaRPr/>
-          </a:p>
-          <a:p>
-            <a:pPr indent="0" lvl="0" marL="0" rtl="0" algn="l">
-              <a:spcBef>
-                <a:spcPts val="0"/>
-              </a:spcBef>
-              <a:spcAft>
-                <a:spcPts val="0"/>
-              </a:spcAft>
-              <a:buNone/>
-            </a:pPr>
-            <a:r>
-              <a:t/>
-            </a:r>
-            <a:endParaRPr/>
-          </a:p>
-        </p:txBody>
-      </p:sp>
-      <p:sp>
-        <p:nvSpPr>
-          <p:cNvPr id="243" name="Google Shape;243;ge1625c6ff7_0_14"/>
-          <p:cNvSpPr txBox="1"/>
-          <p:nvPr>
-            <p:ph idx="11" type="ftr"/>
-          </p:nvPr>
-        </p:nvSpPr>
-        <p:spPr>
-          <a:xfrm>
-            <a:off x="625475" y="0"/>
-            <a:ext cx="5105400" cy="304800"/>
-          </a:xfrm>
-          <a:prstGeom prst="rect">
-            <a:avLst/>
-          </a:prstGeom>
-          <a:noFill/>
-          <a:ln>
-            <a:noFill/>
-          </a:ln>
-        </p:spPr>
-        <p:txBody>
-          <a:bodyPr anchorCtr="0" anchor="ctr" bIns="45700" lIns="91425" spcFirstLastPara="1" rIns="91425" wrap="square" tIns="45700">
-            <a:noAutofit/>
-          </a:bodyPr>
-          <a:lstStyle/>
-          <a:p>
-            <a:pPr indent="0" lvl="0" marL="0" rtl="0" algn="l">
-              <a:spcBef>
-                <a:spcPts val="0"/>
-              </a:spcBef>
-              <a:spcAft>
-                <a:spcPts val="0"/>
-              </a:spcAft>
-              <a:buNone/>
-            </a:pPr>
-            <a:r>
-              <a:rPr lang="en-US"/>
-              <a:t>Deep Video Representations for Action Recognition/Detection</a:t>
-            </a:r>
-            <a:endParaRPr/>
-          </a:p>
-        </p:txBody>
-      </p:sp>
-      <p:sp>
-        <p:nvSpPr>
-          <p:cNvPr id="244" name="Google Shape;244;ge1625c6ff7_0_14"/>
-          <p:cNvSpPr txBox="1"/>
-          <p:nvPr>
-            <p:ph idx="10" type="dt"/>
-          </p:nvPr>
-        </p:nvSpPr>
-        <p:spPr>
-          <a:xfrm>
-            <a:off x="7023100" y="0"/>
-            <a:ext cx="1066800" cy="304800"/>
-          </a:xfrm>
-          <a:prstGeom prst="rect">
-            <a:avLst/>
-          </a:prstGeom>
-          <a:noFill/>
-          <a:ln>
-            <a:noFill/>
-          </a:ln>
-        </p:spPr>
-        <p:txBody>
-          <a:bodyPr anchorCtr="0" anchor="ctr" bIns="45700" lIns="0" spcFirstLastPara="1" rIns="0" wrap="square" tIns="45700">
-            <a:noAutofit/>
-          </a:bodyPr>
-          <a:lstStyle/>
-          <a:p>
-            <a:pPr indent="0" lvl="0" marL="0" rtl="0" algn="r">
-              <a:spcBef>
-                <a:spcPts val="0"/>
-              </a:spcBef>
-              <a:spcAft>
-                <a:spcPts val="0"/>
-              </a:spcAft>
-              <a:buNone/>
-            </a:pPr>
-            <a:r>
-              <a:rPr lang="en-US"/>
-              <a:t>6/23/2021</a:t>
-            </a:r>
-            <a:endParaRPr/>
-          </a:p>
-        </p:txBody>
-      </p:sp>
-      <p:sp>
-        <p:nvSpPr>
-          <p:cNvPr id="245" name="Google Shape;245;ge1625c6ff7_0_14"/>
-          <p:cNvSpPr txBox="1"/>
-          <p:nvPr>
-            <p:ph idx="12" type="sldNum"/>
-          </p:nvPr>
-        </p:nvSpPr>
-        <p:spPr>
-          <a:xfrm>
-            <a:off x="8289925" y="0"/>
-            <a:ext cx="854100" cy="304800"/>
-          </a:xfrm>
-          <a:prstGeom prst="rect">
-            <a:avLst/>
-          </a:prstGeom>
-          <a:noFill/>
-          <a:ln>
-            <a:noFill/>
-          </a:ln>
-        </p:spPr>
-        <p:txBody>
-          <a:bodyPr anchorCtr="0" anchor="ctr" bIns="45700" lIns="0" spcFirstLastPara="1" rIns="0" wrap="square" tIns="45700">
-            <a:noAutofit/>
-          </a:bodyPr>
-          <a:lstStyle/>
-          <a:p>
-            <a:pPr indent="0" lvl="0" marL="0" rtl="0" algn="l">
-              <a:spcBef>
-                <a:spcPts val="0"/>
-              </a:spcBef>
-              <a:spcAft>
-                <a:spcPts val="0"/>
-              </a:spcAft>
-              <a:buNone/>
-            </a:pPr>
-            <a:fld id="{00000000-1234-1234-1234-123412341234}" type="slidenum">
-              <a:rPr lang="en-US"/>
-              <a:t>‹#›</a:t>
-            </a:fld>
-            <a:endParaRPr/>
           </a:p>
         </p:txBody>
       </p:sp>
@@ -13712,252 +14404,6 @@
 </file>
 
 <file path=ppt/slides/slide21.xml><?xml version="1.0" encoding="utf-8"?>
-<p:sld xmlns:a="http://schemas.openxmlformats.org/drawingml/2006/main" xmlns:r="http://schemas.openxmlformats.org/officeDocument/2006/relationships" xmlns:mc="http://schemas.openxmlformats.org/markup-compatibility/2006" xmlns:mv="urn:schemas-microsoft-com:mac:vml" xmlns:p="http://schemas.openxmlformats.org/presentationml/2006/main" xmlns:c="http://schemas.openxmlformats.org/drawingml/2006/chart" xmlns:dgm="http://schemas.openxmlformats.org/drawingml/2006/diagram" xmlns:o="urn:schemas-microsoft-com:office:office" xmlns:v="urn:schemas-microsoft-com:vml" xmlns:pvml="urn:schemas-microsoft-com:office:powerpoint" xmlns:com="http://schemas.openxmlformats.org/drawingml/2006/compatibility" xmlns:p14="http://schemas.microsoft.com/office/powerpoint/2010/main" xmlns:p15="http://schemas.microsoft.com/office/powerpoint/2012/main" xmlns:ahyp="http://schemas.microsoft.com/office/drawing/2018/hyperlinkcolor">
-  <p:cSld>
-    <p:spTree>
-      <p:nvGrpSpPr>
-        <p:cNvPr id="249" name="Shape 249"/>
-        <p:cNvGrpSpPr/>
-        <p:nvPr/>
-      </p:nvGrpSpPr>
-      <p:grpSpPr>
-        <a:xfrm>
-          <a:off x="0" y="0"/>
-          <a:ext cx="0" cy="0"/>
-          <a:chOff x="0" y="0"/>
-          <a:chExt cx="0" cy="0"/>
-        </a:xfrm>
-      </p:grpSpPr>
-      <p:sp>
-        <p:nvSpPr>
-          <p:cNvPr id="250" name="Google Shape;250;p11"/>
-          <p:cNvSpPr txBox="1"/>
-          <p:nvPr>
-            <p:ph type="title"/>
-          </p:nvPr>
-        </p:nvSpPr>
-        <p:spPr>
-          <a:xfrm>
-            <a:off x="609600" y="762000"/>
-            <a:ext cx="7924800" cy="685800"/>
-          </a:xfrm>
-          <a:prstGeom prst="rect">
-            <a:avLst/>
-          </a:prstGeom>
-          <a:noFill/>
-          <a:ln>
-            <a:noFill/>
-          </a:ln>
-        </p:spPr>
-        <p:txBody>
-          <a:bodyPr anchorCtr="0" anchor="t" bIns="45700" lIns="91425" spcFirstLastPara="1" rIns="91425" wrap="square" tIns="45700">
-            <a:noAutofit/>
-          </a:bodyPr>
-          <a:lstStyle/>
-          <a:p>
-            <a:pPr indent="0" lvl="0" marL="0" rtl="0" algn="l">
-              <a:spcBef>
-                <a:spcPts val="0"/>
-              </a:spcBef>
-              <a:spcAft>
-                <a:spcPts val="0"/>
-              </a:spcAft>
-              <a:buNone/>
-            </a:pPr>
-            <a:r>
-              <a:rPr lang="en-US"/>
-              <a:t>Github Link</a:t>
-            </a:r>
-            <a:endParaRPr/>
-          </a:p>
-        </p:txBody>
-      </p:sp>
-      <p:sp>
-        <p:nvSpPr>
-          <p:cNvPr id="251" name="Google Shape;251;p11"/>
-          <p:cNvSpPr txBox="1"/>
-          <p:nvPr>
-            <p:ph idx="1" type="body"/>
-          </p:nvPr>
-        </p:nvSpPr>
-        <p:spPr>
-          <a:xfrm>
-            <a:off x="609600" y="1828800"/>
-            <a:ext cx="7924800" cy="3886200"/>
-          </a:xfrm>
-          <a:prstGeom prst="rect">
-            <a:avLst/>
-          </a:prstGeom>
-          <a:noFill/>
-          <a:ln>
-            <a:noFill/>
-          </a:ln>
-        </p:spPr>
-        <p:txBody>
-          <a:bodyPr anchorCtr="0" anchor="t" bIns="45700" lIns="91425" spcFirstLastPara="1" rIns="91425" wrap="square" tIns="45700">
-            <a:noAutofit/>
-          </a:bodyPr>
-          <a:lstStyle/>
-          <a:p>
-            <a:pPr indent="-190500" lvl="0" marL="342900" rtl="0" algn="l">
-              <a:spcBef>
-                <a:spcPts val="0"/>
-              </a:spcBef>
-              <a:spcAft>
-                <a:spcPts val="0"/>
-              </a:spcAft>
-              <a:buSzPts val="2400"/>
-              <a:buNone/>
-            </a:pPr>
-            <a:r>
-              <a:rPr lang="en-US"/>
-              <a:t>https://github.com/JimY233/CS523_Project</a:t>
-            </a:r>
-            <a:endParaRPr/>
-          </a:p>
-        </p:txBody>
-      </p:sp>
-      <p:sp>
-        <p:nvSpPr>
-          <p:cNvPr id="252" name="Google Shape;252;p11"/>
-          <p:cNvSpPr txBox="1"/>
-          <p:nvPr>
-            <p:ph idx="11" type="ftr"/>
-          </p:nvPr>
-        </p:nvSpPr>
-        <p:spPr>
-          <a:xfrm>
-            <a:off x="625475" y="0"/>
-            <a:ext cx="5105400" cy="304800"/>
-          </a:xfrm>
-          <a:prstGeom prst="rect">
-            <a:avLst/>
-          </a:prstGeom>
-          <a:noFill/>
-          <a:ln>
-            <a:noFill/>
-          </a:ln>
-        </p:spPr>
-        <p:txBody>
-          <a:bodyPr anchorCtr="0" anchor="ctr" bIns="45700" lIns="91425" spcFirstLastPara="1" rIns="91425" wrap="square" tIns="45700">
-            <a:noAutofit/>
-          </a:bodyPr>
-          <a:lstStyle/>
-          <a:p>
-            <a:pPr indent="0" lvl="0" marL="0" rtl="0" algn="l">
-              <a:spcBef>
-                <a:spcPts val="0"/>
-              </a:spcBef>
-              <a:spcAft>
-                <a:spcPts val="0"/>
-              </a:spcAft>
-              <a:buNone/>
-            </a:pPr>
-            <a:r>
-              <a:rPr lang="en-US"/>
-              <a:t>Deep Video Representations for Action Recognition/Detection</a:t>
-            </a:r>
-            <a:endParaRPr/>
-          </a:p>
-        </p:txBody>
-      </p:sp>
-      <p:sp>
-        <p:nvSpPr>
-          <p:cNvPr id="253" name="Google Shape;253;p11"/>
-          <p:cNvSpPr txBox="1"/>
-          <p:nvPr>
-            <p:ph idx="10" type="dt"/>
-          </p:nvPr>
-        </p:nvSpPr>
-        <p:spPr>
-          <a:xfrm>
-            <a:off x="7023100" y="0"/>
-            <a:ext cx="1066800" cy="304800"/>
-          </a:xfrm>
-          <a:prstGeom prst="rect">
-            <a:avLst/>
-          </a:prstGeom>
-          <a:noFill/>
-          <a:ln>
-            <a:noFill/>
-          </a:ln>
-        </p:spPr>
-        <p:txBody>
-          <a:bodyPr anchorCtr="0" anchor="ctr" bIns="45700" lIns="0" spcFirstLastPara="1" rIns="0" wrap="square" tIns="45700">
-            <a:noAutofit/>
-          </a:bodyPr>
-          <a:lstStyle/>
-          <a:p>
-            <a:pPr indent="0" lvl="0" marL="0" rtl="0" algn="r">
-              <a:spcBef>
-                <a:spcPts val="0"/>
-              </a:spcBef>
-              <a:spcAft>
-                <a:spcPts val="0"/>
-              </a:spcAft>
-              <a:buNone/>
-            </a:pPr>
-            <a:r>
-              <a:rPr lang="en-US"/>
-              <a:t>6/23/2021</a:t>
-            </a:r>
-            <a:endParaRPr/>
-          </a:p>
-        </p:txBody>
-      </p:sp>
-      <p:sp>
-        <p:nvSpPr>
-          <p:cNvPr id="254" name="Google Shape;254;p11"/>
-          <p:cNvSpPr txBox="1"/>
-          <p:nvPr>
-            <p:ph idx="12" type="sldNum"/>
-          </p:nvPr>
-        </p:nvSpPr>
-        <p:spPr>
-          <a:xfrm>
-            <a:off x="8289925" y="0"/>
-            <a:ext cx="854075" cy="304800"/>
-          </a:xfrm>
-          <a:prstGeom prst="rect">
-            <a:avLst/>
-          </a:prstGeom>
-          <a:noFill/>
-          <a:ln>
-            <a:noFill/>
-          </a:ln>
-        </p:spPr>
-        <p:txBody>
-          <a:bodyPr anchorCtr="0" anchor="ctr" bIns="45700" lIns="0" spcFirstLastPara="1" rIns="0" wrap="square" tIns="45700">
-            <a:noAutofit/>
-          </a:bodyPr>
-          <a:lstStyle/>
-          <a:p>
-            <a:pPr indent="0" lvl="0" marL="0" rtl="0" algn="l">
-              <a:spcBef>
-                <a:spcPts val="0"/>
-              </a:spcBef>
-              <a:spcAft>
-                <a:spcPts val="0"/>
-              </a:spcAft>
-              <a:buNone/>
-            </a:pPr>
-            <a:fld id="{00000000-1234-1234-1234-123412341234}" type="slidenum">
-              <a:rPr lang="en-US"/>
-              <a:t>‹#›</a:t>
-            </a:fld>
-            <a:endParaRPr/>
-          </a:p>
-        </p:txBody>
-      </p:sp>
-    </p:spTree>
-  </p:cSld>
-  <p:clrMapOvr>
-    <a:masterClrMapping/>
-  </p:clrMapOvr>
-</p:sld>
-</file>
-
-<file path=ppt/slides/slide22.xml><?xml version="1.0" encoding="utf-8"?>
 <p:sld xmlns:a="http://schemas.openxmlformats.org/drawingml/2006/main" xmlns:r="http://schemas.openxmlformats.org/officeDocument/2006/relationships" xmlns:mc="http://schemas.openxmlformats.org/markup-compatibility/2006" xmlns:mv="urn:schemas-microsoft-com:mac:vml" xmlns:p="http://schemas.openxmlformats.org/presentationml/2006/main" xmlns:c="http://schemas.openxmlformats.org/drawingml/2006/chart" xmlns:dgm="http://schemas.openxmlformats.org/drawingml/2006/diagram" xmlns:o="urn:schemas-microsoft-com:office:office" xmlns:v="urn:schemas-microsoft-com:vml" xmlns:pvml="urn:schemas-microsoft-com:office:powerpoint" xmlns:com="http://schemas.openxmlformats.org/drawingml/2006/compatibility" xmlns:p14="http://schemas.microsoft.com/office/powerpoint/2010/main" xmlns:p15="http://schemas.microsoft.com/office/powerpoint/2012/main" xmlns:ahyp="http://schemas.microsoft.com/office/drawing/2018/hyperlinkcolor">
   <p:cSld>
     <p:spTree>
@@ -13976,7 +14422,7 @@
       </p:grpSpPr>
       <p:sp>
         <p:nvSpPr>
-          <p:cNvPr id="260" name="Google Shape;260;p12"/>
+          <p:cNvPr id="260" name="Google Shape;260;ge1625c6ff7_0_14"/>
           <p:cNvSpPr txBox="1"/>
           <p:nvPr>
             <p:ph type="title"/>
@@ -13984,8 +14430,8 @@
         </p:nvSpPr>
         <p:spPr>
           <a:xfrm>
-            <a:off x="722313" y="4406900"/>
-            <a:ext cx="7772400" cy="1362075"/>
+            <a:off x="609600" y="762000"/>
+            <a:ext cx="7924800" cy="685800"/>
           </a:xfrm>
           <a:prstGeom prst="rect">
             <a:avLst/>
@@ -14012,6 +14458,790 @@
             </a:pPr>
             <a:r>
               <a:rPr lang="en-US"/>
+              <a:t>Conclusion</a:t>
+            </a:r>
+            <a:endParaRPr/>
+          </a:p>
+        </p:txBody>
+      </p:sp>
+      <p:sp>
+        <p:nvSpPr>
+          <p:cNvPr id="261" name="Google Shape;261;ge1625c6ff7_0_14"/>
+          <p:cNvSpPr txBox="1"/>
+          <p:nvPr>
+            <p:ph idx="1" type="body"/>
+          </p:nvPr>
+        </p:nvSpPr>
+        <p:spPr>
+          <a:xfrm>
+            <a:off x="609600" y="1828800"/>
+            <a:ext cx="7924800" cy="3886200"/>
+          </a:xfrm>
+          <a:prstGeom prst="rect">
+            <a:avLst/>
+          </a:prstGeom>
+          <a:noFill/>
+          <a:ln>
+            <a:noFill/>
+          </a:ln>
+        </p:spPr>
+        <p:txBody>
+          <a:bodyPr anchorCtr="0" anchor="t" bIns="45700" lIns="91425" spcFirstLastPara="1" rIns="91425" wrap="square" tIns="45700">
+            <a:noAutofit/>
+          </a:bodyPr>
+          <a:lstStyle/>
+          <a:p>
+            <a:pPr indent="-304800" lvl="0" marL="342900" rtl="0" algn="l">
+              <a:spcBef>
+                <a:spcPts val="0"/>
+              </a:spcBef>
+              <a:spcAft>
+                <a:spcPts val="0"/>
+              </a:spcAft>
+              <a:buSzPts val="1800"/>
+              <a:buChar char="▪"/>
+            </a:pPr>
+            <a:r>
+              <a:rPr lang="en-US"/>
+              <a:t>What we did using reference code:</a:t>
+            </a:r>
+            <a:endParaRPr/>
+          </a:p>
+          <a:p>
+            <a:pPr indent="0" lvl="0" marL="0" rtl="0" algn="l">
+              <a:spcBef>
+                <a:spcPts val="0"/>
+              </a:spcBef>
+              <a:spcAft>
+                <a:spcPts val="0"/>
+              </a:spcAft>
+              <a:buNone/>
+            </a:pPr>
+            <a:r>
+              <a:t/>
+            </a:r>
+            <a:endParaRPr sz="1800"/>
+          </a:p>
+          <a:p>
+            <a:pPr indent="-342900" lvl="0" marL="457200" rtl="0" algn="l">
+              <a:spcBef>
+                <a:spcPts val="0"/>
+              </a:spcBef>
+              <a:spcAft>
+                <a:spcPts val="0"/>
+              </a:spcAft>
+              <a:buClr>
+                <a:schemeClr val="dk1"/>
+              </a:buClr>
+              <a:buSzPts val="1800"/>
+              <a:buFont typeface="Arial"/>
+              <a:buChar char="▪"/>
+            </a:pPr>
+            <a:r>
+              <a:rPr lang="en-US" sz="1800">
+                <a:solidFill>
+                  <a:srgbClr val="24292E"/>
+                </a:solidFill>
+                <a:highlight>
+                  <a:schemeClr val="lt1"/>
+                </a:highlight>
+              </a:rPr>
+              <a:t>Reorganize the code from py file to jupyter notebook to train 300 epochs on VGGNet to achieve 72.1%</a:t>
+            </a:r>
+            <a:endParaRPr sz="1800">
+              <a:solidFill>
+                <a:srgbClr val="24292E"/>
+              </a:solidFill>
+              <a:highlight>
+                <a:schemeClr val="lt1"/>
+              </a:highlight>
+            </a:endParaRPr>
+          </a:p>
+          <a:p>
+            <a:pPr indent="-342900" lvl="0" marL="457200" rtl="0" algn="l">
+              <a:spcBef>
+                <a:spcPts val="0"/>
+              </a:spcBef>
+              <a:spcAft>
+                <a:spcPts val="0"/>
+              </a:spcAft>
+              <a:buClr>
+                <a:srgbClr val="24292E"/>
+              </a:buClr>
+              <a:buSzPts val="1800"/>
+              <a:buFont typeface="Arial"/>
+              <a:buChar char="▪"/>
+            </a:pPr>
+            <a:r>
+              <a:rPr lang="en-US" sz="1800">
+                <a:solidFill>
+                  <a:srgbClr val="24292E"/>
+                </a:solidFill>
+                <a:highlight>
+                  <a:schemeClr val="lt1"/>
+                </a:highlight>
+              </a:rPr>
+              <a:t>Modify code to experiment on optimizer, scheduler, fine tuning which are discussed in paper</a:t>
+            </a:r>
+            <a:endParaRPr sz="1800">
+              <a:solidFill>
+                <a:srgbClr val="24292E"/>
+              </a:solidFill>
+              <a:highlight>
+                <a:schemeClr val="lt1"/>
+              </a:highlight>
+            </a:endParaRPr>
+          </a:p>
+          <a:p>
+            <a:pPr indent="-342900" lvl="0" marL="457200" rtl="0" algn="l">
+              <a:spcBef>
+                <a:spcPts val="0"/>
+              </a:spcBef>
+              <a:spcAft>
+                <a:spcPts val="0"/>
+              </a:spcAft>
+              <a:buClr>
+                <a:srgbClr val="24292E"/>
+              </a:buClr>
+              <a:buSzPts val="1800"/>
+              <a:buFont typeface="Arial"/>
+              <a:buChar char="▪"/>
+            </a:pPr>
+            <a:r>
+              <a:rPr lang="en-US" sz="1800">
+                <a:solidFill>
+                  <a:srgbClr val="24292E"/>
+                </a:solidFill>
+                <a:highlight>
+                  <a:schemeClr val="lt1"/>
+                </a:highlight>
+              </a:rPr>
+              <a:t>Modify code to experiment on architecture, drop out rate which are not discussed</a:t>
+            </a:r>
+            <a:endParaRPr sz="1800">
+              <a:solidFill>
+                <a:srgbClr val="24292E"/>
+              </a:solidFill>
+              <a:highlight>
+                <a:schemeClr val="lt1"/>
+              </a:highlight>
+            </a:endParaRPr>
+          </a:p>
+          <a:p>
+            <a:pPr indent="-342900" lvl="0" marL="457200" rtl="0" algn="l">
+              <a:spcBef>
+                <a:spcPts val="0"/>
+              </a:spcBef>
+              <a:spcAft>
+                <a:spcPts val="0"/>
+              </a:spcAft>
+              <a:buClr>
+                <a:srgbClr val="24292E"/>
+              </a:buClr>
+              <a:buSzPts val="1800"/>
+              <a:buFont typeface="Arial"/>
+              <a:buChar char="▪"/>
+            </a:pPr>
+            <a:r>
+              <a:rPr lang="en-US" sz="1800">
+                <a:solidFill>
+                  <a:srgbClr val="24292E"/>
+                </a:solidFill>
+                <a:highlight>
+                  <a:schemeClr val="lt1"/>
+                </a:highlight>
+              </a:rPr>
+              <a:t>Add plot_confusion_matrix function to demo part</a:t>
+            </a:r>
+            <a:endParaRPr sz="1800">
+              <a:solidFill>
+                <a:srgbClr val="24292E"/>
+              </a:solidFill>
+              <a:highlight>
+                <a:schemeClr val="lt1"/>
+              </a:highlight>
+            </a:endParaRPr>
+          </a:p>
+          <a:p>
+            <a:pPr indent="0" lvl="0" marL="0" rtl="0" algn="l">
+              <a:spcBef>
+                <a:spcPts val="0"/>
+              </a:spcBef>
+              <a:spcAft>
+                <a:spcPts val="0"/>
+              </a:spcAft>
+              <a:buNone/>
+            </a:pPr>
+            <a:r>
+              <a:t/>
+            </a:r>
+            <a:endParaRPr sz="1800">
+              <a:solidFill>
+                <a:srgbClr val="24292E"/>
+              </a:solidFill>
+              <a:highlight>
+                <a:schemeClr val="lt1"/>
+              </a:highlight>
+            </a:endParaRPr>
+          </a:p>
+          <a:p>
+            <a:pPr indent="-304800" lvl="0" marL="342900" rtl="0" algn="l">
+              <a:spcBef>
+                <a:spcPts val="0"/>
+              </a:spcBef>
+              <a:spcAft>
+                <a:spcPts val="0"/>
+              </a:spcAft>
+              <a:buSzPts val="1800"/>
+              <a:buChar char="▪"/>
+            </a:pPr>
+            <a:r>
+              <a:rPr lang="en-US"/>
+              <a:t>Highest test accuracy we achieve: 72.4% while the best of the paper is 73.2%</a:t>
+            </a:r>
+            <a:endParaRPr/>
+          </a:p>
+          <a:p>
+            <a:pPr indent="0" lvl="0" marL="342900" rtl="0" algn="l">
+              <a:spcBef>
+                <a:spcPts val="0"/>
+              </a:spcBef>
+              <a:spcAft>
+                <a:spcPts val="0"/>
+              </a:spcAft>
+              <a:buNone/>
+            </a:pPr>
+            <a:r>
+              <a:t/>
+            </a:r>
+            <a:endParaRPr/>
+          </a:p>
+          <a:p>
+            <a:pPr indent="-304800" lvl="0" marL="342900" rtl="0" algn="l">
+              <a:spcBef>
+                <a:spcPts val="0"/>
+              </a:spcBef>
+              <a:spcAft>
+                <a:spcPts val="0"/>
+              </a:spcAft>
+              <a:buSzPts val="1800"/>
+              <a:buChar char="▪"/>
+            </a:pPr>
+            <a:r>
+              <a:rPr lang="en-US"/>
+              <a:t>Ethic problem: privacy problem</a:t>
+            </a:r>
+            <a:endParaRPr/>
+          </a:p>
+          <a:p>
+            <a:pPr indent="0" lvl="0" marL="0" rtl="0" algn="l">
+              <a:spcBef>
+                <a:spcPts val="0"/>
+              </a:spcBef>
+              <a:spcAft>
+                <a:spcPts val="0"/>
+              </a:spcAft>
+              <a:buNone/>
+            </a:pPr>
+            <a:r>
+              <a:t/>
+            </a:r>
+            <a:endParaRPr/>
+          </a:p>
+        </p:txBody>
+      </p:sp>
+      <p:sp>
+        <p:nvSpPr>
+          <p:cNvPr id="262" name="Google Shape;262;ge1625c6ff7_0_14"/>
+          <p:cNvSpPr txBox="1"/>
+          <p:nvPr>
+            <p:ph idx="10" type="dt"/>
+          </p:nvPr>
+        </p:nvSpPr>
+        <p:spPr>
+          <a:xfrm>
+            <a:off x="7023100" y="0"/>
+            <a:ext cx="1066800" cy="304800"/>
+          </a:xfrm>
+          <a:prstGeom prst="rect">
+            <a:avLst/>
+          </a:prstGeom>
+          <a:noFill/>
+          <a:ln>
+            <a:noFill/>
+          </a:ln>
+        </p:spPr>
+        <p:txBody>
+          <a:bodyPr anchorCtr="0" anchor="ctr" bIns="45700" lIns="0" spcFirstLastPara="1" rIns="0" wrap="square" tIns="45700">
+            <a:noAutofit/>
+          </a:bodyPr>
+          <a:lstStyle/>
+          <a:p>
+            <a:pPr indent="0" lvl="0" marL="0" rtl="0" algn="r">
+              <a:spcBef>
+                <a:spcPts val="0"/>
+              </a:spcBef>
+              <a:spcAft>
+                <a:spcPts val="0"/>
+              </a:spcAft>
+              <a:buNone/>
+            </a:pPr>
+            <a:r>
+              <a:rPr lang="en-US"/>
+              <a:t>6/30/2021</a:t>
+            </a:r>
+            <a:endParaRPr/>
+          </a:p>
+        </p:txBody>
+      </p:sp>
+      <p:sp>
+        <p:nvSpPr>
+          <p:cNvPr id="263" name="Google Shape;263;ge1625c6ff7_0_14"/>
+          <p:cNvSpPr txBox="1"/>
+          <p:nvPr>
+            <p:ph idx="12" type="sldNum"/>
+          </p:nvPr>
+        </p:nvSpPr>
+        <p:spPr>
+          <a:xfrm>
+            <a:off x="8289925" y="0"/>
+            <a:ext cx="854100" cy="304800"/>
+          </a:xfrm>
+          <a:prstGeom prst="rect">
+            <a:avLst/>
+          </a:prstGeom>
+          <a:noFill/>
+          <a:ln>
+            <a:noFill/>
+          </a:ln>
+        </p:spPr>
+        <p:txBody>
+          <a:bodyPr anchorCtr="0" anchor="ctr" bIns="45700" lIns="0" spcFirstLastPara="1" rIns="0" wrap="square" tIns="45700">
+            <a:noAutofit/>
+          </a:bodyPr>
+          <a:lstStyle/>
+          <a:p>
+            <a:pPr indent="0" lvl="0" marL="0" rtl="0" algn="l">
+              <a:spcBef>
+                <a:spcPts val="0"/>
+              </a:spcBef>
+              <a:spcAft>
+                <a:spcPts val="0"/>
+              </a:spcAft>
+              <a:buNone/>
+            </a:pPr>
+            <a:fld id="{00000000-1234-1234-1234-123412341234}" type="slidenum">
+              <a:rPr lang="en-US"/>
+              <a:t>‹#›</a:t>
+            </a:fld>
+            <a:endParaRPr/>
+          </a:p>
+        </p:txBody>
+      </p:sp>
+      <p:sp>
+        <p:nvSpPr>
+          <p:cNvPr id="264" name="Google Shape;264;ge1625c6ff7_0_14"/>
+          <p:cNvSpPr txBox="1"/>
+          <p:nvPr>
+            <p:ph idx="11" type="ftr"/>
+          </p:nvPr>
+        </p:nvSpPr>
+        <p:spPr>
+          <a:xfrm>
+            <a:off x="625475" y="76200"/>
+            <a:ext cx="6507600" cy="304800"/>
+          </a:xfrm>
+          <a:prstGeom prst="rect">
+            <a:avLst/>
+          </a:prstGeom>
+          <a:noFill/>
+          <a:ln>
+            <a:noFill/>
+          </a:ln>
+        </p:spPr>
+        <p:txBody>
+          <a:bodyPr anchorCtr="0" anchor="ctr" bIns="45700" lIns="91425" spcFirstLastPara="1" rIns="91425" wrap="square" tIns="45700">
+            <a:noAutofit/>
+          </a:bodyPr>
+          <a:lstStyle/>
+          <a:p>
+            <a:pPr indent="0" lvl="0" marL="0" rtl="0" algn="l">
+              <a:spcBef>
+                <a:spcPts val="0"/>
+              </a:spcBef>
+              <a:spcAft>
+                <a:spcPts val="0"/>
+              </a:spcAft>
+              <a:buClr>
+                <a:srgbClr val="000000"/>
+              </a:buClr>
+              <a:buFont typeface="Arial"/>
+              <a:buNone/>
+            </a:pPr>
+            <a:r>
+              <a:rPr lang="en-US"/>
+              <a:t>Facial Emotion Recognition on FER2013 Using VGGNet</a:t>
+            </a:r>
+            <a:endParaRPr/>
+          </a:p>
+          <a:p>
+            <a:pPr indent="0" lvl="0" marL="0" rtl="0" algn="l">
+              <a:spcBef>
+                <a:spcPts val="0"/>
+              </a:spcBef>
+              <a:spcAft>
+                <a:spcPts val="0"/>
+              </a:spcAft>
+              <a:buClr>
+                <a:srgbClr val="000000"/>
+              </a:buClr>
+              <a:buFont typeface="Arial"/>
+              <a:buNone/>
+            </a:pPr>
+            <a:r>
+              <a:t/>
+            </a:r>
+            <a:endParaRPr/>
+          </a:p>
+        </p:txBody>
+      </p:sp>
+    </p:spTree>
+  </p:cSld>
+  <p:clrMapOvr>
+    <a:masterClrMapping/>
+  </p:clrMapOvr>
+</p:sld>
+</file>
+
+<file path=ppt/slides/slide22.xml><?xml version="1.0" encoding="utf-8"?>
+<p:sld xmlns:a="http://schemas.openxmlformats.org/drawingml/2006/main" xmlns:r="http://schemas.openxmlformats.org/officeDocument/2006/relationships" xmlns:mc="http://schemas.openxmlformats.org/markup-compatibility/2006" xmlns:mv="urn:schemas-microsoft-com:mac:vml" xmlns:p="http://schemas.openxmlformats.org/presentationml/2006/main" xmlns:c="http://schemas.openxmlformats.org/drawingml/2006/chart" xmlns:dgm="http://schemas.openxmlformats.org/drawingml/2006/diagram" xmlns:o="urn:schemas-microsoft-com:office:office" xmlns:v="urn:schemas-microsoft-com:vml" xmlns:pvml="urn:schemas-microsoft-com:office:powerpoint" xmlns:com="http://schemas.openxmlformats.org/drawingml/2006/compatibility" xmlns:p14="http://schemas.microsoft.com/office/powerpoint/2010/main" xmlns:p15="http://schemas.microsoft.com/office/powerpoint/2012/main" xmlns:ahyp="http://schemas.microsoft.com/office/drawing/2018/hyperlinkcolor">
+  <p:cSld>
+    <p:spTree>
+      <p:nvGrpSpPr>
+        <p:cNvPr id="268" name="Shape 268"/>
+        <p:cNvGrpSpPr/>
+        <p:nvPr/>
+      </p:nvGrpSpPr>
+      <p:grpSpPr>
+        <a:xfrm>
+          <a:off x="0" y="0"/>
+          <a:ext cx="0" cy="0"/>
+          <a:chOff x="0" y="0"/>
+          <a:chExt cx="0" cy="0"/>
+        </a:xfrm>
+      </p:grpSpPr>
+      <p:sp>
+        <p:nvSpPr>
+          <p:cNvPr id="269" name="Google Shape;269;p11"/>
+          <p:cNvSpPr txBox="1"/>
+          <p:nvPr>
+            <p:ph type="title"/>
+          </p:nvPr>
+        </p:nvSpPr>
+        <p:spPr>
+          <a:xfrm>
+            <a:off x="609600" y="762000"/>
+            <a:ext cx="7924800" cy="685800"/>
+          </a:xfrm>
+          <a:prstGeom prst="rect">
+            <a:avLst/>
+          </a:prstGeom>
+          <a:noFill/>
+          <a:ln>
+            <a:noFill/>
+          </a:ln>
+        </p:spPr>
+        <p:txBody>
+          <a:bodyPr anchorCtr="0" anchor="t" bIns="45700" lIns="91425" spcFirstLastPara="1" rIns="91425" wrap="square" tIns="45700">
+            <a:noAutofit/>
+          </a:bodyPr>
+          <a:lstStyle/>
+          <a:p>
+            <a:pPr indent="0" lvl="0" marL="0" rtl="0" algn="l">
+              <a:spcBef>
+                <a:spcPts val="0"/>
+              </a:spcBef>
+              <a:spcAft>
+                <a:spcPts val="0"/>
+              </a:spcAft>
+              <a:buNone/>
+            </a:pPr>
+            <a:r>
+              <a:rPr lang="en-US"/>
+              <a:t>Github Link</a:t>
+            </a:r>
+            <a:endParaRPr/>
+          </a:p>
+        </p:txBody>
+      </p:sp>
+      <p:sp>
+        <p:nvSpPr>
+          <p:cNvPr id="270" name="Google Shape;270;p11"/>
+          <p:cNvSpPr txBox="1"/>
+          <p:nvPr>
+            <p:ph idx="1" type="body"/>
+          </p:nvPr>
+        </p:nvSpPr>
+        <p:spPr>
+          <a:xfrm>
+            <a:off x="609600" y="1828800"/>
+            <a:ext cx="7924800" cy="3886200"/>
+          </a:xfrm>
+          <a:prstGeom prst="rect">
+            <a:avLst/>
+          </a:prstGeom>
+          <a:noFill/>
+          <a:ln>
+            <a:noFill/>
+          </a:ln>
+        </p:spPr>
+        <p:txBody>
+          <a:bodyPr anchorCtr="0" anchor="t" bIns="45700" lIns="91425" spcFirstLastPara="1" rIns="91425" wrap="square" tIns="45700">
+            <a:noAutofit/>
+          </a:bodyPr>
+          <a:lstStyle/>
+          <a:p>
+            <a:pPr indent="-190500" lvl="0" marL="342900" rtl="0" algn="l">
+              <a:spcBef>
+                <a:spcPts val="0"/>
+              </a:spcBef>
+              <a:spcAft>
+                <a:spcPts val="0"/>
+              </a:spcAft>
+              <a:buSzPts val="2400"/>
+              <a:buNone/>
+            </a:pPr>
+            <a:r>
+              <a:rPr lang="en-US" u="sng">
+                <a:solidFill>
+                  <a:schemeClr val="hlink"/>
+                </a:solidFill>
+                <a:hlinkClick r:id="rId3"/>
+              </a:rPr>
+              <a:t>https://github.com/JimY233/CS523_Project</a:t>
+            </a:r>
+            <a:endParaRPr/>
+          </a:p>
+        </p:txBody>
+      </p:sp>
+      <p:sp>
+        <p:nvSpPr>
+          <p:cNvPr id="271" name="Google Shape;271;p11"/>
+          <p:cNvSpPr txBox="1"/>
+          <p:nvPr>
+            <p:ph idx="10" type="dt"/>
+          </p:nvPr>
+        </p:nvSpPr>
+        <p:spPr>
+          <a:xfrm>
+            <a:off x="7023100" y="0"/>
+            <a:ext cx="1066800" cy="304800"/>
+          </a:xfrm>
+          <a:prstGeom prst="rect">
+            <a:avLst/>
+          </a:prstGeom>
+          <a:noFill/>
+          <a:ln>
+            <a:noFill/>
+          </a:ln>
+        </p:spPr>
+        <p:txBody>
+          <a:bodyPr anchorCtr="0" anchor="ctr" bIns="45700" lIns="0" spcFirstLastPara="1" rIns="0" wrap="square" tIns="45700">
+            <a:noAutofit/>
+          </a:bodyPr>
+          <a:lstStyle/>
+          <a:p>
+            <a:pPr indent="0" lvl="0" marL="0" rtl="0" algn="r">
+              <a:spcBef>
+                <a:spcPts val="0"/>
+              </a:spcBef>
+              <a:spcAft>
+                <a:spcPts val="0"/>
+              </a:spcAft>
+              <a:buNone/>
+            </a:pPr>
+            <a:r>
+              <a:rPr lang="en-US"/>
+              <a:t>6/30/2021</a:t>
+            </a:r>
+            <a:endParaRPr/>
+          </a:p>
+        </p:txBody>
+      </p:sp>
+      <p:sp>
+        <p:nvSpPr>
+          <p:cNvPr id="272" name="Google Shape;272;p11"/>
+          <p:cNvSpPr txBox="1"/>
+          <p:nvPr>
+            <p:ph idx="12" type="sldNum"/>
+          </p:nvPr>
+        </p:nvSpPr>
+        <p:spPr>
+          <a:xfrm>
+            <a:off x="8289925" y="0"/>
+            <a:ext cx="854075" cy="304800"/>
+          </a:xfrm>
+          <a:prstGeom prst="rect">
+            <a:avLst/>
+          </a:prstGeom>
+          <a:noFill/>
+          <a:ln>
+            <a:noFill/>
+          </a:ln>
+        </p:spPr>
+        <p:txBody>
+          <a:bodyPr anchorCtr="0" anchor="ctr" bIns="45700" lIns="0" spcFirstLastPara="1" rIns="0" wrap="square" tIns="45700">
+            <a:noAutofit/>
+          </a:bodyPr>
+          <a:lstStyle/>
+          <a:p>
+            <a:pPr indent="0" lvl="0" marL="0" rtl="0" algn="l">
+              <a:spcBef>
+                <a:spcPts val="0"/>
+              </a:spcBef>
+              <a:spcAft>
+                <a:spcPts val="0"/>
+              </a:spcAft>
+              <a:buNone/>
+            </a:pPr>
+            <a:fld id="{00000000-1234-1234-1234-123412341234}" type="slidenum">
+              <a:rPr lang="en-US"/>
+              <a:t>‹#›</a:t>
+            </a:fld>
+            <a:endParaRPr/>
+          </a:p>
+        </p:txBody>
+      </p:sp>
+      <p:sp>
+        <p:nvSpPr>
+          <p:cNvPr id="273" name="Google Shape;273;p11"/>
+          <p:cNvSpPr txBox="1"/>
+          <p:nvPr>
+            <p:ph idx="11" type="ftr"/>
+          </p:nvPr>
+        </p:nvSpPr>
+        <p:spPr>
+          <a:xfrm>
+            <a:off x="625475" y="76200"/>
+            <a:ext cx="6507600" cy="304800"/>
+          </a:xfrm>
+          <a:prstGeom prst="rect">
+            <a:avLst/>
+          </a:prstGeom>
+          <a:noFill/>
+          <a:ln>
+            <a:noFill/>
+          </a:ln>
+        </p:spPr>
+        <p:txBody>
+          <a:bodyPr anchorCtr="0" anchor="ctr" bIns="45700" lIns="91425" spcFirstLastPara="1" rIns="91425" wrap="square" tIns="45700">
+            <a:noAutofit/>
+          </a:bodyPr>
+          <a:lstStyle/>
+          <a:p>
+            <a:pPr indent="0" lvl="0" marL="0" rtl="0" algn="l">
+              <a:spcBef>
+                <a:spcPts val="0"/>
+              </a:spcBef>
+              <a:spcAft>
+                <a:spcPts val="0"/>
+              </a:spcAft>
+              <a:buClr>
+                <a:srgbClr val="000000"/>
+              </a:buClr>
+              <a:buFont typeface="Arial"/>
+              <a:buNone/>
+            </a:pPr>
+            <a:r>
+              <a:rPr lang="en-US"/>
+              <a:t>Facial Emotion Recognition on FER2013 Using VGGNet</a:t>
+            </a:r>
+            <a:endParaRPr/>
+          </a:p>
+          <a:p>
+            <a:pPr indent="0" lvl="0" marL="0" rtl="0" algn="l">
+              <a:spcBef>
+                <a:spcPts val="0"/>
+              </a:spcBef>
+              <a:spcAft>
+                <a:spcPts val="0"/>
+              </a:spcAft>
+              <a:buClr>
+                <a:srgbClr val="000000"/>
+              </a:buClr>
+              <a:buFont typeface="Arial"/>
+              <a:buNone/>
+            </a:pPr>
+            <a:r>
+              <a:t/>
+            </a:r>
+            <a:endParaRPr/>
+          </a:p>
+        </p:txBody>
+      </p:sp>
+    </p:spTree>
+  </p:cSld>
+  <p:clrMapOvr>
+    <a:masterClrMapping/>
+  </p:clrMapOvr>
+</p:sld>
+</file>
+
+<file path=ppt/slides/slide23.xml><?xml version="1.0" encoding="utf-8"?>
+<p:sld xmlns:a="http://schemas.openxmlformats.org/drawingml/2006/main" xmlns:r="http://schemas.openxmlformats.org/officeDocument/2006/relationships" xmlns:mc="http://schemas.openxmlformats.org/markup-compatibility/2006" xmlns:mv="urn:schemas-microsoft-com:mac:vml" xmlns:p="http://schemas.openxmlformats.org/presentationml/2006/main" xmlns:c="http://schemas.openxmlformats.org/drawingml/2006/chart" xmlns:dgm="http://schemas.openxmlformats.org/drawingml/2006/diagram" xmlns:o="urn:schemas-microsoft-com:office:office" xmlns:v="urn:schemas-microsoft-com:vml" xmlns:pvml="urn:schemas-microsoft-com:office:powerpoint" xmlns:com="http://schemas.openxmlformats.org/drawingml/2006/compatibility" xmlns:p14="http://schemas.microsoft.com/office/powerpoint/2010/main" xmlns:p15="http://schemas.microsoft.com/office/powerpoint/2012/main" xmlns:ahyp="http://schemas.microsoft.com/office/drawing/2018/hyperlinkcolor">
+  <p:cSld>
+    <p:spTree>
+      <p:nvGrpSpPr>
+        <p:cNvPr id="278" name="Shape 278"/>
+        <p:cNvGrpSpPr/>
+        <p:nvPr/>
+      </p:nvGrpSpPr>
+      <p:grpSpPr>
+        <a:xfrm>
+          <a:off x="0" y="0"/>
+          <a:ext cx="0" cy="0"/>
+          <a:chOff x="0" y="0"/>
+          <a:chExt cx="0" cy="0"/>
+        </a:xfrm>
+      </p:grpSpPr>
+      <p:sp>
+        <p:nvSpPr>
+          <p:cNvPr id="279" name="Google Shape;279;p12"/>
+          <p:cNvSpPr txBox="1"/>
+          <p:nvPr>
+            <p:ph type="title"/>
+          </p:nvPr>
+        </p:nvSpPr>
+        <p:spPr>
+          <a:xfrm>
+            <a:off x="722313" y="4406900"/>
+            <a:ext cx="7772400" cy="1362075"/>
+          </a:xfrm>
+          <a:prstGeom prst="rect">
+            <a:avLst/>
+          </a:prstGeom>
+          <a:noFill/>
+          <a:ln>
+            <a:noFill/>
+          </a:ln>
+        </p:spPr>
+        <p:txBody>
+          <a:bodyPr anchorCtr="0" anchor="t" bIns="45700" lIns="91425" spcFirstLastPara="1" rIns="91425" wrap="square" tIns="45700">
+            <a:noAutofit/>
+          </a:bodyPr>
+          <a:lstStyle/>
+          <a:p>
+            <a:pPr indent="0" lvl="0" marL="0" rtl="0" algn="l">
+              <a:spcBef>
+                <a:spcPts val="0"/>
+              </a:spcBef>
+              <a:spcAft>
+                <a:spcPts val="0"/>
+              </a:spcAft>
+              <a:buNone/>
+            </a:pPr>
+            <a:r>
+              <a:rPr lang="en-US"/>
               <a:t>QUESTIONS?</a:t>
             </a:r>
             <a:endParaRPr/>
@@ -14020,7 +15250,7 @@
       </p:sp>
       <p:sp>
         <p:nvSpPr>
-          <p:cNvPr id="261" name="Google Shape;261;p12"/>
+          <p:cNvPr id="280" name="Google Shape;280;p12"/>
           <p:cNvSpPr txBox="1"/>
           <p:nvPr>
             <p:ph idx="1" type="body"/>
@@ -14065,7 +15295,7 @@
       </p:sp>
       <p:sp>
         <p:nvSpPr>
-          <p:cNvPr id="262" name="Google Shape;262;p12"/>
+          <p:cNvPr id="281" name="Google Shape;281;p12"/>
           <p:cNvSpPr txBox="1"/>
           <p:nvPr>
             <p:ph idx="10" type="dt"/>
@@ -14101,7 +15331,7 @@
             </a:pPr>
             <a:r>
               <a:rPr lang="en-US"/>
-              <a:t>6/23/2021</a:t>
+              <a:t>6/30/2021</a:t>
             </a:r>
             <a:endParaRPr/>
           </a:p>
@@ -14109,7 +15339,7 @@
       </p:sp>
       <p:sp>
         <p:nvSpPr>
-          <p:cNvPr id="263" name="Google Shape;263;p12"/>
+          <p:cNvPr id="282" name="Google Shape;282;p12"/>
           <p:cNvSpPr txBox="1"/>
           <p:nvPr>
             <p:ph idx="12" type="sldNum"/>
@@ -14153,7 +15383,7 @@
       </p:sp>
       <p:sp>
         <p:nvSpPr>
-          <p:cNvPr id="264" name="Google Shape;264;p12"/>
+          <p:cNvPr id="283" name="Google Shape;283;p12"/>
           <p:cNvSpPr txBox="1"/>
           <p:nvPr>
             <p:ph idx="11" type="ftr"/>
@@ -14161,8 +15391,8 @@
         </p:nvSpPr>
         <p:spPr>
           <a:xfrm>
-            <a:off x="625475" y="0"/>
-            <a:ext cx="5105400" cy="304800"/>
+            <a:off x="625475" y="76200"/>
+            <a:ext cx="6507600" cy="304800"/>
           </a:xfrm>
           <a:prstGeom prst="rect">
             <a:avLst/>
@@ -14185,11 +15415,34 @@
               <a:spcAft>
                 <a:spcPts val="0"/>
               </a:spcAft>
+              <a:buClr>
+                <a:srgbClr val="000000"/>
+              </a:buClr>
+              <a:buFont typeface="Arial"/>
               <a:buNone/>
             </a:pPr>
             <a:r>
               <a:rPr lang="en-US"/>
-              <a:t>Grounding Deep Models of Visual Data</a:t>
+              <a:t>Facial Emotion Recognition on FER2013 Using VGGNet</a:t>
+            </a:r>
+            <a:endParaRPr/>
+          </a:p>
+          <a:p>
+            <a:pPr indent="0" lvl="0" marL="0" rtl="0" algn="l">
+              <a:spcBef>
+                <a:spcPts val="0"/>
+              </a:spcBef>
+              <a:spcAft>
+                <a:spcPts val="0"/>
+              </a:spcAft>
+              <a:buClr>
+                <a:srgbClr val="000000"/>
+              </a:buClr>
+              <a:buFont typeface="Arial"/>
+              <a:buNone/>
+            </a:pPr>
+            <a:r>
+              <a:t/>
             </a:r>
             <a:endParaRPr/>
           </a:p>
@@ -14345,50 +15598,6 @@
           <p:cNvPr id="62" name="Google Shape;62;p3"/>
           <p:cNvSpPr txBox="1"/>
           <p:nvPr>
-            <p:ph idx="11" type="ftr"/>
-          </p:nvPr>
-        </p:nvSpPr>
-        <p:spPr>
-          <a:xfrm>
-            <a:off x="625475" y="0"/>
-            <a:ext cx="5105400" cy="304800"/>
-          </a:xfrm>
-          <a:prstGeom prst="rect">
-            <a:avLst/>
-          </a:prstGeom>
-          <a:noFill/>
-          <a:ln>
-            <a:noFill/>
-          </a:ln>
-        </p:spPr>
-        <p:txBody>
-          <a:bodyPr anchorCtr="0" anchor="ctr" bIns="45700" lIns="91425" spcFirstLastPara="1" rIns="91425" wrap="square" tIns="45700">
-            <a:noAutofit/>
-          </a:bodyPr>
-          <a:lstStyle/>
-          <a:p>
-            <a:pPr indent="0" lvl="0" marL="0" rtl="0" algn="l">
-              <a:spcBef>
-                <a:spcPts val="0"/>
-              </a:spcBef>
-              <a:spcAft>
-                <a:spcPts val="0"/>
-              </a:spcAft>
-              <a:buNone/>
-            </a:pPr>
-            <a:r>
-              <a:rPr lang="en-US"/>
-              <a:t>Grounding Deep Models of Visual Data</a:t>
-            </a:r>
-            <a:endParaRPr/>
-          </a:p>
-        </p:txBody>
-      </p:sp>
-      <p:sp>
-        <p:nvSpPr>
-          <p:cNvPr id="63" name="Google Shape;63;p3"/>
-          <p:cNvSpPr txBox="1"/>
-          <p:nvPr>
             <p:ph idx="10" type="dt"/>
           </p:nvPr>
         </p:nvSpPr>
@@ -14422,7 +15631,7 @@
             </a:pPr>
             <a:r>
               <a:rPr lang="en-US"/>
-              <a:t>6/23/2021</a:t>
+              <a:t>6/30/2021</a:t>
             </a:r>
             <a:endParaRPr/>
           </a:p>
@@ -14430,7 +15639,7 @@
       </p:sp>
       <p:sp>
         <p:nvSpPr>
-          <p:cNvPr id="64" name="Google Shape;64;p3"/>
+          <p:cNvPr id="63" name="Google Shape;63;p3"/>
           <p:cNvSpPr txBox="1"/>
           <p:nvPr>
             <p:ph idx="12" type="sldNum"/>
@@ -14474,7 +15683,7 @@
       </p:sp>
       <p:sp>
         <p:nvSpPr>
-          <p:cNvPr id="65" name="Google Shape;65;p3"/>
+          <p:cNvPr id="64" name="Google Shape;64;p3"/>
           <p:cNvSpPr txBox="1"/>
           <p:nvPr/>
         </p:nvSpPr>
@@ -15127,7 +16336,7 @@
       </p:sp>
       <p:pic>
         <p:nvPicPr>
-          <p:cNvPr id="66" name="Google Shape;66;p3"/>
+          <p:cNvPr id="65" name="Google Shape;65;p3"/>
           <p:cNvPicPr preferRelativeResize="0"/>
           <p:nvPr/>
         </p:nvPicPr>
@@ -15153,6 +16362,73 @@
           </a:ln>
         </p:spPr>
       </p:pic>
+      <p:sp>
+        <p:nvSpPr>
+          <p:cNvPr id="66" name="Google Shape;66;p3"/>
+          <p:cNvSpPr txBox="1"/>
+          <p:nvPr>
+            <p:ph idx="11" type="ftr"/>
+          </p:nvPr>
+        </p:nvSpPr>
+        <p:spPr>
+          <a:xfrm>
+            <a:off x="625475" y="76200"/>
+            <a:ext cx="6507600" cy="304800"/>
+          </a:xfrm>
+          <a:prstGeom prst="rect">
+            <a:avLst/>
+          </a:prstGeom>
+          <a:noFill/>
+          <a:ln>
+            <a:noFill/>
+          </a:ln>
+        </p:spPr>
+        <p:txBody>
+          <a:bodyPr anchorCtr="0" anchor="ctr" bIns="45700" lIns="91425" spcFirstLastPara="1" rIns="91425" wrap="square" tIns="45700">
+            <a:noAutofit/>
+          </a:bodyPr>
+          <a:lstStyle/>
+          <a:p>
+            <a:pPr indent="0" lvl="0" marL="0" rtl="0" algn="l">
+              <a:spcBef>
+                <a:spcPts val="0"/>
+              </a:spcBef>
+              <a:spcAft>
+                <a:spcPts val="0"/>
+              </a:spcAft>
+              <a:buClr>
+                <a:srgbClr val="000000"/>
+              </a:buClr>
+              <a:buFont typeface="Arial"/>
+              <a:buNone/>
+            </a:pPr>
+            <a:r>
+              <a:rPr lang="en-US"/>
+              <a:t>Facial Emotion Recognition on FER2013 Using VGGNet</a:t>
+            </a:r>
+            <a:endParaRPr/>
+          </a:p>
+          <a:p>
+            <a:pPr indent="0" lvl="0" marL="0" rtl="0" algn="l">
+              <a:spcBef>
+                <a:spcPts val="0"/>
+              </a:spcBef>
+              <a:spcAft>
+                <a:spcPts val="0"/>
+              </a:spcAft>
+              <a:buClr>
+                <a:srgbClr val="000000"/>
+              </a:buClr>
+              <a:buFont typeface="Arial"/>
+              <a:buNone/>
+            </a:pPr>
+            <a:r>
+              <a:t/>
+            </a:r>
+            <a:endParaRPr/>
+          </a:p>
+        </p:txBody>
+      </p:sp>
     </p:spTree>
   </p:cSld>
   <p:clrMapOvr>
@@ -15454,13 +16730,101 @@
           <p:cNvPr id="73" name="Google Shape;73;p4"/>
           <p:cNvSpPr txBox="1"/>
           <p:nvPr>
+            <p:ph idx="10" type="dt"/>
+          </p:nvPr>
+        </p:nvSpPr>
+        <p:spPr>
+          <a:xfrm>
+            <a:off x="7023100" y="0"/>
+            <a:ext cx="1066800" cy="304800"/>
+          </a:xfrm>
+          <a:prstGeom prst="rect">
+            <a:avLst/>
+          </a:prstGeom>
+          <a:noFill/>
+          <a:ln>
+            <a:noFill/>
+          </a:ln>
+        </p:spPr>
+        <p:txBody>
+          <a:bodyPr anchorCtr="0" anchor="ctr" bIns="45700" lIns="0" spcFirstLastPara="1" rIns="0" wrap="square" tIns="45700">
+            <a:noAutofit/>
+          </a:bodyPr>
+          <a:lstStyle/>
+          <a:p>
+            <a:pPr indent="0" lvl="0" marL="0" rtl="0" algn="r">
+              <a:spcBef>
+                <a:spcPts val="0"/>
+              </a:spcBef>
+              <a:spcAft>
+                <a:spcPts val="0"/>
+              </a:spcAft>
+              <a:buNone/>
+            </a:pPr>
+            <a:r>
+              <a:rPr lang="en-US"/>
+              <a:t>6/30/2021</a:t>
+            </a:r>
+            <a:endParaRPr/>
+          </a:p>
+        </p:txBody>
+      </p:sp>
+      <p:sp>
+        <p:nvSpPr>
+          <p:cNvPr id="74" name="Google Shape;74;p4"/>
+          <p:cNvSpPr txBox="1"/>
+          <p:nvPr>
+            <p:ph idx="12" type="sldNum"/>
+          </p:nvPr>
+        </p:nvSpPr>
+        <p:spPr>
+          <a:xfrm>
+            <a:off x="8289925" y="0"/>
+            <a:ext cx="854075" cy="304800"/>
+          </a:xfrm>
+          <a:prstGeom prst="rect">
+            <a:avLst/>
+          </a:prstGeom>
+          <a:noFill/>
+          <a:ln>
+            <a:noFill/>
+          </a:ln>
+        </p:spPr>
+        <p:txBody>
+          <a:bodyPr anchorCtr="0" anchor="ctr" bIns="45700" lIns="0" spcFirstLastPara="1" rIns="0" wrap="square" tIns="45700">
+            <a:noAutofit/>
+          </a:bodyPr>
+          <a:lstStyle/>
+          <a:p>
+            <a:pPr indent="0" lvl="0" marL="0" rtl="0" algn="l">
+              <a:spcBef>
+                <a:spcPts val="0"/>
+              </a:spcBef>
+              <a:spcAft>
+                <a:spcPts val="0"/>
+              </a:spcAft>
+              <a:buNone/>
+            </a:pPr>
+            <a:fld id="{00000000-1234-1234-1234-123412341234}" type="slidenum">
+              <a:rPr lang="en-US"/>
+              <a:t>‹#›</a:t>
+            </a:fld>
+            <a:endParaRPr/>
+          </a:p>
+        </p:txBody>
+      </p:sp>
+      <p:sp>
+        <p:nvSpPr>
+          <p:cNvPr id="75" name="Google Shape;75;p4"/>
+          <p:cNvSpPr txBox="1"/>
+          <p:nvPr>
             <p:ph idx="11" type="ftr"/>
           </p:nvPr>
         </p:nvSpPr>
         <p:spPr>
           <a:xfrm>
-            <a:off x="625475" y="0"/>
-            <a:ext cx="5105400" cy="304800"/>
+            <a:off x="625475" y="76200"/>
+            <a:ext cx="6507600" cy="304800"/>
           </a:xfrm>
           <a:prstGeom prst="rect">
             <a:avLst/>
@@ -15483,86 +16847,18 @@
               <a:spcAft>
                 <a:spcPts val="0"/>
               </a:spcAft>
+              <a:buClr>
+                <a:srgbClr val="000000"/>
+              </a:buClr>
+              <a:buFont typeface="Arial"/>
               <a:buNone/>
             </a:pPr>
             <a:r>
               <a:rPr lang="en-US"/>
-              <a:t>Deep Video Representations for Action Recognition/Detection</a:t>
-            </a:r>
-            <a:endParaRPr/>
-          </a:p>
-        </p:txBody>
-      </p:sp>
-      <p:sp>
-        <p:nvSpPr>
-          <p:cNvPr id="74" name="Google Shape;74;p4"/>
-          <p:cNvSpPr txBox="1"/>
-          <p:nvPr>
-            <p:ph idx="10" type="dt"/>
-          </p:nvPr>
-        </p:nvSpPr>
-        <p:spPr>
-          <a:xfrm>
-            <a:off x="7023100" y="0"/>
-            <a:ext cx="1066800" cy="304800"/>
-          </a:xfrm>
-          <a:prstGeom prst="rect">
-            <a:avLst/>
-          </a:prstGeom>
-          <a:noFill/>
-          <a:ln>
-            <a:noFill/>
-          </a:ln>
-        </p:spPr>
-        <p:txBody>
-          <a:bodyPr anchorCtr="0" anchor="ctr" bIns="45700" lIns="0" spcFirstLastPara="1" rIns="0" wrap="square" tIns="45700">
-            <a:noAutofit/>
-          </a:bodyPr>
-          <a:lstStyle/>
-          <a:p>
-            <a:pPr indent="0" lvl="0" marL="0" rtl="0" algn="r">
-              <a:spcBef>
-                <a:spcPts val="0"/>
-              </a:spcBef>
-              <a:spcAft>
-                <a:spcPts val="0"/>
-              </a:spcAft>
-              <a:buNone/>
-            </a:pPr>
-            <a:r>
-              <a:rPr lang="en-US"/>
-              <a:t>6/23/2021</a:t>
-            </a:r>
-            <a:endParaRPr/>
-          </a:p>
-        </p:txBody>
-      </p:sp>
-      <p:sp>
-        <p:nvSpPr>
-          <p:cNvPr id="75" name="Google Shape;75;p4"/>
-          <p:cNvSpPr txBox="1"/>
-          <p:nvPr>
-            <p:ph idx="12" type="sldNum"/>
-          </p:nvPr>
-        </p:nvSpPr>
-        <p:spPr>
-          <a:xfrm>
-            <a:off x="8289925" y="0"/>
-            <a:ext cx="854075" cy="304800"/>
-          </a:xfrm>
-          <a:prstGeom prst="rect">
-            <a:avLst/>
-          </a:prstGeom>
-          <a:noFill/>
-          <a:ln>
-            <a:noFill/>
-          </a:ln>
-        </p:spPr>
-        <p:txBody>
-          <a:bodyPr anchorCtr="0" anchor="ctr" bIns="45700" lIns="0" spcFirstLastPara="1" rIns="0" wrap="square" tIns="45700">
-            <a:noAutofit/>
-          </a:bodyPr>
-          <a:lstStyle/>
+              <a:t>Facial Emotion Recognition on FER2013 Using VGGNet</a:t>
+            </a:r>
+            <a:endParaRPr/>
+          </a:p>
           <a:p>
             <a:pPr indent="0" lvl="0" marL="0" rtl="0" algn="l">
               <a:spcBef>
@@ -15571,12 +16867,15 @@
               <a:spcAft>
                 <a:spcPts val="0"/>
               </a:spcAft>
-              <a:buNone/>
-            </a:pPr>
-            <a:fld id="{00000000-1234-1234-1234-123412341234}" type="slidenum">
-              <a:rPr lang="en-US"/>
-              <a:t>‹#›</a:t>
-            </a:fld>
+              <a:buClr>
+                <a:srgbClr val="000000"/>
+              </a:buClr>
+              <a:buFont typeface="Arial"/>
+              <a:buNone/>
+            </a:pPr>
+            <a:r>
+              <a:t/>
+            </a:r>
             <a:endParaRPr/>
           </a:p>
         </p:txBody>
@@ -15804,18 +17103,17 @@
           <p:cNvPicPr preferRelativeResize="0"/>
           <p:nvPr/>
         </p:nvPicPr>
-        <p:blipFill>
+        <p:blipFill rotWithShape="1">
           <a:blip r:embed="rId3">
             <a:alphaModFix/>
           </a:blip>
-          <a:stretch>
-            <a:fillRect/>
-          </a:stretch>
+          <a:srcRect b="0" l="0" r="0" t="0"/>
+          <a:stretch/>
         </p:blipFill>
         <p:spPr>
           <a:xfrm>
-            <a:off x="2764975" y="5018325"/>
-            <a:ext cx="3614050" cy="1408225"/>
+            <a:off x="2765000" y="5018325"/>
+            <a:ext cx="3614025" cy="1408225"/>
           </a:xfrm>
           <a:prstGeom prst="rect">
             <a:avLst/>
@@ -15826,6 +17124,73 @@
           </a:ln>
         </p:spPr>
       </p:pic>
+      <p:sp>
+        <p:nvSpPr>
+          <p:cNvPr id="85" name="Google Shape;85;ge160048ebe_0_18"/>
+          <p:cNvSpPr txBox="1"/>
+          <p:nvPr>
+            <p:ph idx="11" type="ftr"/>
+          </p:nvPr>
+        </p:nvSpPr>
+        <p:spPr>
+          <a:xfrm>
+            <a:off x="625475" y="76200"/>
+            <a:ext cx="6507600" cy="304800"/>
+          </a:xfrm>
+          <a:prstGeom prst="rect">
+            <a:avLst/>
+          </a:prstGeom>
+          <a:noFill/>
+          <a:ln>
+            <a:noFill/>
+          </a:ln>
+        </p:spPr>
+        <p:txBody>
+          <a:bodyPr anchorCtr="0" anchor="ctr" bIns="45700" lIns="91425" spcFirstLastPara="1" rIns="91425" wrap="square" tIns="45700">
+            <a:noAutofit/>
+          </a:bodyPr>
+          <a:lstStyle/>
+          <a:p>
+            <a:pPr indent="0" lvl="0" marL="0" rtl="0" algn="l">
+              <a:spcBef>
+                <a:spcPts val="0"/>
+              </a:spcBef>
+              <a:spcAft>
+                <a:spcPts val="0"/>
+              </a:spcAft>
+              <a:buClr>
+                <a:srgbClr val="000000"/>
+              </a:buClr>
+              <a:buFont typeface="Arial"/>
+              <a:buNone/>
+            </a:pPr>
+            <a:r>
+              <a:rPr lang="en-US"/>
+              <a:t>Facial Emotion Recognition on FER2013 Using VGGNet</a:t>
+            </a:r>
+            <a:endParaRPr/>
+          </a:p>
+          <a:p>
+            <a:pPr indent="0" lvl="0" marL="0" rtl="0" algn="l">
+              <a:spcBef>
+                <a:spcPts val="0"/>
+              </a:spcBef>
+              <a:spcAft>
+                <a:spcPts val="0"/>
+              </a:spcAft>
+              <a:buClr>
+                <a:srgbClr val="000000"/>
+              </a:buClr>
+              <a:buFont typeface="Arial"/>
+              <a:buNone/>
+            </a:pPr>
+            <a:r>
+              <a:t/>
+            </a:r>
+            <a:endParaRPr/>
+          </a:p>
+        </p:txBody>
+      </p:sp>
     </p:spTree>
   </p:cSld>
   <p:clrMapOvr>
@@ -15839,7 +17204,7 @@
   <p:cSld>
     <p:spTree>
       <p:nvGrpSpPr>
-        <p:cNvPr id="89" name="Shape 89"/>
+        <p:cNvPr id="90" name="Shape 90"/>
         <p:cNvGrpSpPr/>
         <p:nvPr/>
       </p:nvGrpSpPr>
@@ -15853,7 +17218,7 @@
       </p:grpSpPr>
       <p:sp>
         <p:nvSpPr>
-          <p:cNvPr id="90" name="Google Shape;90;p5"/>
+          <p:cNvPr id="91" name="Google Shape;91;p5"/>
           <p:cNvSpPr txBox="1"/>
           <p:nvPr>
             <p:ph type="title"/>
@@ -15897,50 +17262,6 @@
       </p:sp>
       <p:sp>
         <p:nvSpPr>
-          <p:cNvPr id="91" name="Google Shape;91;p5"/>
-          <p:cNvSpPr txBox="1"/>
-          <p:nvPr>
-            <p:ph idx="11" type="ftr"/>
-          </p:nvPr>
-        </p:nvSpPr>
-        <p:spPr>
-          <a:xfrm>
-            <a:off x="625475" y="0"/>
-            <a:ext cx="5105400" cy="304800"/>
-          </a:xfrm>
-          <a:prstGeom prst="rect">
-            <a:avLst/>
-          </a:prstGeom>
-          <a:noFill/>
-          <a:ln>
-            <a:noFill/>
-          </a:ln>
-        </p:spPr>
-        <p:txBody>
-          <a:bodyPr anchorCtr="0" anchor="ctr" bIns="45700" lIns="91425" spcFirstLastPara="1" rIns="91425" wrap="square" tIns="45700">
-            <a:noAutofit/>
-          </a:bodyPr>
-          <a:lstStyle/>
-          <a:p>
-            <a:pPr indent="0" lvl="0" marL="0" rtl="0" algn="l">
-              <a:spcBef>
-                <a:spcPts val="0"/>
-              </a:spcBef>
-              <a:spcAft>
-                <a:spcPts val="0"/>
-              </a:spcAft>
-              <a:buNone/>
-            </a:pPr>
-            <a:r>
-              <a:rPr lang="en-US"/>
-              <a:t>Grounding Deep Models of Visual Data</a:t>
-            </a:r>
-            <a:endParaRPr/>
-          </a:p>
-        </p:txBody>
-      </p:sp>
-      <p:sp>
-        <p:nvSpPr>
           <p:cNvPr id="92" name="Google Shape;92;p5"/>
           <p:cNvSpPr txBox="1"/>
           <p:nvPr>
@@ -15977,7 +17298,7 @@
             </a:pPr>
             <a:r>
               <a:rPr lang="en-US"/>
-              <a:t>6/23/2021</a:t>
+              <a:t>6/30/2021</a:t>
             </a:r>
             <a:endParaRPr/>
           </a:p>
@@ -16679,6 +18000,73 @@
             <a:r>
               <a:rPr lang="en-US"/>
               <a:t>Backpropagation</a:t>
+            </a:r>
+            <a:endParaRPr/>
+          </a:p>
+        </p:txBody>
+      </p:sp>
+      <p:sp>
+        <p:nvSpPr>
+          <p:cNvPr id="108" name="Google Shape;108;p5"/>
+          <p:cNvSpPr txBox="1"/>
+          <p:nvPr>
+            <p:ph idx="11" type="ftr"/>
+          </p:nvPr>
+        </p:nvSpPr>
+        <p:spPr>
+          <a:xfrm>
+            <a:off x="625475" y="76200"/>
+            <a:ext cx="6507600" cy="304800"/>
+          </a:xfrm>
+          <a:prstGeom prst="rect">
+            <a:avLst/>
+          </a:prstGeom>
+          <a:noFill/>
+          <a:ln>
+            <a:noFill/>
+          </a:ln>
+        </p:spPr>
+        <p:txBody>
+          <a:bodyPr anchorCtr="0" anchor="ctr" bIns="45700" lIns="91425" spcFirstLastPara="1" rIns="91425" wrap="square" tIns="45700">
+            <a:noAutofit/>
+          </a:bodyPr>
+          <a:lstStyle/>
+          <a:p>
+            <a:pPr indent="0" lvl="0" marL="0" rtl="0" algn="l">
+              <a:spcBef>
+                <a:spcPts val="0"/>
+              </a:spcBef>
+              <a:spcAft>
+                <a:spcPts val="0"/>
+              </a:spcAft>
+              <a:buClr>
+                <a:srgbClr val="000000"/>
+              </a:buClr>
+              <a:buFont typeface="Arial"/>
+              <a:buNone/>
+            </a:pPr>
+            <a:r>
+              <a:rPr lang="en-US"/>
+              <a:t>Facial Emotion Recognition on FER2013 Using VGGNet</a:t>
+            </a:r>
+            <a:endParaRPr/>
+          </a:p>
+          <a:p>
+            <a:pPr indent="0" lvl="0" marL="0" rtl="0" algn="l">
+              <a:spcBef>
+                <a:spcPts val="0"/>
+              </a:spcBef>
+              <a:spcAft>
+                <a:spcPts val="0"/>
+              </a:spcAft>
+              <a:buClr>
+                <a:srgbClr val="000000"/>
+              </a:buClr>
+              <a:buFont typeface="Arial"/>
+              <a:buNone/>
+            </a:pPr>
+            <a:r>
+              <a:t/>
             </a:r>
             <a:endParaRPr/>
           </a:p>
@@ -16697,7 +18085,7 @@
   <p:cSld>
     <p:spTree>
       <p:nvGrpSpPr>
-        <p:cNvPr id="112" name="Shape 112"/>
+        <p:cNvPr id="113" name="Shape 113"/>
         <p:cNvGrpSpPr/>
         <p:nvPr/>
       </p:nvGrpSpPr>
@@ -16711,7 +18099,7 @@
       </p:grpSpPr>
       <p:sp>
         <p:nvSpPr>
-          <p:cNvPr id="113" name="Google Shape;113;ge27b4ddcf6_0_0"/>
+          <p:cNvPr id="114" name="Google Shape;114;ge27b4ddcf6_0_0"/>
           <p:cNvSpPr txBox="1"/>
           <p:nvPr>
             <p:ph type="title"/>
@@ -16755,50 +18143,6 @@
       </p:sp>
       <p:sp>
         <p:nvSpPr>
-          <p:cNvPr id="114" name="Google Shape;114;ge27b4ddcf6_0_0"/>
-          <p:cNvSpPr txBox="1"/>
-          <p:nvPr>
-            <p:ph idx="11" type="ftr"/>
-          </p:nvPr>
-        </p:nvSpPr>
-        <p:spPr>
-          <a:xfrm>
-            <a:off x="625475" y="0"/>
-            <a:ext cx="5105400" cy="304800"/>
-          </a:xfrm>
-          <a:prstGeom prst="rect">
-            <a:avLst/>
-          </a:prstGeom>
-          <a:noFill/>
-          <a:ln>
-            <a:noFill/>
-          </a:ln>
-        </p:spPr>
-        <p:txBody>
-          <a:bodyPr anchorCtr="0" anchor="ctr" bIns="45700" lIns="91425" spcFirstLastPara="1" rIns="91425" wrap="square" tIns="45700">
-            <a:noAutofit/>
-          </a:bodyPr>
-          <a:lstStyle/>
-          <a:p>
-            <a:pPr indent="0" lvl="0" marL="0" rtl="0" algn="l">
-              <a:spcBef>
-                <a:spcPts val="0"/>
-              </a:spcBef>
-              <a:spcAft>
-                <a:spcPts val="0"/>
-              </a:spcAft>
-              <a:buNone/>
-            </a:pPr>
-            <a:r>
-              <a:rPr lang="en-US"/>
-              <a:t>Grounding Deep Models of Visual Data</a:t>
-            </a:r>
-            <a:endParaRPr/>
-          </a:p>
-        </p:txBody>
-      </p:sp>
-      <p:sp>
-        <p:nvSpPr>
           <p:cNvPr id="115" name="Google Shape;115;ge27b4ddcf6_0_0"/>
           <p:cNvSpPr txBox="1"/>
           <p:nvPr>
@@ -16835,7 +18179,7 @@
             </a:pPr>
             <a:r>
               <a:rPr lang="en-US"/>
-              <a:t>6/23/2021</a:t>
+              <a:t>6/30/2021</a:t>
             </a:r>
             <a:endParaRPr/>
           </a:p>
@@ -17056,7 +18400,7 @@
                   <a:schemeClr val="dk1"/>
                 </a:solidFill>
               </a:rPr>
-              <a:t>VGG </a:t>
+              <a:t>B</a:t>
             </a:r>
             <a:r>
               <a:rPr lang="en-US" sz="2400">
@@ -17064,7 +18408,7 @@
                   <a:schemeClr val="dk1"/>
                 </a:solidFill>
               </a:rPr>
-              <a:t>variant: batch normalization</a:t>
+              <a:t>atch normalization: Speed up the learning process</a:t>
             </a:r>
             <a:endParaRPr sz="2400">
               <a:solidFill>
@@ -17106,6 +18450,73 @@
               <a:spcAft>
                 <a:spcPts val="0"/>
               </a:spcAft>
+              <a:buNone/>
+            </a:pPr>
+            <a:r>
+              <a:t/>
+            </a:r>
+            <a:endParaRPr/>
+          </a:p>
+        </p:txBody>
+      </p:sp>
+      <p:sp>
+        <p:nvSpPr>
+          <p:cNvPr id="119" name="Google Shape;119;ge27b4ddcf6_0_0"/>
+          <p:cNvSpPr txBox="1"/>
+          <p:nvPr>
+            <p:ph idx="11" type="ftr"/>
+          </p:nvPr>
+        </p:nvSpPr>
+        <p:spPr>
+          <a:xfrm>
+            <a:off x="625475" y="76200"/>
+            <a:ext cx="6507600" cy="304800"/>
+          </a:xfrm>
+          <a:prstGeom prst="rect">
+            <a:avLst/>
+          </a:prstGeom>
+          <a:noFill/>
+          <a:ln>
+            <a:noFill/>
+          </a:ln>
+        </p:spPr>
+        <p:txBody>
+          <a:bodyPr anchorCtr="0" anchor="ctr" bIns="45700" lIns="91425" spcFirstLastPara="1" rIns="91425" wrap="square" tIns="45700">
+            <a:noAutofit/>
+          </a:bodyPr>
+          <a:lstStyle/>
+          <a:p>
+            <a:pPr indent="0" lvl="0" marL="0" rtl="0" algn="l">
+              <a:spcBef>
+                <a:spcPts val="0"/>
+              </a:spcBef>
+              <a:spcAft>
+                <a:spcPts val="0"/>
+              </a:spcAft>
+              <a:buClr>
+                <a:srgbClr val="000000"/>
+              </a:buClr>
+              <a:buFont typeface="Arial"/>
+              <a:buNone/>
+            </a:pPr>
+            <a:r>
+              <a:rPr lang="en-US"/>
+              <a:t>Facial Emotion Recognition on FER2013 Using VGGNet</a:t>
+            </a:r>
+            <a:endParaRPr/>
+          </a:p>
+          <a:p>
+            <a:pPr indent="0" lvl="0" marL="0" rtl="0" algn="l">
+              <a:spcBef>
+                <a:spcPts val="0"/>
+              </a:spcBef>
+              <a:spcAft>
+                <a:spcPts val="0"/>
+              </a:spcAft>
+              <a:buClr>
+                <a:srgbClr val="000000"/>
+              </a:buClr>
+              <a:buFont typeface="Arial"/>
               <a:buNone/>
             </a:pPr>
             <a:r>
@@ -17128,7 +18539,7 @@
   <p:cSld>
     <p:spTree>
       <p:nvGrpSpPr>
-        <p:cNvPr id="123" name="Shape 123"/>
+        <p:cNvPr id="124" name="Shape 124"/>
         <p:cNvGrpSpPr/>
         <p:nvPr/>
       </p:nvGrpSpPr>
@@ -17142,7 +18553,7 @@
       </p:grpSpPr>
       <p:sp>
         <p:nvSpPr>
-          <p:cNvPr id="124" name="Google Shape;124;ge27b4ddcf6_0_9"/>
+          <p:cNvPr id="125" name="Google Shape;125;ge27b4ddcf6_0_9"/>
           <p:cNvSpPr txBox="1"/>
           <p:nvPr>
             <p:ph type="title"/>
@@ -17186,50 +18597,6 @@
       </p:sp>
       <p:sp>
         <p:nvSpPr>
-          <p:cNvPr id="125" name="Google Shape;125;ge27b4ddcf6_0_9"/>
-          <p:cNvSpPr txBox="1"/>
-          <p:nvPr>
-            <p:ph idx="11" type="ftr"/>
-          </p:nvPr>
-        </p:nvSpPr>
-        <p:spPr>
-          <a:xfrm>
-            <a:off x="625475" y="0"/>
-            <a:ext cx="5105400" cy="304800"/>
-          </a:xfrm>
-          <a:prstGeom prst="rect">
-            <a:avLst/>
-          </a:prstGeom>
-          <a:noFill/>
-          <a:ln>
-            <a:noFill/>
-          </a:ln>
-        </p:spPr>
-        <p:txBody>
-          <a:bodyPr anchorCtr="0" anchor="ctr" bIns="45700" lIns="91425" spcFirstLastPara="1" rIns="91425" wrap="square" tIns="45700">
-            <a:noAutofit/>
-          </a:bodyPr>
-          <a:lstStyle/>
-          <a:p>
-            <a:pPr indent="0" lvl="0" marL="0" rtl="0" algn="l">
-              <a:spcBef>
-                <a:spcPts val="0"/>
-              </a:spcBef>
-              <a:spcAft>
-                <a:spcPts val="0"/>
-              </a:spcAft>
-              <a:buNone/>
-            </a:pPr>
-            <a:r>
-              <a:rPr lang="en-US"/>
-              <a:t>Grounding Deep Models of Visual Data</a:t>
-            </a:r>
-            <a:endParaRPr/>
-          </a:p>
-        </p:txBody>
-      </p:sp>
-      <p:sp>
-        <p:nvSpPr>
           <p:cNvPr id="126" name="Google Shape;126;ge27b4ddcf6_0_9"/>
           <p:cNvSpPr txBox="1"/>
           <p:nvPr>
@@ -17266,7 +18633,7 @@
             </a:pPr>
             <a:r>
               <a:rPr lang="en-US"/>
-              <a:t>6/23/2021</a:t>
+              <a:t>6/30/2021</a:t>
             </a:r>
             <a:endParaRPr/>
           </a:p>
@@ -17579,6 +18946,73 @@
           </a:ln>
         </p:spPr>
       </p:pic>
+      <p:sp>
+        <p:nvSpPr>
+          <p:cNvPr id="131" name="Google Shape;131;ge27b4ddcf6_0_9"/>
+          <p:cNvSpPr txBox="1"/>
+          <p:nvPr>
+            <p:ph idx="11" type="ftr"/>
+          </p:nvPr>
+        </p:nvSpPr>
+        <p:spPr>
+          <a:xfrm>
+            <a:off x="625475" y="76200"/>
+            <a:ext cx="6507600" cy="304800"/>
+          </a:xfrm>
+          <a:prstGeom prst="rect">
+            <a:avLst/>
+          </a:prstGeom>
+          <a:noFill/>
+          <a:ln>
+            <a:noFill/>
+          </a:ln>
+        </p:spPr>
+        <p:txBody>
+          <a:bodyPr anchorCtr="0" anchor="ctr" bIns="45700" lIns="91425" spcFirstLastPara="1" rIns="91425" wrap="square" tIns="45700">
+            <a:noAutofit/>
+          </a:bodyPr>
+          <a:lstStyle/>
+          <a:p>
+            <a:pPr indent="0" lvl="0" marL="0" rtl="0" algn="l">
+              <a:spcBef>
+                <a:spcPts val="0"/>
+              </a:spcBef>
+              <a:spcAft>
+                <a:spcPts val="0"/>
+              </a:spcAft>
+              <a:buClr>
+                <a:srgbClr val="000000"/>
+              </a:buClr>
+              <a:buFont typeface="Arial"/>
+              <a:buNone/>
+            </a:pPr>
+            <a:r>
+              <a:rPr lang="en-US"/>
+              <a:t>Facial Emotion Recognition on FER2013 Using VGGNet</a:t>
+            </a:r>
+            <a:endParaRPr/>
+          </a:p>
+          <a:p>
+            <a:pPr indent="0" lvl="0" marL="0" rtl="0" algn="l">
+              <a:spcBef>
+                <a:spcPts val="0"/>
+              </a:spcBef>
+              <a:spcAft>
+                <a:spcPts val="0"/>
+              </a:spcAft>
+              <a:buClr>
+                <a:srgbClr val="000000"/>
+              </a:buClr>
+              <a:buFont typeface="Arial"/>
+              <a:buNone/>
+            </a:pPr>
+            <a:r>
+              <a:t/>
+            </a:r>
+            <a:endParaRPr/>
+          </a:p>
+        </p:txBody>
+      </p:sp>
     </p:spTree>
   </p:cSld>
   <p:clrMapOvr>
@@ -17592,7 +19026,7 @@
   <p:cSld>
     <p:spTree>
       <p:nvGrpSpPr>
-        <p:cNvPr id="135" name="Shape 135"/>
+        <p:cNvPr id="136" name="Shape 136"/>
         <p:cNvGrpSpPr/>
         <p:nvPr/>
       </p:nvGrpSpPr>
@@ -17606,7 +19040,7 @@
       </p:grpSpPr>
       <p:sp>
         <p:nvSpPr>
-          <p:cNvPr id="136" name="Google Shape;136;p6"/>
+          <p:cNvPr id="137" name="Google Shape;137;p6"/>
           <p:cNvSpPr txBox="1"/>
           <p:nvPr>
             <p:ph type="title"/>
@@ -17650,50 +19084,6 @@
       </p:sp>
       <p:sp>
         <p:nvSpPr>
-          <p:cNvPr id="137" name="Google Shape;137;p6"/>
-          <p:cNvSpPr txBox="1"/>
-          <p:nvPr>
-            <p:ph idx="11" type="ftr"/>
-          </p:nvPr>
-        </p:nvSpPr>
-        <p:spPr>
-          <a:xfrm>
-            <a:off x="625475" y="0"/>
-            <a:ext cx="5105400" cy="304800"/>
-          </a:xfrm>
-          <a:prstGeom prst="rect">
-            <a:avLst/>
-          </a:prstGeom>
-          <a:noFill/>
-          <a:ln>
-            <a:noFill/>
-          </a:ln>
-        </p:spPr>
-        <p:txBody>
-          <a:bodyPr anchorCtr="0" anchor="ctr" bIns="45700" lIns="91425" spcFirstLastPara="1" rIns="91425" wrap="square" tIns="45700">
-            <a:noAutofit/>
-          </a:bodyPr>
-          <a:lstStyle/>
-          <a:p>
-            <a:pPr indent="0" lvl="0" marL="0" rtl="0" algn="l">
-              <a:spcBef>
-                <a:spcPts val="0"/>
-              </a:spcBef>
-              <a:spcAft>
-                <a:spcPts val="0"/>
-              </a:spcAft>
-              <a:buNone/>
-            </a:pPr>
-            <a:r>
-              <a:rPr lang="en-US"/>
-              <a:t>Grounding Deep Models of Visual Data</a:t>
-            </a:r>
-            <a:endParaRPr/>
-          </a:p>
-        </p:txBody>
-      </p:sp>
-      <p:sp>
-        <p:nvSpPr>
           <p:cNvPr id="138" name="Google Shape;138;p6"/>
           <p:cNvSpPr txBox="1"/>
           <p:nvPr>
@@ -17730,7 +19120,7 @@
             </a:pPr>
             <a:r>
               <a:rPr lang="en-US"/>
-              <a:t>6/23/2021</a:t>
+              <a:t>6/30/2021</a:t>
             </a:r>
             <a:endParaRPr/>
           </a:p>
@@ -17935,6 +19325,73 @@
           </a:p>
         </p:txBody>
       </p:sp>
+      <p:sp>
+        <p:nvSpPr>
+          <p:cNvPr id="144" name="Google Shape;144;p6"/>
+          <p:cNvSpPr txBox="1"/>
+          <p:nvPr>
+            <p:ph idx="11" type="ftr"/>
+          </p:nvPr>
+        </p:nvSpPr>
+        <p:spPr>
+          <a:xfrm>
+            <a:off x="625475" y="76200"/>
+            <a:ext cx="6507600" cy="304800"/>
+          </a:xfrm>
+          <a:prstGeom prst="rect">
+            <a:avLst/>
+          </a:prstGeom>
+          <a:noFill/>
+          <a:ln>
+            <a:noFill/>
+          </a:ln>
+        </p:spPr>
+        <p:txBody>
+          <a:bodyPr anchorCtr="0" anchor="ctr" bIns="45700" lIns="91425" spcFirstLastPara="1" rIns="91425" wrap="square" tIns="45700">
+            <a:noAutofit/>
+          </a:bodyPr>
+          <a:lstStyle/>
+          <a:p>
+            <a:pPr indent="0" lvl="0" marL="0" rtl="0" algn="l">
+              <a:spcBef>
+                <a:spcPts val="0"/>
+              </a:spcBef>
+              <a:spcAft>
+                <a:spcPts val="0"/>
+              </a:spcAft>
+              <a:buClr>
+                <a:srgbClr val="000000"/>
+              </a:buClr>
+              <a:buFont typeface="Arial"/>
+              <a:buNone/>
+            </a:pPr>
+            <a:r>
+              <a:rPr lang="en-US"/>
+              <a:t>Facial Emotion Recognition on FER2013 Using VGGNet</a:t>
+            </a:r>
+            <a:endParaRPr/>
+          </a:p>
+          <a:p>
+            <a:pPr indent="0" lvl="0" marL="0" rtl="0" algn="l">
+              <a:spcBef>
+                <a:spcPts val="0"/>
+              </a:spcBef>
+              <a:spcAft>
+                <a:spcPts val="0"/>
+              </a:spcAft>
+              <a:buClr>
+                <a:srgbClr val="000000"/>
+              </a:buClr>
+              <a:buFont typeface="Arial"/>
+              <a:buNone/>
+            </a:pPr>
+            <a:r>
+              <a:t/>
+            </a:r>
+            <a:endParaRPr/>
+          </a:p>
+        </p:txBody>
+      </p:sp>
     </p:spTree>
   </p:cSld>
   <p:clrMapOvr>
@@ -17944,6 +19401,285 @@
 </file>
 
 <file path=ppt/theme/theme1.xml><?xml version="1.0" encoding="utf-8"?>
+<a:theme xmlns:a="http://schemas.openxmlformats.org/drawingml/2006/main" xmlns:r="http://schemas.openxmlformats.org/officeDocument/2006/relationships" name="Blank Presentation">
+  <a:themeElements>
+    <a:clrScheme name="Blank Presentation 1">
+      <a:dk1>
+        <a:srgbClr val="000000"/>
+      </a:dk1>
+      <a:lt1>
+        <a:srgbClr val="FFFFFF"/>
+      </a:lt1>
+      <a:dk2>
+        <a:srgbClr val="000000"/>
+      </a:dk2>
+      <a:lt2>
+        <a:srgbClr val="808080"/>
+      </a:lt2>
+      <a:accent1>
+        <a:srgbClr val="BBE0E3"/>
+      </a:accent1>
+      <a:accent2>
+        <a:srgbClr val="333399"/>
+      </a:accent2>
+      <a:accent3>
+        <a:srgbClr val="FFFFFF"/>
+      </a:accent3>
+      <a:accent4>
+        <a:srgbClr val="000000"/>
+      </a:accent4>
+      <a:accent5>
+        <a:srgbClr val="DAEDEF"/>
+      </a:accent5>
+      <a:accent6>
+        <a:srgbClr val="2D2D8A"/>
+      </a:accent6>
+      <a:hlink>
+        <a:srgbClr val="009999"/>
+      </a:hlink>
+      <a:folHlink>
+        <a:srgbClr val="99CC00"/>
+      </a:folHlink>
+    </a:clrScheme>
+    <a:fontScheme name="Office">
+      <a:majorFont>
+        <a:latin typeface="Arial"/>
+        <a:ea typeface=""/>
+        <a:cs typeface=""/>
+        <a:font script="Jpan" typeface="ＭＳ Ｐゴシック"/>
+        <a:font script="Hang" typeface="맑은 고딕"/>
+        <a:font script="Hans" typeface="宋体"/>
+        <a:font script="Hant" typeface="新細明體"/>
+        <a:font script="Arab" typeface="Times New Roman"/>
+        <a:font script="Hebr" typeface="Times New Roman"/>
+        <a:font script="Thai" typeface="Angsana New"/>
+        <a:font script="Ethi" typeface="Nyala"/>
+        <a:font script="Beng" typeface="Vrinda"/>
+        <a:font script="Gujr" typeface="Shruti"/>
+        <a:font script="Khmr" typeface="MoolBoran"/>
+        <a:font script="Knda" typeface="Tunga"/>
+        <a:font script="Guru" typeface="Raavi"/>
+        <a:font script="Cans" typeface="Euphemia"/>
+        <a:font script="Cher" typeface="Plantagenet Cherokee"/>
+        <a:font script="Yiii" typeface="Microsoft Yi Baiti"/>
+        <a:font script="Tibt" typeface="Microsoft Himalaya"/>
+        <a:font script="Thaa" typeface="MV Boli"/>
+        <a:font script="Deva" typeface="Mangal"/>
+        <a:font script="Telu" typeface="Gautami"/>
+        <a:font script="Taml" typeface="Latha"/>
+        <a:font script="Syrc" typeface="Estrangelo Edessa"/>
+        <a:font script="Orya" typeface="Kalinga"/>
+        <a:font script="Mlym" typeface="Kartika"/>
+        <a:font script="Laoo" typeface="DokChampa"/>
+        <a:font script="Sinh" typeface="Iskoola Pota"/>
+        <a:font script="Mong" typeface="Mongolian Baiti"/>
+        <a:font script="Viet" typeface="Times New Roman"/>
+        <a:font script="Uigh" typeface="Microsoft Uighur"/>
+        <a:font script="Geor" typeface="Sylfaen"/>
+      </a:majorFont>
+      <a:minorFont>
+        <a:latin typeface="Arial"/>
+        <a:ea typeface=""/>
+        <a:cs typeface=""/>
+        <a:font script="Jpan" typeface="ＭＳ Ｐゴシック"/>
+        <a:font script="Hang" typeface="맑은 고딕"/>
+        <a:font script="Hans" typeface="宋体"/>
+        <a:font script="Hant" typeface="新細明體"/>
+        <a:font script="Arab" typeface="Arial"/>
+        <a:font script="Hebr" typeface="Arial"/>
+        <a:font script="Thai" typeface="Cordia New"/>
+        <a:font script="Ethi" typeface="Nyala"/>
+        <a:font script="Beng" typeface="Vrinda"/>
+        <a:font script="Gujr" typeface="Shruti"/>
+        <a:font script="Khmr" typeface="DaunPenh"/>
+        <a:font script="Knda" typeface="Tunga"/>
+        <a:font script="Guru" typeface="Raavi"/>
+        <a:font script="Cans" typeface="Euphemia"/>
+        <a:font script="Cher" typeface="Plantagenet Cherokee"/>
+        <a:font script="Yiii" typeface="Microsoft Yi Baiti"/>
+        <a:font script="Tibt" typeface="Microsoft Himalaya"/>
+        <a:font script="Thaa" typeface="MV Boli"/>
+        <a:font script="Deva" typeface="Mangal"/>
+        <a:font script="Telu" typeface="Gautami"/>
+        <a:font script="Taml" typeface="Latha"/>
+        <a:font script="Syrc" typeface="Estrangelo Edessa"/>
+        <a:font script="Orya" typeface="Kalinga"/>
+        <a:font script="Mlym" typeface="Kartika"/>
+        <a:font script="Laoo" typeface="DokChampa"/>
+        <a:font script="Sinh" typeface="Iskoola Pota"/>
+        <a:font script="Mong" typeface="Mongolian Baiti"/>
+        <a:font script="Viet" typeface="Arial"/>
+        <a:font script="Uigh" typeface="Microsoft Uighur"/>
+        <a:font script="Geor" typeface="Sylfaen"/>
+      </a:minorFont>
+    </a:fontScheme>
+    <a:fmtScheme name="Office">
+      <a:fillStyleLst>
+        <a:solidFill>
+          <a:schemeClr val="phClr"/>
+        </a:solidFill>
+        <a:gradFill rotWithShape="1">
+          <a:gsLst>
+            <a:gs pos="0">
+              <a:schemeClr val="phClr">
+                <a:tint val="50000"/>
+                <a:satMod val="300000"/>
+              </a:schemeClr>
+            </a:gs>
+            <a:gs pos="35000">
+              <a:schemeClr val="phClr">
+                <a:tint val="37000"/>
+                <a:satMod val="300000"/>
+              </a:schemeClr>
+            </a:gs>
+            <a:gs pos="100000">
+              <a:schemeClr val="phClr">
+                <a:tint val="15000"/>
+                <a:satMod val="350000"/>
+              </a:schemeClr>
+            </a:gs>
+          </a:gsLst>
+          <a:lin ang="16200000" scaled="1"/>
+        </a:gradFill>
+        <a:gradFill rotWithShape="1">
+          <a:gsLst>
+            <a:gs pos="0">
+              <a:schemeClr val="phClr">
+                <a:tint val="100000"/>
+                <a:shade val="100000"/>
+                <a:satMod val="130000"/>
+              </a:schemeClr>
+            </a:gs>
+            <a:gs pos="100000">
+              <a:schemeClr val="phClr">
+                <a:tint val="50000"/>
+                <a:shade val="100000"/>
+                <a:satMod val="350000"/>
+              </a:schemeClr>
+            </a:gs>
+          </a:gsLst>
+          <a:lin ang="16200000" scaled="0"/>
+        </a:gradFill>
+      </a:fillStyleLst>
+      <a:lnStyleLst>
+        <a:ln w="9525" cap="flat" cmpd="sng" algn="ctr">
+          <a:solidFill>
+            <a:schemeClr val="phClr">
+              <a:shade val="95000"/>
+              <a:satMod val="105000"/>
+            </a:schemeClr>
+          </a:solidFill>
+          <a:prstDash val="solid"/>
+        </a:ln>
+        <a:ln w="25400" cap="flat" cmpd="sng" algn="ctr">
+          <a:solidFill>
+            <a:schemeClr val="phClr"/>
+          </a:solidFill>
+          <a:prstDash val="solid"/>
+        </a:ln>
+        <a:ln w="38100" cap="flat" cmpd="sng" algn="ctr">
+          <a:solidFill>
+            <a:schemeClr val="phClr"/>
+          </a:solidFill>
+          <a:prstDash val="solid"/>
+        </a:ln>
+      </a:lnStyleLst>
+      <a:effectStyleLst>
+        <a:effectStyle>
+          <a:effectLst>
+            <a:outerShdw blurRad="40000" dist="20000" dir="5400000" rotWithShape="0">
+              <a:srgbClr val="000000">
+                <a:alpha val="38000"/>
+              </a:srgbClr>
+            </a:outerShdw>
+          </a:effectLst>
+        </a:effectStyle>
+        <a:effectStyle>
+          <a:effectLst>
+            <a:outerShdw blurRad="40000" dist="23000" dir="5400000" rotWithShape="0">
+              <a:srgbClr val="000000">
+                <a:alpha val="35000"/>
+              </a:srgbClr>
+            </a:outerShdw>
+          </a:effectLst>
+        </a:effectStyle>
+        <a:effectStyle>
+          <a:effectLst>
+            <a:outerShdw blurRad="40000" dist="23000" dir="5400000" rotWithShape="0">
+              <a:srgbClr val="000000">
+                <a:alpha val="35000"/>
+              </a:srgbClr>
+            </a:outerShdw>
+          </a:effectLst>
+          <a:scene3d>
+            <a:camera prst="orthographicFront">
+              <a:rot lat="0" lon="0" rev="0"/>
+            </a:camera>
+            <a:lightRig rig="threePt" dir="t">
+              <a:rot lat="0" lon="0" rev="1200000"/>
+            </a:lightRig>
+          </a:scene3d>
+          <a:sp3d>
+            <a:bevelT w="63500" h="25400"/>
+          </a:sp3d>
+        </a:effectStyle>
+      </a:effectStyleLst>
+      <a:bgFillStyleLst>
+        <a:solidFill>
+          <a:schemeClr val="phClr"/>
+        </a:solidFill>
+        <a:gradFill rotWithShape="1">
+          <a:gsLst>
+            <a:gs pos="0">
+              <a:schemeClr val="phClr">
+                <a:tint val="40000"/>
+                <a:satMod val="350000"/>
+              </a:schemeClr>
+            </a:gs>
+            <a:gs pos="40000">
+              <a:schemeClr val="phClr">
+                <a:tint val="45000"/>
+                <a:shade val="99000"/>
+                <a:satMod val="350000"/>
+              </a:schemeClr>
+            </a:gs>
+            <a:gs pos="100000">
+              <a:schemeClr val="phClr">
+                <a:shade val="20000"/>
+                <a:satMod val="255000"/>
+              </a:schemeClr>
+            </a:gs>
+          </a:gsLst>
+          <a:path path="circle">
+            <a:fillToRect l="50000" t="-80000" r="50000" b="180000"/>
+          </a:path>
+        </a:gradFill>
+        <a:gradFill rotWithShape="1">
+          <a:gsLst>
+            <a:gs pos="0">
+              <a:schemeClr val="phClr">
+                <a:tint val="80000"/>
+                <a:satMod val="300000"/>
+              </a:schemeClr>
+            </a:gs>
+            <a:gs pos="100000">
+              <a:schemeClr val="phClr">
+                <a:shade val="30000"/>
+                <a:satMod val="200000"/>
+              </a:schemeClr>
+            </a:gs>
+          </a:gsLst>
+          <a:path path="circle">
+            <a:fillToRect l="50000" t="50000" r="50000" b="50000"/>
+          </a:path>
+        </a:gradFill>
+      </a:bgFillStyleLst>
+    </a:fmtScheme>
+  </a:themeElements>
+</a:theme>
+</file>
+
+<file path=ppt/theme/theme2.xml><?xml version="1.0" encoding="utf-8"?>
 <a:theme xmlns:a="http://schemas.openxmlformats.org/drawingml/2006/main" xmlns:r="http://schemas.openxmlformats.org/officeDocument/2006/relationships" name="Office Theme">
   <a:themeElements>
     <a:clrScheme name="">
@@ -18220,283 +19956,4 @@
     </a:fmtScheme>
   </a:themeElements>
 </a:theme>
-</file>
-
-<file path=ppt/theme/theme2.xml><?xml version="1.0" encoding="utf-8"?>
-<a:theme xmlns:a="http://schemas.openxmlformats.org/drawingml/2006/main" xmlns:r="http://schemas.openxmlformats.org/officeDocument/2006/relationships" name="Blank Presentation">
-  <a:themeElements>
-    <a:clrScheme name="Blank Presentation 1">
-      <a:dk1>
-        <a:srgbClr val="000000"/>
-      </a:dk1>
-      <a:lt1>
-        <a:srgbClr val="FFFFFF"/>
-      </a:lt1>
-      <a:dk2>
-        <a:srgbClr val="000000"/>
-      </a:dk2>
-      <a:lt2>
-        <a:srgbClr val="808080"/>
-      </a:lt2>
-      <a:accent1>
-        <a:srgbClr val="BBE0E3"/>
-      </a:accent1>
-      <a:accent2>
-        <a:srgbClr val="333399"/>
-      </a:accent2>
-      <a:accent3>
-        <a:srgbClr val="FFFFFF"/>
-      </a:accent3>
-      <a:accent4>
-        <a:srgbClr val="000000"/>
-      </a:accent4>
-      <a:accent5>
-        <a:srgbClr val="DAEDEF"/>
-      </a:accent5>
-      <a:accent6>
-        <a:srgbClr val="2D2D8A"/>
-      </a:accent6>
-      <a:hlink>
-        <a:srgbClr val="009999"/>
-      </a:hlink>
-      <a:folHlink>
-        <a:srgbClr val="99CC00"/>
-      </a:folHlink>
-    </a:clrScheme>
-    <a:fontScheme name="Office">
-      <a:majorFont>
-        <a:latin typeface="Arial"/>
-        <a:ea typeface=""/>
-        <a:cs typeface=""/>
-        <a:font script="Jpan" typeface="ＭＳ Ｐゴシック"/>
-        <a:font script="Hang" typeface="맑은 고딕"/>
-        <a:font script="Hans" typeface="宋体"/>
-        <a:font script="Hant" typeface="新細明體"/>
-        <a:font script="Arab" typeface="Times New Roman"/>
-        <a:font script="Hebr" typeface="Times New Roman"/>
-        <a:font script="Thai" typeface="Angsana New"/>
-        <a:font script="Ethi" typeface="Nyala"/>
-        <a:font script="Beng" typeface="Vrinda"/>
-        <a:font script="Gujr" typeface="Shruti"/>
-        <a:font script="Khmr" typeface="MoolBoran"/>
-        <a:font script="Knda" typeface="Tunga"/>
-        <a:font script="Guru" typeface="Raavi"/>
-        <a:font script="Cans" typeface="Euphemia"/>
-        <a:font script="Cher" typeface="Plantagenet Cherokee"/>
-        <a:font script="Yiii" typeface="Microsoft Yi Baiti"/>
-        <a:font script="Tibt" typeface="Microsoft Himalaya"/>
-        <a:font script="Thaa" typeface="MV Boli"/>
-        <a:font script="Deva" typeface="Mangal"/>
-        <a:font script="Telu" typeface="Gautami"/>
-        <a:font script="Taml" typeface="Latha"/>
-        <a:font script="Syrc" typeface="Estrangelo Edessa"/>
-        <a:font script="Orya" typeface="Kalinga"/>
-        <a:font script="Mlym" typeface="Kartika"/>
-        <a:font script="Laoo" typeface="DokChampa"/>
-        <a:font script="Sinh" typeface="Iskoola Pota"/>
-        <a:font script="Mong" typeface="Mongolian Baiti"/>
-        <a:font script="Viet" typeface="Times New Roman"/>
-        <a:font script="Uigh" typeface="Microsoft Uighur"/>
-        <a:font script="Geor" typeface="Sylfaen"/>
-      </a:majorFont>
-      <a:minorFont>
-        <a:latin typeface="Arial"/>
-        <a:ea typeface=""/>
-        <a:cs typeface=""/>
-        <a:font script="Jpan" typeface="ＭＳ Ｐゴシック"/>
-        <a:font script="Hang" typeface="맑은 고딕"/>
-        <a:font script="Hans" typeface="宋体"/>
-        <a:font script="Hant" typeface="新細明體"/>
-        <a:font script="Arab" typeface="Arial"/>
-        <a:font script="Hebr" typeface="Arial"/>
-        <a:font script="Thai" typeface="Cordia New"/>
-        <a:font script="Ethi" typeface="Nyala"/>
-        <a:font script="Beng" typeface="Vrinda"/>
-        <a:font script="Gujr" typeface="Shruti"/>
-        <a:font script="Khmr" typeface="DaunPenh"/>
-        <a:font script="Knda" typeface="Tunga"/>
-        <a:font script="Guru" typeface="Raavi"/>
-        <a:font script="Cans" typeface="Euphemia"/>
-        <a:font script="Cher" typeface="Plantagenet Cherokee"/>
-        <a:font script="Yiii" typeface="Microsoft Yi Baiti"/>
-        <a:font script="Tibt" typeface="Microsoft Himalaya"/>
-        <a:font script="Thaa" typeface="MV Boli"/>
-        <a:font script="Deva" typeface="Mangal"/>
-        <a:font script="Telu" typeface="Gautami"/>
-        <a:font script="Taml" typeface="Latha"/>
-        <a:font script="Syrc" typeface="Estrangelo Edessa"/>
-        <a:font script="Orya" typeface="Kalinga"/>
-        <a:font script="Mlym" typeface="Kartika"/>
-        <a:font script="Laoo" typeface="DokChampa"/>
-        <a:font script="Sinh" typeface="Iskoola Pota"/>
-        <a:font script="Mong" typeface="Mongolian Baiti"/>
-        <a:font script="Viet" typeface="Arial"/>
-        <a:font script="Uigh" typeface="Microsoft Uighur"/>
-        <a:font script="Geor" typeface="Sylfaen"/>
-      </a:minorFont>
-    </a:fontScheme>
-    <a:fmtScheme name="Office">
-      <a:fillStyleLst>
-        <a:solidFill>
-          <a:schemeClr val="phClr"/>
-        </a:solidFill>
-        <a:gradFill rotWithShape="1">
-          <a:gsLst>
-            <a:gs pos="0">
-              <a:schemeClr val="phClr">
-                <a:tint val="50000"/>
-                <a:satMod val="300000"/>
-              </a:schemeClr>
-            </a:gs>
-            <a:gs pos="35000">
-              <a:schemeClr val="phClr">
-                <a:tint val="37000"/>
-                <a:satMod val="300000"/>
-              </a:schemeClr>
-            </a:gs>
-            <a:gs pos="100000">
-              <a:schemeClr val="phClr">
-                <a:tint val="15000"/>
-                <a:satMod val="350000"/>
-              </a:schemeClr>
-            </a:gs>
-          </a:gsLst>
-          <a:lin ang="16200000" scaled="1"/>
-        </a:gradFill>
-        <a:gradFill rotWithShape="1">
-          <a:gsLst>
-            <a:gs pos="0">
-              <a:schemeClr val="phClr">
-                <a:tint val="100000"/>
-                <a:shade val="100000"/>
-                <a:satMod val="130000"/>
-              </a:schemeClr>
-            </a:gs>
-            <a:gs pos="100000">
-              <a:schemeClr val="phClr">
-                <a:tint val="50000"/>
-                <a:shade val="100000"/>
-                <a:satMod val="350000"/>
-              </a:schemeClr>
-            </a:gs>
-          </a:gsLst>
-          <a:lin ang="16200000" scaled="0"/>
-        </a:gradFill>
-      </a:fillStyleLst>
-      <a:lnStyleLst>
-        <a:ln w="9525" cap="flat" cmpd="sng" algn="ctr">
-          <a:solidFill>
-            <a:schemeClr val="phClr">
-              <a:shade val="95000"/>
-              <a:satMod val="105000"/>
-            </a:schemeClr>
-          </a:solidFill>
-          <a:prstDash val="solid"/>
-        </a:ln>
-        <a:ln w="25400" cap="flat" cmpd="sng" algn="ctr">
-          <a:solidFill>
-            <a:schemeClr val="phClr"/>
-          </a:solidFill>
-          <a:prstDash val="solid"/>
-        </a:ln>
-        <a:ln w="38100" cap="flat" cmpd="sng" algn="ctr">
-          <a:solidFill>
-            <a:schemeClr val="phClr"/>
-          </a:solidFill>
-          <a:prstDash val="solid"/>
-        </a:ln>
-      </a:lnStyleLst>
-      <a:effectStyleLst>
-        <a:effectStyle>
-          <a:effectLst>
-            <a:outerShdw blurRad="40000" dist="20000" dir="5400000" rotWithShape="0">
-              <a:srgbClr val="000000">
-                <a:alpha val="38000"/>
-              </a:srgbClr>
-            </a:outerShdw>
-          </a:effectLst>
-        </a:effectStyle>
-        <a:effectStyle>
-          <a:effectLst>
-            <a:outerShdw blurRad="40000" dist="23000" dir="5400000" rotWithShape="0">
-              <a:srgbClr val="000000">
-                <a:alpha val="35000"/>
-              </a:srgbClr>
-            </a:outerShdw>
-          </a:effectLst>
-        </a:effectStyle>
-        <a:effectStyle>
-          <a:effectLst>
-            <a:outerShdw blurRad="40000" dist="23000" dir="5400000" rotWithShape="0">
-              <a:srgbClr val="000000">
-                <a:alpha val="35000"/>
-              </a:srgbClr>
-            </a:outerShdw>
-          </a:effectLst>
-          <a:scene3d>
-            <a:camera prst="orthographicFront">
-              <a:rot lat="0" lon="0" rev="0"/>
-            </a:camera>
-            <a:lightRig rig="threePt" dir="t">
-              <a:rot lat="0" lon="0" rev="1200000"/>
-            </a:lightRig>
-          </a:scene3d>
-          <a:sp3d>
-            <a:bevelT w="63500" h="25400"/>
-          </a:sp3d>
-        </a:effectStyle>
-      </a:effectStyleLst>
-      <a:bgFillStyleLst>
-        <a:solidFill>
-          <a:schemeClr val="phClr"/>
-        </a:solidFill>
-        <a:gradFill rotWithShape="1">
-          <a:gsLst>
-            <a:gs pos="0">
-              <a:schemeClr val="phClr">
-                <a:tint val="40000"/>
-                <a:satMod val="350000"/>
-              </a:schemeClr>
-            </a:gs>
-            <a:gs pos="40000">
-              <a:schemeClr val="phClr">
-                <a:tint val="45000"/>
-                <a:shade val="99000"/>
-                <a:satMod val="350000"/>
-              </a:schemeClr>
-            </a:gs>
-            <a:gs pos="100000">
-              <a:schemeClr val="phClr">
-                <a:shade val="20000"/>
-                <a:satMod val="255000"/>
-              </a:schemeClr>
-            </a:gs>
-          </a:gsLst>
-          <a:path path="circle">
-            <a:fillToRect l="50000" t="-80000" r="50000" b="180000"/>
-          </a:path>
-        </a:gradFill>
-        <a:gradFill rotWithShape="1">
-          <a:gsLst>
-            <a:gs pos="0">
-              <a:schemeClr val="phClr">
-                <a:tint val="80000"/>
-                <a:satMod val="300000"/>
-              </a:schemeClr>
-            </a:gs>
-            <a:gs pos="100000">
-              <a:schemeClr val="phClr">
-                <a:shade val="30000"/>
-                <a:satMod val="200000"/>
-              </a:schemeClr>
-            </a:gs>
-          </a:gsLst>
-          <a:path path="circle">
-            <a:fillToRect l="50000" t="50000" r="50000" b="50000"/>
-          </a:path>
-        </a:gradFill>
-      </a:bgFillStyleLst>
-    </a:fmtScheme>
-  </a:themeElements>
-</a:theme>
 </file>